--- a/Lectures2019/chimeraNGStyping2020Jan.pptx
+++ b/Lectures2019/chimeraNGStyping2020Jan.pptx
@@ -26,6 +26,16 @@
     <p:sldId id="274" r:id="rId20"/>
     <p:sldId id="275" r:id="rId21"/>
     <p:sldId id="276" r:id="rId22"/>
+    <p:sldId id="277" r:id="rId23"/>
+    <p:sldId id="282" r:id="rId24"/>
+    <p:sldId id="281" r:id="rId25"/>
+    <p:sldId id="283" r:id="rId26"/>
+    <p:sldId id="284" r:id="rId27"/>
+    <p:sldId id="286" r:id="rId28"/>
+    <p:sldId id="285" r:id="rId29"/>
+    <p:sldId id="278" r:id="rId30"/>
+    <p:sldId id="279" r:id="rId31"/>
+    <p:sldId id="280" r:id="rId32"/>
   </p:sldIdLst>
   <p:sldSz cx="12192000" cy="6858000"/>
   <p:notesSz cx="6858000" cy="9144000"/>
@@ -124,6 +134,11 @@
       </a:defRPr>
     </a:lvl9pPr>
   </p:defaultTextStyle>
+  <p:extLst>
+    <p:ext uri="{EFAFB233-063F-42B5-8137-9DF3F51BA10A}">
+      <p15:sldGuideLst xmlns:p15="http://schemas.microsoft.com/office/powerpoint/2012/main"/>
+    </p:ext>
+  </p:extLst>
 </p:presentation>
 </file>
 
@@ -258,7 +273,7 @@
           <a:p>
             <a:fld id="{7CCE50EF-76CA-4A3F-A456-16AC7B0B6587}" type="datetimeFigureOut">
               <a:rPr kumimoji="1" lang="ja-JP" altLang="en-US" smtClean="0"/>
-              <a:t>2020/1/9</a:t>
+              <a:t>2020/1/10</a:t>
             </a:fld>
             <a:endParaRPr kumimoji="1" lang="ja-JP" altLang="en-US"/>
           </a:p>
@@ -460,7 +475,7 @@
           <a:p>
             <a:fld id="{7CCE50EF-76CA-4A3F-A456-16AC7B0B6587}" type="datetimeFigureOut">
               <a:rPr kumimoji="1" lang="ja-JP" altLang="en-US" smtClean="0"/>
-              <a:t>2020/1/9</a:t>
+              <a:t>2020/1/10</a:t>
             </a:fld>
             <a:endParaRPr kumimoji="1" lang="ja-JP" altLang="en-US"/>
           </a:p>
@@ -672,7 +687,7 @@
           <a:p>
             <a:fld id="{7CCE50EF-76CA-4A3F-A456-16AC7B0B6587}" type="datetimeFigureOut">
               <a:rPr kumimoji="1" lang="ja-JP" altLang="en-US" smtClean="0"/>
-              <a:t>2020/1/9</a:t>
+              <a:t>2020/1/10</a:t>
             </a:fld>
             <a:endParaRPr kumimoji="1" lang="ja-JP" altLang="en-US"/>
           </a:p>
@@ -874,7 +889,7 @@
           <a:p>
             <a:fld id="{7CCE50EF-76CA-4A3F-A456-16AC7B0B6587}" type="datetimeFigureOut">
               <a:rPr kumimoji="1" lang="ja-JP" altLang="en-US" smtClean="0"/>
-              <a:t>2020/1/9</a:t>
+              <a:t>2020/1/10</a:t>
             </a:fld>
             <a:endParaRPr kumimoji="1" lang="ja-JP" altLang="en-US"/>
           </a:p>
@@ -1120,7 +1135,7 @@
           <a:p>
             <a:fld id="{7CCE50EF-76CA-4A3F-A456-16AC7B0B6587}" type="datetimeFigureOut">
               <a:rPr kumimoji="1" lang="ja-JP" altLang="en-US" smtClean="0"/>
-              <a:t>2020/1/9</a:t>
+              <a:t>2020/1/10</a:t>
             </a:fld>
             <a:endParaRPr kumimoji="1" lang="ja-JP" altLang="en-US"/>
           </a:p>
@@ -1416,7 +1431,7 @@
           <a:p>
             <a:fld id="{7CCE50EF-76CA-4A3F-A456-16AC7B0B6587}" type="datetimeFigureOut">
               <a:rPr kumimoji="1" lang="ja-JP" altLang="en-US" smtClean="0"/>
-              <a:t>2020/1/9</a:t>
+              <a:t>2020/1/10</a:t>
             </a:fld>
             <a:endParaRPr kumimoji="1" lang="ja-JP" altLang="en-US"/>
           </a:p>
@@ -1847,7 +1862,7 @@
           <a:p>
             <a:fld id="{7CCE50EF-76CA-4A3F-A456-16AC7B0B6587}" type="datetimeFigureOut">
               <a:rPr kumimoji="1" lang="ja-JP" altLang="en-US" smtClean="0"/>
-              <a:t>2020/1/9</a:t>
+              <a:t>2020/1/10</a:t>
             </a:fld>
             <a:endParaRPr kumimoji="1" lang="ja-JP" altLang="en-US"/>
           </a:p>
@@ -1965,7 +1980,7 @@
           <a:p>
             <a:fld id="{7CCE50EF-76CA-4A3F-A456-16AC7B0B6587}" type="datetimeFigureOut">
               <a:rPr kumimoji="1" lang="ja-JP" altLang="en-US" smtClean="0"/>
-              <a:t>2020/1/9</a:t>
+              <a:t>2020/1/10</a:t>
             </a:fld>
             <a:endParaRPr kumimoji="1" lang="ja-JP" altLang="en-US"/>
           </a:p>
@@ -2060,7 +2075,7 @@
           <a:p>
             <a:fld id="{7CCE50EF-76CA-4A3F-A456-16AC7B0B6587}" type="datetimeFigureOut">
               <a:rPr kumimoji="1" lang="ja-JP" altLang="en-US" smtClean="0"/>
-              <a:t>2020/1/9</a:t>
+              <a:t>2020/1/10</a:t>
             </a:fld>
             <a:endParaRPr kumimoji="1" lang="ja-JP" altLang="en-US"/>
           </a:p>
@@ -2369,7 +2384,7 @@
           <a:p>
             <a:fld id="{7CCE50EF-76CA-4A3F-A456-16AC7B0B6587}" type="datetimeFigureOut">
               <a:rPr kumimoji="1" lang="ja-JP" altLang="en-US" smtClean="0"/>
-              <a:t>2020/1/9</a:t>
+              <a:t>2020/1/10</a:t>
             </a:fld>
             <a:endParaRPr kumimoji="1" lang="ja-JP" altLang="en-US"/>
           </a:p>
@@ -2622,7 +2637,7 @@
           <a:p>
             <a:fld id="{7CCE50EF-76CA-4A3F-A456-16AC7B0B6587}" type="datetimeFigureOut">
               <a:rPr kumimoji="1" lang="ja-JP" altLang="en-US" smtClean="0"/>
-              <a:t>2020/1/9</a:t>
+              <a:t>2020/1/10</a:t>
             </a:fld>
             <a:endParaRPr kumimoji="1" lang="ja-JP" altLang="en-US"/>
           </a:p>
@@ -2867,7 +2882,7 @@
           <a:p>
             <a:fld id="{7CCE50EF-76CA-4A3F-A456-16AC7B0B6587}" type="datetimeFigureOut">
               <a:rPr kumimoji="1" lang="ja-JP" altLang="en-US" smtClean="0"/>
-              <a:t>2020/1/9</a:t>
+              <a:t>2020/1/10</a:t>
             </a:fld>
             <a:endParaRPr kumimoji="1" lang="ja-JP" altLang="en-US"/>
           </a:p>
@@ -5128,6 +5143,1019 @@
 </p:sld>
 </file>
 
+<file path=ppt/slides/slide22.xml><?xml version="1.0" encoding="utf-8"?>
+<p:sld xmlns:a="http://schemas.openxmlformats.org/drawingml/2006/main" xmlns:r="http://schemas.openxmlformats.org/officeDocument/2006/relationships" xmlns:p="http://schemas.openxmlformats.org/presentationml/2006/main">
+  <p:cSld>
+    <p:spTree>
+      <p:nvGrpSpPr>
+        <p:cNvPr id="1" name=""/>
+        <p:cNvGrpSpPr/>
+        <p:nvPr/>
+      </p:nvGrpSpPr>
+      <p:grpSpPr>
+        <a:xfrm>
+          <a:off x="0" y="0"/>
+          <a:ext cx="0" cy="0"/>
+          <a:chOff x="0" y="0"/>
+          <a:chExt cx="0" cy="0"/>
+        </a:xfrm>
+      </p:grpSpPr>
+      <p:sp>
+        <p:nvSpPr>
+          <p:cNvPr id="2" name="タイトル 1"/>
+          <p:cNvSpPr>
+            <a:spLocks noGrp="1"/>
+          </p:cNvSpPr>
+          <p:nvPr>
+            <p:ph type="title"/>
+          </p:nvPr>
+        </p:nvSpPr>
+        <p:spPr/>
+        <p:txBody>
+          <a:bodyPr/>
+          <a:lstStyle/>
+          <a:p>
+            <a:r>
+              <a:rPr kumimoji="1" lang="ja-JP" altLang="en-US" dirty="0" smtClean="0"/>
+              <a:t>シークエンサーデータ</a:t>
+            </a:r>
+            <a:endParaRPr kumimoji="1" lang="ja-JP" altLang="en-US" dirty="0"/>
+          </a:p>
+        </p:txBody>
+      </p:sp>
+      <p:sp>
+        <p:nvSpPr>
+          <p:cNvPr id="3" name="コンテンツ プレースホルダー 2"/>
+          <p:cNvSpPr>
+            <a:spLocks noGrp="1"/>
+          </p:cNvSpPr>
+          <p:nvPr>
+            <p:ph idx="1"/>
+          </p:nvPr>
+        </p:nvSpPr>
+        <p:spPr>
+          <a:xfrm>
+            <a:off x="1496632" y="1600195"/>
+            <a:ext cx="5962259" cy="1698319"/>
+          </a:xfrm>
+        </p:spPr>
+        <p:txBody>
+          <a:bodyPr>
+            <a:normAutofit fontScale="92500" lnSpcReduction="20000"/>
+          </a:bodyPr>
+          <a:lstStyle/>
+          <a:p>
+            <a:r>
+              <a:rPr kumimoji="1" lang="ja-JP" altLang="en-US" dirty="0" smtClean="0"/>
+              <a:t>ショートリード</a:t>
+            </a:r>
+            <a:endParaRPr kumimoji="1" lang="en-US" altLang="ja-JP" dirty="0" smtClean="0"/>
+          </a:p>
+          <a:p>
+            <a:r>
+              <a:rPr lang="ja-JP" altLang="en-US" dirty="0" smtClean="0"/>
+              <a:t>マッピング</a:t>
+            </a:r>
+            <a:endParaRPr lang="en-US" altLang="ja-JP" dirty="0" smtClean="0"/>
+          </a:p>
+          <a:p>
+            <a:endParaRPr kumimoji="1" lang="en-US" altLang="ja-JP" dirty="0"/>
+          </a:p>
+          <a:p>
+            <a:r>
+              <a:rPr lang="ja-JP" altLang="en-US" dirty="0" smtClean="0"/>
+              <a:t>値は、</a:t>
+            </a:r>
+            <a:r>
+              <a:rPr lang="en-US" altLang="ja-JP" dirty="0" smtClean="0"/>
+              <a:t>0,1,2,… </a:t>
+            </a:r>
+            <a:endParaRPr kumimoji="1" lang="ja-JP" altLang="en-US" dirty="0"/>
+          </a:p>
+        </p:txBody>
+      </p:sp>
+      <p:pic>
+        <p:nvPicPr>
+          <p:cNvPr id="1026" name="Picture 2" descr="Mapping Reads.png"/>
+          <p:cNvPicPr>
+            <a:picLocks noChangeAspect="1" noChangeArrowheads="1"/>
+          </p:cNvPicPr>
+          <p:nvPr/>
+        </p:nvPicPr>
+        <p:blipFill>
+          <a:blip r:embed="rId2">
+            <a:extLst>
+              <a:ext uri="{28A0092B-C50C-407E-A947-70E740481C1C}">
+                <a14:useLocalDpi xmlns:a14="http://schemas.microsoft.com/office/drawing/2010/main" val="0"/>
+              </a:ext>
+            </a:extLst>
+          </a:blip>
+          <a:srcRect/>
+          <a:stretch>
+            <a:fillRect/>
+          </a:stretch>
+        </p:blipFill>
+        <p:spPr bwMode="auto">
+          <a:xfrm>
+            <a:off x="4652840" y="1340944"/>
+            <a:ext cx="6928966" cy="5006354"/>
+          </a:xfrm>
+          <a:prstGeom prst="rect">
+            <a:avLst/>
+          </a:prstGeom>
+          <a:noFill/>
+          <a:extLst>
+            <a:ext uri="{909E8E84-426E-40DD-AFC4-6F175D3DCCD1}">
+              <a14:hiddenFill xmlns:a14="http://schemas.microsoft.com/office/drawing/2010/main">
+                <a:solidFill>
+                  <a:srgbClr val="FFFFFF"/>
+                </a:solidFill>
+              </a14:hiddenFill>
+            </a:ext>
+          </a:extLst>
+        </p:spPr>
+      </p:pic>
+    </p:spTree>
+    <p:extLst>
+      <p:ext uri="{BB962C8B-B14F-4D97-AF65-F5344CB8AC3E}">
+        <p14:creationId xmlns:p14="http://schemas.microsoft.com/office/powerpoint/2010/main" val="3668930503"/>
+      </p:ext>
+    </p:extLst>
+  </p:cSld>
+  <p:clrMapOvr>
+    <a:masterClrMapping/>
+  </p:clrMapOvr>
+</p:sld>
+</file>
+
+<file path=ppt/slides/slide23.xml><?xml version="1.0" encoding="utf-8"?>
+<p:sld xmlns:a="http://schemas.openxmlformats.org/drawingml/2006/main" xmlns:r="http://schemas.openxmlformats.org/officeDocument/2006/relationships" xmlns:p="http://schemas.openxmlformats.org/presentationml/2006/main">
+  <p:cSld>
+    <p:spTree>
+      <p:nvGrpSpPr>
+        <p:cNvPr id="1" name=""/>
+        <p:cNvGrpSpPr/>
+        <p:nvPr/>
+      </p:nvGrpSpPr>
+      <p:grpSpPr>
+        <a:xfrm>
+          <a:off x="0" y="0"/>
+          <a:ext cx="0" cy="0"/>
+          <a:chOff x="0" y="0"/>
+          <a:chExt cx="0" cy="0"/>
+        </a:xfrm>
+      </p:grpSpPr>
+      <p:sp>
+        <p:nvSpPr>
+          <p:cNvPr id="2" name="タイトル 1"/>
+          <p:cNvSpPr>
+            <a:spLocks noGrp="1"/>
+          </p:cNvSpPr>
+          <p:nvPr>
+            <p:ph type="title"/>
+          </p:nvPr>
+        </p:nvSpPr>
+        <p:spPr/>
+        <p:txBody>
+          <a:bodyPr/>
+          <a:lstStyle/>
+          <a:p>
+            <a:r>
+              <a:rPr lang="ja-JP" altLang="en-US" dirty="0" smtClean="0"/>
+              <a:t>ホモかヘテロか</a:t>
+            </a:r>
+            <a:endParaRPr kumimoji="1" lang="ja-JP" altLang="en-US" dirty="0"/>
+          </a:p>
+        </p:txBody>
+      </p:sp>
+      <p:sp>
+        <p:nvSpPr>
+          <p:cNvPr id="3" name="コンテンツ プレースホルダー 2"/>
+          <p:cNvSpPr>
+            <a:spLocks noGrp="1"/>
+          </p:cNvSpPr>
+          <p:nvPr>
+            <p:ph idx="1"/>
+          </p:nvPr>
+        </p:nvSpPr>
+        <p:spPr/>
+        <p:txBody>
+          <a:bodyPr/>
+          <a:lstStyle/>
+          <a:p>
+            <a:endParaRPr kumimoji="1" lang="ja-JP" altLang="en-US"/>
+          </a:p>
+        </p:txBody>
+      </p:sp>
+    </p:spTree>
+    <p:extLst>
+      <p:ext uri="{BB962C8B-B14F-4D97-AF65-F5344CB8AC3E}">
+        <p14:creationId xmlns:p14="http://schemas.microsoft.com/office/powerpoint/2010/main" val="3775565399"/>
+      </p:ext>
+    </p:extLst>
+  </p:cSld>
+  <p:clrMapOvr>
+    <a:masterClrMapping/>
+  </p:clrMapOvr>
+</p:sld>
+</file>
+
+<file path=ppt/slides/slide24.xml><?xml version="1.0" encoding="utf-8"?>
+<p:sld xmlns:a="http://schemas.openxmlformats.org/drawingml/2006/main" xmlns:r="http://schemas.openxmlformats.org/officeDocument/2006/relationships" xmlns:p="http://schemas.openxmlformats.org/presentationml/2006/main">
+  <p:cSld>
+    <p:spTree>
+      <p:nvGrpSpPr>
+        <p:cNvPr id="1" name=""/>
+        <p:cNvGrpSpPr/>
+        <p:nvPr/>
+      </p:nvGrpSpPr>
+      <p:grpSpPr>
+        <a:xfrm>
+          <a:off x="0" y="0"/>
+          <a:ext cx="0" cy="0"/>
+          <a:chOff x="0" y="0"/>
+          <a:chExt cx="0" cy="0"/>
+        </a:xfrm>
+      </p:grpSpPr>
+      <p:sp>
+        <p:nvSpPr>
+          <p:cNvPr id="2" name="タイトル 1"/>
+          <p:cNvSpPr>
+            <a:spLocks noGrp="1"/>
+          </p:cNvSpPr>
+          <p:nvPr>
+            <p:ph type="title"/>
+          </p:nvPr>
+        </p:nvSpPr>
+        <p:spPr/>
+        <p:txBody>
+          <a:bodyPr/>
+          <a:lstStyle/>
+          <a:p>
+            <a:r>
+              <a:rPr kumimoji="1" lang="ja-JP" altLang="en-US" dirty="0" smtClean="0"/>
+              <a:t>調べたい場所に必要なマップ本数</a:t>
+            </a:r>
+            <a:endParaRPr kumimoji="1" lang="ja-JP" altLang="en-US" dirty="0"/>
+          </a:p>
+        </p:txBody>
+      </p:sp>
+      <p:sp>
+        <p:nvSpPr>
+          <p:cNvPr id="3" name="コンテンツ プレースホルダー 2"/>
+          <p:cNvSpPr>
+            <a:spLocks noGrp="1"/>
+          </p:cNvSpPr>
+          <p:nvPr>
+            <p:ph idx="1"/>
+          </p:nvPr>
+        </p:nvSpPr>
+        <p:spPr/>
+        <p:txBody>
+          <a:bodyPr/>
+          <a:lstStyle/>
+          <a:p>
+            <a:r>
+              <a:rPr kumimoji="1" lang="ja-JP" altLang="en-US" dirty="0" smtClean="0"/>
+              <a:t>０本　</a:t>
+            </a:r>
+            <a:r>
+              <a:rPr lang="ja-JP" altLang="en-US" dirty="0" smtClean="0"/>
+              <a:t>（</a:t>
+            </a:r>
+            <a:r>
+              <a:rPr lang="en-US" altLang="ja-JP" dirty="0"/>
+              <a:t>A,G) </a:t>
+            </a:r>
+            <a:r>
+              <a:rPr lang="ja-JP" altLang="en-US" dirty="0" smtClean="0"/>
+              <a:t>＝ </a:t>
+            </a:r>
+            <a:r>
+              <a:rPr lang="en-US" altLang="ja-JP" dirty="0" smtClean="0"/>
+              <a:t>(0,0)</a:t>
+            </a:r>
+            <a:endParaRPr kumimoji="1" lang="en-US" altLang="ja-JP" dirty="0" smtClean="0"/>
+          </a:p>
+          <a:p>
+            <a:r>
+              <a:rPr lang="ja-JP" altLang="en-US" dirty="0" smtClean="0"/>
+              <a:t>１本　</a:t>
+            </a:r>
+            <a:r>
+              <a:rPr lang="ja-JP" altLang="en-US" dirty="0"/>
+              <a:t>（</a:t>
+            </a:r>
+            <a:r>
+              <a:rPr lang="en-US" altLang="ja-JP" dirty="0"/>
+              <a:t>A,G) </a:t>
+            </a:r>
+            <a:r>
+              <a:rPr lang="ja-JP" altLang="en-US" dirty="0"/>
+              <a:t>＝ </a:t>
+            </a:r>
+            <a:r>
+              <a:rPr lang="en-US" altLang="ja-JP" dirty="0" smtClean="0"/>
+              <a:t>(1,0), (0,1)</a:t>
+            </a:r>
+            <a:endParaRPr lang="en-US" altLang="ja-JP" dirty="0"/>
+          </a:p>
+          <a:p>
+            <a:r>
+              <a:rPr kumimoji="1" lang="ja-JP" altLang="en-US" dirty="0" smtClean="0"/>
+              <a:t>２本　（</a:t>
+            </a:r>
+            <a:r>
+              <a:rPr lang="en-US" altLang="ja-JP" dirty="0" smtClean="0"/>
+              <a:t>A,G) = (2,0), (1,1), (0,2)</a:t>
+            </a:r>
+          </a:p>
+          <a:p>
+            <a:r>
+              <a:rPr lang="ja-JP" altLang="en-US" dirty="0" smtClean="0"/>
+              <a:t>３本　（</a:t>
+            </a:r>
+            <a:r>
+              <a:rPr lang="en-US" altLang="ja-JP" dirty="0"/>
+              <a:t>A,G) = </a:t>
+            </a:r>
+            <a:r>
+              <a:rPr lang="en-US" altLang="ja-JP" dirty="0" smtClean="0"/>
+              <a:t>(3,0), (2,1), </a:t>
+            </a:r>
+            <a:r>
+              <a:rPr lang="en-US" altLang="ja-JP" dirty="0"/>
+              <a:t>(</a:t>
+            </a:r>
+            <a:r>
+              <a:rPr lang="en-US" altLang="ja-JP" dirty="0" smtClean="0"/>
+              <a:t>1,2), </a:t>
+            </a:r>
+            <a:r>
+              <a:rPr lang="en-US" altLang="ja-JP" dirty="0"/>
+              <a:t>(</a:t>
+            </a:r>
+            <a:r>
+              <a:rPr lang="en-US" altLang="ja-JP" dirty="0" smtClean="0"/>
+              <a:t>0,3)</a:t>
+            </a:r>
+          </a:p>
+          <a:p>
+            <a:r>
+              <a:rPr lang="ja-JP" altLang="en-US" dirty="0" err="1" smtClean="0"/>
+              <a:t>。。。</a:t>
+            </a:r>
+            <a:endParaRPr lang="en-US" altLang="ja-JP" dirty="0" smtClean="0"/>
+          </a:p>
+          <a:p>
+            <a:r>
+              <a:rPr lang="en-US" altLang="ja-JP" dirty="0" smtClean="0"/>
+              <a:t>N</a:t>
+            </a:r>
+            <a:r>
+              <a:rPr lang="ja-JP" altLang="en-US" dirty="0" smtClean="0"/>
+              <a:t>本　   </a:t>
+            </a:r>
+            <a:r>
+              <a:rPr lang="en-US" altLang="ja-JP" dirty="0" smtClean="0"/>
+              <a:t>(A,G)</a:t>
+            </a:r>
+            <a:r>
+              <a:rPr lang="ja-JP" altLang="en-US" dirty="0"/>
+              <a:t> </a:t>
+            </a:r>
+            <a:r>
+              <a:rPr lang="en-US" altLang="ja-JP" dirty="0" smtClean="0"/>
+              <a:t>= (N,0), (N-1,1),….,(N/2,N/2),…,(1,N-1),(0,N)</a:t>
+            </a:r>
+          </a:p>
+          <a:p>
+            <a:endParaRPr kumimoji="1" lang="ja-JP" altLang="en-US" dirty="0"/>
+          </a:p>
+        </p:txBody>
+      </p:sp>
+    </p:spTree>
+    <p:extLst>
+      <p:ext uri="{BB962C8B-B14F-4D97-AF65-F5344CB8AC3E}">
+        <p14:creationId xmlns:p14="http://schemas.microsoft.com/office/powerpoint/2010/main" val="805071134"/>
+      </p:ext>
+    </p:extLst>
+  </p:cSld>
+  <p:clrMapOvr>
+    <a:masterClrMapping/>
+  </p:clrMapOvr>
+</p:sld>
+</file>
+
+<file path=ppt/slides/slide25.xml><?xml version="1.0" encoding="utf-8"?>
+<p:sld xmlns:a="http://schemas.openxmlformats.org/drawingml/2006/main" xmlns:r="http://schemas.openxmlformats.org/officeDocument/2006/relationships" xmlns:p="http://schemas.openxmlformats.org/presentationml/2006/main">
+  <p:cSld>
+    <p:spTree>
+      <p:nvGrpSpPr>
+        <p:cNvPr id="1" name=""/>
+        <p:cNvGrpSpPr/>
+        <p:nvPr/>
+      </p:nvGrpSpPr>
+      <p:grpSpPr>
+        <a:xfrm>
+          <a:off x="0" y="0"/>
+          <a:ext cx="0" cy="0"/>
+          <a:chOff x="0" y="0"/>
+          <a:chExt cx="0" cy="0"/>
+        </a:xfrm>
+      </p:grpSpPr>
+      <p:sp>
+        <p:nvSpPr>
+          <p:cNvPr id="2" name="タイトル 1"/>
+          <p:cNvSpPr>
+            <a:spLocks noGrp="1"/>
+          </p:cNvSpPr>
+          <p:nvPr>
+            <p:ph type="title"/>
+          </p:nvPr>
+        </p:nvSpPr>
+        <p:spPr/>
+        <p:txBody>
+          <a:bodyPr/>
+          <a:lstStyle/>
+          <a:p>
+            <a:r>
+              <a:rPr lang="ja-JP" altLang="en-US" dirty="0" smtClean="0"/>
+              <a:t>ホモ接合体のときの </a:t>
+            </a:r>
+            <a:r>
+              <a:rPr lang="en-US" altLang="ja-JP" dirty="0" smtClean="0"/>
+              <a:t>N </a:t>
+            </a:r>
+            <a:r>
+              <a:rPr lang="ja-JP" altLang="en-US" dirty="0" smtClean="0"/>
+              <a:t>の内わけ</a:t>
+            </a:r>
+            <a:r>
+              <a:rPr lang="en-US" altLang="ja-JP" dirty="0" smtClean="0"/>
+              <a:t/>
+            </a:r>
+            <a:br>
+              <a:rPr lang="en-US" altLang="ja-JP" dirty="0" smtClean="0"/>
+            </a:br>
+            <a:r>
+              <a:rPr lang="ja-JP" altLang="en-US" dirty="0" smtClean="0"/>
+              <a:t>ヘテロ接合体のときの</a:t>
+            </a:r>
+            <a:r>
+              <a:rPr lang="en-US" altLang="ja-JP" dirty="0" smtClean="0"/>
+              <a:t>N</a:t>
+            </a:r>
+            <a:r>
+              <a:rPr lang="ja-JP" altLang="en-US" dirty="0" smtClean="0"/>
+              <a:t>の内わけ</a:t>
+            </a:r>
+            <a:endParaRPr kumimoji="1" lang="ja-JP" altLang="en-US" dirty="0"/>
+          </a:p>
+        </p:txBody>
+      </p:sp>
+      <p:sp>
+        <p:nvSpPr>
+          <p:cNvPr id="3" name="コンテンツ プレースホルダー 2"/>
+          <p:cNvSpPr>
+            <a:spLocks noGrp="1"/>
+          </p:cNvSpPr>
+          <p:nvPr>
+            <p:ph idx="1"/>
+          </p:nvPr>
+        </p:nvSpPr>
+        <p:spPr/>
+        <p:txBody>
+          <a:bodyPr/>
+          <a:lstStyle/>
+          <a:p>
+            <a:r>
+              <a:rPr kumimoji="1" lang="ja-JP" altLang="en-US" dirty="0" smtClean="0"/>
+              <a:t>分布</a:t>
+            </a:r>
+            <a:endParaRPr kumimoji="1" lang="en-US" altLang="ja-JP" dirty="0" smtClean="0"/>
+          </a:p>
+          <a:p>
+            <a:pPr lvl="1"/>
+            <a:r>
+              <a:rPr lang="ja-JP" altLang="en-US" dirty="0" smtClean="0"/>
+              <a:t>「リードエラー確率」の想定が必須</a:t>
+            </a:r>
+            <a:endParaRPr lang="en-US" altLang="ja-JP" dirty="0" smtClean="0"/>
+          </a:p>
+          <a:p>
+            <a:pPr lvl="1"/>
+            <a:endParaRPr kumimoji="1" lang="en-US" altLang="ja-JP" dirty="0" smtClean="0"/>
+          </a:p>
+          <a:p>
+            <a:pPr lvl="1"/>
+            <a:r>
+              <a:rPr kumimoji="1" lang="ja-JP" altLang="en-US" dirty="0" smtClean="0"/>
+              <a:t>そのうえで、「十分な尤度比」が出る総リード数と</a:t>
+            </a:r>
+            <a:endParaRPr kumimoji="1" lang="en-US" altLang="ja-JP" dirty="0" smtClean="0"/>
+          </a:p>
+          <a:p>
+            <a:pPr lvl="2"/>
+            <a:r>
+              <a:rPr lang="ja-JP" altLang="en-US" dirty="0" smtClean="0"/>
+              <a:t>ホモとみなすべき内わけと</a:t>
+            </a:r>
+            <a:endParaRPr lang="en-US" altLang="ja-JP" dirty="0" smtClean="0"/>
+          </a:p>
+          <a:p>
+            <a:pPr lvl="2"/>
+            <a:r>
+              <a:rPr kumimoji="1" lang="ja-JP" altLang="en-US" dirty="0" smtClean="0"/>
+              <a:t>ヘテロとみなすべき内わけと</a:t>
+            </a:r>
+            <a:endParaRPr kumimoji="1" lang="en-US" altLang="ja-JP" dirty="0" smtClean="0"/>
+          </a:p>
+          <a:p>
+            <a:pPr lvl="2"/>
+            <a:r>
+              <a:rPr lang="ja-JP" altLang="en-US" dirty="0" smtClean="0"/>
+              <a:t>決められない内わけと</a:t>
+            </a:r>
+            <a:endParaRPr kumimoji="1" lang="ja-JP" altLang="en-US" dirty="0"/>
+          </a:p>
+        </p:txBody>
+      </p:sp>
+    </p:spTree>
+    <p:extLst>
+      <p:ext uri="{BB962C8B-B14F-4D97-AF65-F5344CB8AC3E}">
+        <p14:creationId xmlns:p14="http://schemas.microsoft.com/office/powerpoint/2010/main" val="3535498238"/>
+      </p:ext>
+    </p:extLst>
+  </p:cSld>
+  <p:clrMapOvr>
+    <a:masterClrMapping/>
+  </p:clrMapOvr>
+</p:sld>
+</file>
+
+<file path=ppt/slides/slide26.xml><?xml version="1.0" encoding="utf-8"?>
+<p:sld xmlns:a="http://schemas.openxmlformats.org/drawingml/2006/main" xmlns:r="http://schemas.openxmlformats.org/officeDocument/2006/relationships" xmlns:p="http://schemas.openxmlformats.org/presentationml/2006/main">
+  <p:cSld>
+    <p:spTree>
+      <p:nvGrpSpPr>
+        <p:cNvPr id="1" name=""/>
+        <p:cNvGrpSpPr/>
+        <p:nvPr/>
+      </p:nvGrpSpPr>
+      <p:grpSpPr>
+        <a:xfrm>
+          <a:off x="0" y="0"/>
+          <a:ext cx="0" cy="0"/>
+          <a:chOff x="0" y="0"/>
+          <a:chExt cx="0" cy="0"/>
+        </a:xfrm>
+      </p:grpSpPr>
+      <p:sp>
+        <p:nvSpPr>
+          <p:cNvPr id="2" name="タイトル 1"/>
+          <p:cNvSpPr>
+            <a:spLocks noGrp="1"/>
+          </p:cNvSpPr>
+          <p:nvPr>
+            <p:ph type="title"/>
+          </p:nvPr>
+        </p:nvSpPr>
+        <p:spPr/>
+        <p:txBody>
+          <a:bodyPr/>
+          <a:lstStyle/>
+          <a:p>
+            <a:r>
+              <a:rPr kumimoji="1" lang="ja-JP" altLang="en-US" dirty="0" smtClean="0"/>
+              <a:t>ホモ・ヘテロ・逆ホモ</a:t>
+            </a:r>
+            <a:r>
+              <a:rPr kumimoji="1" lang="en-US" altLang="ja-JP" dirty="0" smtClean="0"/>
+              <a:t/>
+            </a:r>
+            <a:br>
+              <a:rPr kumimoji="1" lang="en-US" altLang="ja-JP" dirty="0" smtClean="0"/>
+            </a:br>
+            <a:r>
+              <a:rPr lang="en-US" altLang="ja-JP" dirty="0" smtClean="0"/>
+              <a:t>1 : 0.5 : 0 … </a:t>
+            </a:r>
+            <a:r>
+              <a:rPr lang="ja-JP" altLang="en-US" dirty="0" err="1" smtClean="0"/>
+              <a:t>は簡</a:t>
+            </a:r>
+            <a:r>
+              <a:rPr lang="ja-JP" altLang="en-US" dirty="0" smtClean="0"/>
+              <a:t>単</a:t>
+            </a:r>
+            <a:endParaRPr kumimoji="1" lang="ja-JP" altLang="en-US" dirty="0"/>
+          </a:p>
+        </p:txBody>
+      </p:sp>
+      <p:sp>
+        <p:nvSpPr>
+          <p:cNvPr id="3" name="コンテンツ プレースホルダー 2"/>
+          <p:cNvSpPr>
+            <a:spLocks noGrp="1"/>
+          </p:cNvSpPr>
+          <p:nvPr>
+            <p:ph idx="1"/>
+          </p:nvPr>
+        </p:nvSpPr>
+        <p:spPr/>
+        <p:txBody>
+          <a:bodyPr/>
+          <a:lstStyle/>
+          <a:p>
+            <a:r>
+              <a:rPr kumimoji="1" lang="ja-JP" altLang="en-US" dirty="0" smtClean="0"/>
+              <a:t>キメラ・モザイクだと</a:t>
+            </a:r>
+            <a:r>
+              <a:rPr kumimoji="1" lang="en-US" altLang="ja-JP" dirty="0" smtClean="0"/>
+              <a:t>…</a:t>
+            </a:r>
+          </a:p>
+          <a:p>
+            <a:pPr lvl="1"/>
+            <a:r>
+              <a:rPr lang="en-US" altLang="ja-JP" dirty="0" smtClean="0"/>
+              <a:t>1 : r : 0</a:t>
+            </a:r>
+          </a:p>
+          <a:p>
+            <a:pPr lvl="2"/>
+            <a:r>
+              <a:rPr lang="en-US" altLang="ja-JP" dirty="0" smtClean="0"/>
+              <a:t>r </a:t>
+            </a:r>
+            <a:r>
+              <a:rPr lang="ja-JP" altLang="en-US" dirty="0" smtClean="0"/>
+              <a:t>は未知</a:t>
+            </a:r>
+            <a:endParaRPr lang="en-US" altLang="ja-JP" dirty="0" smtClean="0"/>
+          </a:p>
+          <a:p>
+            <a:pPr lvl="2"/>
+            <a:r>
+              <a:rPr lang="en-US" altLang="ja-JP" dirty="0" smtClean="0"/>
+              <a:t>r </a:t>
+            </a:r>
+            <a:r>
+              <a:rPr lang="ja-JP" altLang="en-US" dirty="0" smtClean="0"/>
+              <a:t>の想定が</a:t>
+            </a:r>
+            <a:r>
+              <a:rPr lang="en-US" altLang="ja-JP" dirty="0" smtClean="0"/>
+              <a:t>0.5</a:t>
+            </a:r>
+            <a:r>
+              <a:rPr lang="ja-JP" altLang="en-US" dirty="0" smtClean="0"/>
+              <a:t>からずれればずれるほど、判定は難しくなる</a:t>
+            </a:r>
+            <a:endParaRPr lang="en-US" altLang="ja-JP" dirty="0" smtClean="0"/>
+          </a:p>
+          <a:p>
+            <a:pPr lvl="2"/>
+            <a:r>
+              <a:rPr kumimoji="1" lang="ja-JP" altLang="en-US" dirty="0"/>
+              <a:t>判定</a:t>
+            </a:r>
+            <a:r>
+              <a:rPr kumimoji="1" lang="ja-JP" altLang="en-US" dirty="0" smtClean="0"/>
+              <a:t>が難しいとは、デプスを深くする必要があることを意味する</a:t>
+            </a:r>
+            <a:endParaRPr kumimoji="1" lang="en-US" altLang="ja-JP" dirty="0" smtClean="0"/>
+          </a:p>
+          <a:p>
+            <a:pPr lvl="2"/>
+            <a:r>
+              <a:rPr lang="ja-JP" altLang="en-US" dirty="0" smtClean="0"/>
+              <a:t>デプス　＝　お金</a:t>
+            </a:r>
+            <a:endParaRPr lang="en-US" altLang="ja-JP" dirty="0" smtClean="0"/>
+          </a:p>
+          <a:p>
+            <a:r>
+              <a:rPr kumimoji="1" lang="ja-JP" altLang="en-US" dirty="0" smtClean="0"/>
+              <a:t>キメラ・モザイクでも「ホモ接合体」かもしれないし</a:t>
+            </a:r>
+            <a:r>
+              <a:rPr kumimoji="1" lang="en-US" altLang="ja-JP" dirty="0" smtClean="0"/>
+              <a:t>…</a:t>
+            </a:r>
+            <a:endParaRPr kumimoji="1" lang="ja-JP" altLang="en-US" dirty="0"/>
+          </a:p>
+        </p:txBody>
+      </p:sp>
+    </p:spTree>
+    <p:extLst>
+      <p:ext uri="{BB962C8B-B14F-4D97-AF65-F5344CB8AC3E}">
+        <p14:creationId xmlns:p14="http://schemas.microsoft.com/office/powerpoint/2010/main" val="3645133234"/>
+      </p:ext>
+    </p:extLst>
+  </p:cSld>
+  <p:clrMapOvr>
+    <a:masterClrMapping/>
+  </p:clrMapOvr>
+</p:sld>
+</file>
+
+<file path=ppt/slides/slide27.xml><?xml version="1.0" encoding="utf-8"?>
+<p:sld xmlns:a="http://schemas.openxmlformats.org/drawingml/2006/main" xmlns:r="http://schemas.openxmlformats.org/officeDocument/2006/relationships" xmlns:p="http://schemas.openxmlformats.org/presentationml/2006/main">
+  <p:cSld>
+    <p:spTree>
+      <p:nvGrpSpPr>
+        <p:cNvPr id="1" name=""/>
+        <p:cNvGrpSpPr/>
+        <p:nvPr/>
+      </p:nvGrpSpPr>
+      <p:grpSpPr>
+        <a:xfrm>
+          <a:off x="0" y="0"/>
+          <a:ext cx="0" cy="0"/>
+          <a:chOff x="0" y="0"/>
+          <a:chExt cx="0" cy="0"/>
+        </a:xfrm>
+      </p:grpSpPr>
+      <p:sp>
+        <p:nvSpPr>
+          <p:cNvPr id="2" name="タイトル 1"/>
+          <p:cNvSpPr>
+            <a:spLocks noGrp="1"/>
+          </p:cNvSpPr>
+          <p:nvPr>
+            <p:ph type="title"/>
+          </p:nvPr>
+        </p:nvSpPr>
+        <p:spPr/>
+        <p:txBody>
+          <a:bodyPr/>
+          <a:lstStyle/>
+          <a:p>
+            <a:r>
+              <a:rPr kumimoji="1" lang="ja-JP" altLang="en-US" dirty="0" smtClean="0"/>
+              <a:t>キメラ・モザイクではなく</a:t>
+            </a:r>
+            <a:r>
+              <a:rPr kumimoji="1" lang="en-US" altLang="ja-JP" dirty="0" smtClean="0"/>
+              <a:t/>
+            </a:r>
+            <a:br>
+              <a:rPr kumimoji="1" lang="en-US" altLang="ja-JP" dirty="0" smtClean="0"/>
+            </a:br>
+            <a:r>
+              <a:rPr lang="ja-JP" altLang="en-US" dirty="0" smtClean="0"/>
+              <a:t>混合試料だとしたら？</a:t>
+            </a:r>
+            <a:endParaRPr kumimoji="1" lang="ja-JP" altLang="en-US" dirty="0"/>
+          </a:p>
+        </p:txBody>
+      </p:sp>
+      <p:sp>
+        <p:nvSpPr>
+          <p:cNvPr id="3" name="コンテンツ プレースホルダー 2"/>
+          <p:cNvSpPr>
+            <a:spLocks noGrp="1"/>
+          </p:cNvSpPr>
+          <p:nvPr>
+            <p:ph idx="1"/>
+          </p:nvPr>
+        </p:nvSpPr>
+        <p:spPr/>
+        <p:txBody>
+          <a:bodyPr/>
+          <a:lstStyle/>
+          <a:p>
+            <a:r>
+              <a:rPr kumimoji="1" lang="ja-JP" altLang="en-US" dirty="0" smtClean="0"/>
+              <a:t>混合比は不明</a:t>
+            </a:r>
+            <a:endParaRPr kumimoji="1" lang="en-US" altLang="ja-JP" dirty="0" smtClean="0"/>
+          </a:p>
+          <a:p>
+            <a:r>
+              <a:rPr lang="ja-JP" altLang="en-US" dirty="0" smtClean="0"/>
+              <a:t>ゲノムの場所によって混合比にばらつきが入る</a:t>
+            </a:r>
+            <a:endParaRPr kumimoji="1" lang="ja-JP" altLang="en-US" dirty="0"/>
+          </a:p>
+        </p:txBody>
+      </p:sp>
+    </p:spTree>
+    <p:extLst>
+      <p:ext uri="{BB962C8B-B14F-4D97-AF65-F5344CB8AC3E}">
+        <p14:creationId xmlns:p14="http://schemas.microsoft.com/office/powerpoint/2010/main" val="2863240582"/>
+      </p:ext>
+    </p:extLst>
+  </p:cSld>
+  <p:clrMapOvr>
+    <a:masterClrMapping/>
+  </p:clrMapOvr>
+</p:sld>
+</file>
+
+<file path=ppt/slides/slide28.xml><?xml version="1.0" encoding="utf-8"?>
+<p:sld xmlns:a="http://schemas.openxmlformats.org/drawingml/2006/main" xmlns:r="http://schemas.openxmlformats.org/officeDocument/2006/relationships" xmlns:p="http://schemas.openxmlformats.org/presentationml/2006/main">
+  <p:cSld>
+    <p:spTree>
+      <p:nvGrpSpPr>
+        <p:cNvPr id="1" name=""/>
+        <p:cNvGrpSpPr/>
+        <p:nvPr/>
+      </p:nvGrpSpPr>
+      <p:grpSpPr>
+        <a:xfrm>
+          <a:off x="0" y="0"/>
+          <a:ext cx="0" cy="0"/>
+          <a:chOff x="0" y="0"/>
+          <a:chExt cx="0" cy="0"/>
+        </a:xfrm>
+      </p:grpSpPr>
+      <p:sp>
+        <p:nvSpPr>
+          <p:cNvPr id="2" name="タイトル 1"/>
+          <p:cNvSpPr>
+            <a:spLocks noGrp="1"/>
+          </p:cNvSpPr>
+          <p:nvPr>
+            <p:ph type="title"/>
+          </p:nvPr>
+        </p:nvSpPr>
+        <p:spPr/>
+        <p:txBody>
+          <a:bodyPr/>
+          <a:lstStyle/>
+          <a:p>
+            <a:r>
+              <a:rPr kumimoji="1" lang="ja-JP" altLang="en-US" dirty="0" smtClean="0"/>
+              <a:t>１か所ではなくて、そこら中調べたい？</a:t>
+            </a:r>
+            <a:endParaRPr kumimoji="1" lang="ja-JP" altLang="en-US" dirty="0"/>
+          </a:p>
+        </p:txBody>
+      </p:sp>
+      <p:sp>
+        <p:nvSpPr>
+          <p:cNvPr id="3" name="コンテンツ プレースホルダー 2"/>
+          <p:cNvSpPr>
+            <a:spLocks noGrp="1"/>
+          </p:cNvSpPr>
+          <p:nvPr>
+            <p:ph idx="1"/>
+          </p:nvPr>
+        </p:nvSpPr>
+        <p:spPr/>
+        <p:txBody>
+          <a:bodyPr/>
+          <a:lstStyle/>
+          <a:p>
+            <a:endParaRPr kumimoji="1" lang="ja-JP" altLang="en-US"/>
+          </a:p>
+        </p:txBody>
+      </p:sp>
+    </p:spTree>
+    <p:extLst>
+      <p:ext uri="{BB962C8B-B14F-4D97-AF65-F5344CB8AC3E}">
+        <p14:creationId xmlns:p14="http://schemas.microsoft.com/office/powerpoint/2010/main" val="1875354714"/>
+      </p:ext>
+    </p:extLst>
+  </p:cSld>
+  <p:clrMapOvr>
+    <a:masterClrMapping/>
+  </p:clrMapOvr>
+</p:sld>
+</file>
+
+<file path=ppt/slides/slide29.xml><?xml version="1.0" encoding="utf-8"?>
+<p:sld xmlns:a="http://schemas.openxmlformats.org/drawingml/2006/main" xmlns:r="http://schemas.openxmlformats.org/officeDocument/2006/relationships" xmlns:p="http://schemas.openxmlformats.org/presentationml/2006/main">
+  <p:cSld>
+    <p:spTree>
+      <p:nvGrpSpPr>
+        <p:cNvPr id="1" name=""/>
+        <p:cNvGrpSpPr/>
+        <p:nvPr/>
+      </p:nvGrpSpPr>
+      <p:grpSpPr>
+        <a:xfrm>
+          <a:off x="0" y="0"/>
+          <a:ext cx="0" cy="0"/>
+          <a:chOff x="0" y="0"/>
+          <a:chExt cx="0" cy="0"/>
+        </a:xfrm>
+      </p:grpSpPr>
+      <p:sp>
+        <p:nvSpPr>
+          <p:cNvPr id="2" name="タイトル 1"/>
+          <p:cNvSpPr>
+            <a:spLocks noGrp="1"/>
+          </p:cNvSpPr>
+          <p:nvPr>
+            <p:ph type="title"/>
+          </p:nvPr>
+        </p:nvSpPr>
+        <p:spPr/>
+        <p:txBody>
+          <a:bodyPr/>
+          <a:lstStyle/>
+          <a:p>
+            <a:r>
+              <a:rPr lang="ja-JP" altLang="en-US" dirty="0" smtClean="0"/>
+              <a:t>全ゲノムをちゃんと調べたい</a:t>
+            </a:r>
+            <a:endParaRPr kumimoji="1" lang="ja-JP" altLang="en-US" dirty="0"/>
+          </a:p>
+        </p:txBody>
+      </p:sp>
+      <p:sp>
+        <p:nvSpPr>
+          <p:cNvPr id="3" name="コンテンツ プレースホルダー 2"/>
+          <p:cNvSpPr>
+            <a:spLocks noGrp="1"/>
+          </p:cNvSpPr>
+          <p:nvPr>
+            <p:ph idx="1"/>
+          </p:nvPr>
+        </p:nvSpPr>
+        <p:spPr/>
+        <p:txBody>
+          <a:bodyPr/>
+          <a:lstStyle/>
+          <a:p>
+            <a:r>
+              <a:rPr kumimoji="1" lang="ja-JP" altLang="en-US" dirty="0" smtClean="0"/>
+              <a:t>場所によってマップされるリード本数にばらつきが出る</a:t>
+            </a:r>
+            <a:endParaRPr kumimoji="1" lang="en-US" altLang="ja-JP" dirty="0" smtClean="0"/>
+          </a:p>
+          <a:p>
+            <a:endParaRPr lang="en-US" altLang="ja-JP" dirty="0"/>
+          </a:p>
+          <a:p>
+            <a:r>
+              <a:rPr kumimoji="1" lang="en-US" altLang="ja-JP" dirty="0" smtClean="0"/>
+              <a:t>0</a:t>
+            </a:r>
+            <a:r>
+              <a:rPr kumimoji="1" lang="ja-JP" altLang="en-US" dirty="0" err="1" smtClean="0"/>
+              <a:t>，</a:t>
+            </a:r>
+            <a:r>
+              <a:rPr kumimoji="1" lang="en-US" altLang="ja-JP" dirty="0" smtClean="0"/>
+              <a:t>1</a:t>
+            </a:r>
+            <a:r>
+              <a:rPr kumimoji="1" lang="ja-JP" altLang="en-US" dirty="0" err="1" smtClean="0"/>
+              <a:t>，</a:t>
+            </a:r>
+            <a:r>
+              <a:rPr kumimoji="1" lang="en-US" altLang="ja-JP" dirty="0" smtClean="0"/>
+              <a:t>2</a:t>
+            </a:r>
+            <a:r>
+              <a:rPr kumimoji="1" lang="ja-JP" altLang="en-US" dirty="0" err="1" smtClean="0"/>
+              <a:t>，</a:t>
+            </a:r>
+            <a:r>
+              <a:rPr kumimoji="1" lang="en-US" altLang="ja-JP" dirty="0" smtClean="0"/>
+              <a:t>3</a:t>
+            </a:r>
+            <a:r>
+              <a:rPr lang="ja-JP" altLang="en-US" dirty="0" err="1" smtClean="0"/>
+              <a:t>，</a:t>
+            </a:r>
+            <a:r>
+              <a:rPr lang="ja-JP" altLang="en-US" dirty="0" smtClean="0"/>
+              <a:t>・・・</a:t>
+            </a:r>
+            <a:endParaRPr lang="en-US" altLang="ja-JP" dirty="0" smtClean="0"/>
+          </a:p>
+          <a:p>
+            <a:endParaRPr kumimoji="1" lang="en-US" altLang="ja-JP" dirty="0"/>
+          </a:p>
+          <a:p>
+            <a:r>
+              <a:rPr lang="ja-JP" altLang="en-US" dirty="0" smtClean="0"/>
+              <a:t>？　分布　？</a:t>
+            </a:r>
+            <a:endParaRPr kumimoji="1" lang="ja-JP" altLang="en-US" dirty="0"/>
+          </a:p>
+        </p:txBody>
+      </p:sp>
+    </p:spTree>
+    <p:extLst>
+      <p:ext uri="{BB962C8B-B14F-4D97-AF65-F5344CB8AC3E}">
+        <p14:creationId xmlns:p14="http://schemas.microsoft.com/office/powerpoint/2010/main" val="4293416938"/>
+      </p:ext>
+    </p:extLst>
+  </p:cSld>
+  <p:clrMapOvr>
+    <a:masterClrMapping/>
+  </p:clrMapOvr>
+</p:sld>
+</file>
+
 <file path=ppt/slides/slide3.xml><?xml version="1.0" encoding="utf-8"?>
 <p:sld xmlns:a="http://schemas.openxmlformats.org/drawingml/2006/main" xmlns:r="http://schemas.openxmlformats.org/officeDocument/2006/relationships" xmlns:p="http://schemas.openxmlformats.org/presentationml/2006/main">
   <p:cSld>
@@ -5298,6 +6326,221 @@
     <p:extLst>
       <p:ext uri="{BB962C8B-B14F-4D97-AF65-F5344CB8AC3E}">
         <p14:creationId xmlns:p14="http://schemas.microsoft.com/office/powerpoint/2010/main" val="3491523150"/>
+      </p:ext>
+    </p:extLst>
+  </p:cSld>
+  <p:clrMapOvr>
+    <a:masterClrMapping/>
+  </p:clrMapOvr>
+</p:sld>
+</file>
+
+<file path=ppt/slides/slide30.xml><?xml version="1.0" encoding="utf-8"?>
+<p:sld xmlns:a="http://schemas.openxmlformats.org/drawingml/2006/main" xmlns:r="http://schemas.openxmlformats.org/officeDocument/2006/relationships" xmlns:p="http://schemas.openxmlformats.org/presentationml/2006/main">
+  <p:cSld>
+    <p:spTree>
+      <p:nvGrpSpPr>
+        <p:cNvPr id="1" name=""/>
+        <p:cNvGrpSpPr/>
+        <p:nvPr/>
+      </p:nvGrpSpPr>
+      <p:grpSpPr>
+        <a:xfrm>
+          <a:off x="0" y="0"/>
+          <a:ext cx="0" cy="0"/>
+          <a:chOff x="0" y="0"/>
+          <a:chExt cx="0" cy="0"/>
+        </a:xfrm>
+      </p:grpSpPr>
+      <p:sp>
+        <p:nvSpPr>
+          <p:cNvPr id="2" name="タイトル 1"/>
+          <p:cNvSpPr>
+            <a:spLocks noGrp="1"/>
+          </p:cNvSpPr>
+          <p:nvPr>
+            <p:ph type="title"/>
+          </p:nvPr>
+        </p:nvSpPr>
+        <p:spPr/>
+        <p:txBody>
+          <a:bodyPr/>
+          <a:lstStyle/>
+          <a:p>
+            <a:r>
+              <a:rPr kumimoji="1" lang="ja-JP" altLang="en-US" dirty="0" smtClean="0"/>
+              <a:t>マップ本数の分布</a:t>
+            </a:r>
+            <a:endParaRPr kumimoji="1" lang="ja-JP" altLang="en-US" dirty="0"/>
+          </a:p>
+        </p:txBody>
+      </p:sp>
+      <p:sp>
+        <p:nvSpPr>
+          <p:cNvPr id="3" name="コンテンツ プレースホルダー 2"/>
+          <p:cNvSpPr>
+            <a:spLocks noGrp="1"/>
+          </p:cNvSpPr>
+          <p:nvPr>
+            <p:ph idx="1"/>
+          </p:nvPr>
+        </p:nvSpPr>
+        <p:spPr/>
+        <p:txBody>
+          <a:bodyPr/>
+          <a:lstStyle/>
+          <a:p>
+            <a:r>
+              <a:rPr lang="ja-JP" altLang="en-US" dirty="0" smtClean="0"/>
+              <a:t>ポアッソン分布</a:t>
+            </a:r>
+            <a:endParaRPr lang="en-US" altLang="ja-JP" dirty="0" smtClean="0"/>
+          </a:p>
+          <a:p>
+            <a:endParaRPr kumimoji="1" lang="en-US" altLang="ja-JP" dirty="0"/>
+          </a:p>
+          <a:p>
+            <a:r>
+              <a:rPr lang="ja-JP" altLang="en-US" dirty="0" smtClean="0"/>
+              <a:t>負の二項分布</a:t>
+            </a:r>
+            <a:endParaRPr kumimoji="1" lang="ja-JP" altLang="en-US" dirty="0"/>
+          </a:p>
+        </p:txBody>
+      </p:sp>
+    </p:spTree>
+    <p:extLst>
+      <p:ext uri="{BB962C8B-B14F-4D97-AF65-F5344CB8AC3E}">
+        <p14:creationId xmlns:p14="http://schemas.microsoft.com/office/powerpoint/2010/main" val="1224196599"/>
+      </p:ext>
+    </p:extLst>
+  </p:cSld>
+  <p:clrMapOvr>
+    <a:masterClrMapping/>
+  </p:clrMapOvr>
+</p:sld>
+</file>
+
+<file path=ppt/slides/slide31.xml><?xml version="1.0" encoding="utf-8"?>
+<p:sld xmlns:a="http://schemas.openxmlformats.org/drawingml/2006/main" xmlns:r="http://schemas.openxmlformats.org/officeDocument/2006/relationships" xmlns:p="http://schemas.openxmlformats.org/presentationml/2006/main">
+  <p:cSld>
+    <p:spTree>
+      <p:nvGrpSpPr>
+        <p:cNvPr id="1" name=""/>
+        <p:cNvGrpSpPr/>
+        <p:nvPr/>
+      </p:nvGrpSpPr>
+      <p:grpSpPr>
+        <a:xfrm>
+          <a:off x="0" y="0"/>
+          <a:ext cx="0" cy="0"/>
+          <a:chOff x="0" y="0"/>
+          <a:chExt cx="0" cy="0"/>
+        </a:xfrm>
+      </p:grpSpPr>
+      <p:sp>
+        <p:nvSpPr>
+          <p:cNvPr id="2" name="タイトル 1"/>
+          <p:cNvSpPr>
+            <a:spLocks noGrp="1"/>
+          </p:cNvSpPr>
+          <p:nvPr>
+            <p:ph type="title"/>
+          </p:nvPr>
+        </p:nvSpPr>
+        <p:spPr/>
+        <p:txBody>
+          <a:bodyPr/>
+          <a:lstStyle/>
+          <a:p>
+            <a:r>
+              <a:rPr lang="ja-JP" altLang="en-US" dirty="0" smtClean="0"/>
+              <a:t>「最低限でもこれだけのデプス」を確保したい</a:t>
+            </a:r>
+            <a:endParaRPr kumimoji="1" lang="ja-JP" altLang="en-US" dirty="0"/>
+          </a:p>
+        </p:txBody>
+      </p:sp>
+      <p:sp>
+        <p:nvSpPr>
+          <p:cNvPr id="3" name="コンテンツ プレースホルダー 2"/>
+          <p:cNvSpPr>
+            <a:spLocks noGrp="1"/>
+          </p:cNvSpPr>
+          <p:nvPr>
+            <p:ph idx="1"/>
+          </p:nvPr>
+        </p:nvSpPr>
+        <p:spPr/>
+        <p:txBody>
+          <a:bodyPr/>
+          <a:lstStyle/>
+          <a:p>
+            <a:pPr marL="228600" lvl="1">
+              <a:spcBef>
+                <a:spcPts val="1000"/>
+              </a:spcBef>
+            </a:pPr>
+            <a:r>
+              <a:rPr lang="ja-JP" altLang="en-US" dirty="0"/>
+              <a:t>ゲノムの</a:t>
+            </a:r>
+            <a:r>
+              <a:rPr lang="en-US" altLang="ja-JP" dirty="0"/>
+              <a:t>9</a:t>
+            </a:r>
+            <a:r>
+              <a:rPr lang="ja-JP" altLang="en-US" dirty="0"/>
+              <a:t>割を１０デプス以上でカバーしたい</a:t>
+            </a:r>
+          </a:p>
+          <a:p>
+            <a:endParaRPr kumimoji="1" lang="en-US" altLang="ja-JP" dirty="0" smtClean="0"/>
+          </a:p>
+          <a:p>
+            <a:r>
+              <a:rPr kumimoji="1" lang="ja-JP" altLang="en-US" dirty="0" smtClean="0"/>
+              <a:t>ポアッソン分布</a:t>
+            </a:r>
+            <a:endParaRPr kumimoji="1" lang="en-US" altLang="ja-JP" dirty="0" smtClean="0"/>
+          </a:p>
+          <a:p>
+            <a:pPr lvl="1"/>
+            <a:r>
+              <a:rPr lang="ja-JP" altLang="en-US" dirty="0" smtClean="0"/>
+              <a:t>必要なリード全本数は？</a:t>
+            </a:r>
+            <a:endParaRPr lang="en-US" altLang="ja-JP" dirty="0"/>
+          </a:p>
+          <a:p>
+            <a:r>
+              <a:rPr kumimoji="1" lang="ja-JP" altLang="en-US" dirty="0" smtClean="0"/>
+              <a:t>負の二項分布</a:t>
+            </a:r>
+            <a:endParaRPr kumimoji="1" lang="en-US" altLang="ja-JP" dirty="0" smtClean="0"/>
+          </a:p>
+          <a:p>
+            <a:pPr lvl="1"/>
+            <a:r>
+              <a:rPr lang="ja-JP" altLang="en-US" dirty="0"/>
+              <a:t>必要なリード全本数は？</a:t>
+            </a:r>
+            <a:endParaRPr lang="en-US" altLang="ja-JP" dirty="0"/>
+          </a:p>
+          <a:p>
+            <a:pPr lvl="1"/>
+            <a:r>
+              <a:rPr kumimoji="1" lang="ja-JP" altLang="en-US" dirty="0" smtClean="0"/>
+              <a:t>どちらがたくさん必要？　＝　どちらが高額？</a:t>
+            </a:r>
+            <a:endParaRPr kumimoji="1" lang="en-US" altLang="ja-JP" dirty="0" smtClean="0"/>
+          </a:p>
+        </p:txBody>
+      </p:sp>
+    </p:spTree>
+    <p:extLst>
+      <p:ext uri="{BB962C8B-B14F-4D97-AF65-F5344CB8AC3E}">
+        <p14:creationId xmlns:p14="http://schemas.microsoft.com/office/powerpoint/2010/main" val="3257294365"/>
       </p:ext>
     </p:extLst>
   </p:cSld>

--- a/Lectures2019/chimeraNGStyping2020Jan.pptx
+++ b/Lectures2019/chimeraNGStyping2020Jan.pptx
@@ -4,6 +4,9 @@
   <p:sldMasterIdLst>
     <p:sldMasterId id="2147483648" r:id="rId1"/>
   </p:sldMasterIdLst>
+  <p:notesMasterIdLst>
+    <p:notesMasterId r:id="rId42"/>
+  </p:notesMasterIdLst>
   <p:sldIdLst>
     <p:sldId id="256" r:id="rId2"/>
     <p:sldId id="257" r:id="rId3"/>
@@ -29,13 +32,22 @@
     <p:sldId id="277" r:id="rId23"/>
     <p:sldId id="282" r:id="rId24"/>
     <p:sldId id="281" r:id="rId25"/>
-    <p:sldId id="283" r:id="rId26"/>
-    <p:sldId id="284" r:id="rId27"/>
-    <p:sldId id="286" r:id="rId28"/>
-    <p:sldId id="285" r:id="rId29"/>
-    <p:sldId id="278" r:id="rId30"/>
-    <p:sldId id="279" r:id="rId31"/>
-    <p:sldId id="280" r:id="rId32"/>
+    <p:sldId id="287" r:id="rId26"/>
+    <p:sldId id="288" r:id="rId27"/>
+    <p:sldId id="283" r:id="rId28"/>
+    <p:sldId id="289" r:id="rId29"/>
+    <p:sldId id="290" r:id="rId30"/>
+    <p:sldId id="284" r:id="rId31"/>
+    <p:sldId id="291" r:id="rId32"/>
+    <p:sldId id="286" r:id="rId33"/>
+    <p:sldId id="292" r:id="rId34"/>
+    <p:sldId id="285" r:id="rId35"/>
+    <p:sldId id="293" r:id="rId36"/>
+    <p:sldId id="278" r:id="rId37"/>
+    <p:sldId id="279" r:id="rId38"/>
+    <p:sldId id="280" r:id="rId39"/>
+    <p:sldId id="294" r:id="rId40"/>
+    <p:sldId id="295" r:id="rId41"/>
   </p:sldIdLst>
   <p:sldSz cx="12192000" cy="6858000"/>
   <p:notesSz cx="6858000" cy="9144000"/>
@@ -142,6 +154,3887 @@
 </p:presentation>
 </file>
 
+<file path=ppt/notesMasters/notesMaster1.xml><?xml version="1.0" encoding="utf-8"?>
+<p:notesMaster xmlns:a="http://schemas.openxmlformats.org/drawingml/2006/main" xmlns:r="http://schemas.openxmlformats.org/officeDocument/2006/relationships" xmlns:p="http://schemas.openxmlformats.org/presentationml/2006/main">
+  <p:cSld>
+    <p:bg>
+      <p:bgRef idx="1001">
+        <a:schemeClr val="bg1"/>
+      </p:bgRef>
+    </p:bg>
+    <p:spTree>
+      <p:nvGrpSpPr>
+        <p:cNvPr id="1" name=""/>
+        <p:cNvGrpSpPr/>
+        <p:nvPr/>
+      </p:nvGrpSpPr>
+      <p:grpSpPr>
+        <a:xfrm>
+          <a:off x="0" y="0"/>
+          <a:ext cx="0" cy="0"/>
+          <a:chOff x="0" y="0"/>
+          <a:chExt cx="0" cy="0"/>
+        </a:xfrm>
+      </p:grpSpPr>
+      <p:sp>
+        <p:nvSpPr>
+          <p:cNvPr id="2" name="ヘッダー プレースホルダー 1"/>
+          <p:cNvSpPr>
+            <a:spLocks noGrp="1"/>
+          </p:cNvSpPr>
+          <p:nvPr>
+            <p:ph type="hdr" sz="quarter"/>
+          </p:nvPr>
+        </p:nvSpPr>
+        <p:spPr>
+          <a:xfrm>
+            <a:off x="0" y="0"/>
+            <a:ext cx="2971800" cy="458788"/>
+          </a:xfrm>
+          <a:prstGeom prst="rect">
+            <a:avLst/>
+          </a:prstGeom>
+        </p:spPr>
+        <p:txBody>
+          <a:bodyPr vert="horz" lIns="91440" tIns="45720" rIns="91440" bIns="45720" rtlCol="0"/>
+          <a:lstStyle>
+            <a:lvl1pPr algn="l">
+              <a:defRPr sz="1200"/>
+            </a:lvl1pPr>
+          </a:lstStyle>
+          <a:p>
+            <a:endParaRPr kumimoji="1" lang="ja-JP" altLang="en-US"/>
+          </a:p>
+        </p:txBody>
+      </p:sp>
+      <p:sp>
+        <p:nvSpPr>
+          <p:cNvPr id="3" name="日付プレースホルダー 2"/>
+          <p:cNvSpPr>
+            <a:spLocks noGrp="1"/>
+          </p:cNvSpPr>
+          <p:nvPr>
+            <p:ph type="dt" idx="1"/>
+          </p:nvPr>
+        </p:nvSpPr>
+        <p:spPr>
+          <a:xfrm>
+            <a:off x="3884613" y="0"/>
+            <a:ext cx="2971800" cy="458788"/>
+          </a:xfrm>
+          <a:prstGeom prst="rect">
+            <a:avLst/>
+          </a:prstGeom>
+        </p:spPr>
+        <p:txBody>
+          <a:bodyPr vert="horz" lIns="91440" tIns="45720" rIns="91440" bIns="45720" rtlCol="0"/>
+          <a:lstStyle>
+            <a:lvl1pPr algn="r">
+              <a:defRPr sz="1200"/>
+            </a:lvl1pPr>
+          </a:lstStyle>
+          <a:p>
+            <a:fld id="{A2CD1956-11E4-4847-8FEF-03438647DBA8}" type="datetimeFigureOut">
+              <a:rPr kumimoji="1" lang="ja-JP" altLang="en-US" smtClean="0"/>
+              <a:t>2020/1/21</a:t>
+            </a:fld>
+            <a:endParaRPr kumimoji="1" lang="ja-JP" altLang="en-US"/>
+          </a:p>
+        </p:txBody>
+      </p:sp>
+      <p:sp>
+        <p:nvSpPr>
+          <p:cNvPr id="4" name="スライド イメージ プレースホルダー 3"/>
+          <p:cNvSpPr>
+            <a:spLocks noGrp="1" noRot="1" noChangeAspect="1"/>
+          </p:cNvSpPr>
+          <p:nvPr>
+            <p:ph type="sldImg" idx="2"/>
+          </p:nvPr>
+        </p:nvSpPr>
+        <p:spPr>
+          <a:xfrm>
+            <a:off x="685800" y="1143000"/>
+            <a:ext cx="5486400" cy="3086100"/>
+          </a:xfrm>
+          <a:prstGeom prst="rect">
+            <a:avLst/>
+          </a:prstGeom>
+          <a:noFill/>
+          <a:ln w="12700">
+            <a:solidFill>
+              <a:prstClr val="black"/>
+            </a:solidFill>
+          </a:ln>
+        </p:spPr>
+        <p:txBody>
+          <a:bodyPr vert="horz" lIns="91440" tIns="45720" rIns="91440" bIns="45720" rtlCol="0" anchor="ctr"/>
+          <a:lstStyle/>
+          <a:p>
+            <a:endParaRPr lang="ja-JP" altLang="en-US"/>
+          </a:p>
+        </p:txBody>
+      </p:sp>
+      <p:sp>
+        <p:nvSpPr>
+          <p:cNvPr id="5" name="ノート プレースホルダー 4"/>
+          <p:cNvSpPr>
+            <a:spLocks noGrp="1"/>
+          </p:cNvSpPr>
+          <p:nvPr>
+            <p:ph type="body" sz="quarter" idx="3"/>
+          </p:nvPr>
+        </p:nvSpPr>
+        <p:spPr>
+          <a:xfrm>
+            <a:off x="685800" y="4400550"/>
+            <a:ext cx="5486400" cy="3600450"/>
+          </a:xfrm>
+          <a:prstGeom prst="rect">
+            <a:avLst/>
+          </a:prstGeom>
+        </p:spPr>
+        <p:txBody>
+          <a:bodyPr vert="horz" lIns="91440" tIns="45720" rIns="91440" bIns="45720" rtlCol="0"/>
+          <a:lstStyle/>
+          <a:p>
+            <a:pPr lvl="0"/>
+            <a:r>
+              <a:rPr kumimoji="1" lang="ja-JP" altLang="en-US" smtClean="0"/>
+              <a:t>マスター テキストの書式設定</a:t>
+            </a:r>
+          </a:p>
+          <a:p>
+            <a:pPr lvl="1"/>
+            <a:r>
+              <a:rPr kumimoji="1" lang="ja-JP" altLang="en-US" smtClean="0"/>
+              <a:t>第 </a:t>
+            </a:r>
+            <a:r>
+              <a:rPr kumimoji="1" lang="en-US" altLang="ja-JP" smtClean="0"/>
+              <a:t>2 </a:t>
+            </a:r>
+            <a:r>
+              <a:rPr kumimoji="1" lang="ja-JP" altLang="en-US" smtClean="0"/>
+              <a:t>レベル</a:t>
+            </a:r>
+          </a:p>
+          <a:p>
+            <a:pPr lvl="2"/>
+            <a:r>
+              <a:rPr kumimoji="1" lang="ja-JP" altLang="en-US" smtClean="0"/>
+              <a:t>第 </a:t>
+            </a:r>
+            <a:r>
+              <a:rPr kumimoji="1" lang="en-US" altLang="ja-JP" smtClean="0"/>
+              <a:t>3 </a:t>
+            </a:r>
+            <a:r>
+              <a:rPr kumimoji="1" lang="ja-JP" altLang="en-US" smtClean="0"/>
+              <a:t>レベル</a:t>
+            </a:r>
+          </a:p>
+          <a:p>
+            <a:pPr lvl="3"/>
+            <a:r>
+              <a:rPr kumimoji="1" lang="ja-JP" altLang="en-US" smtClean="0"/>
+              <a:t>第 </a:t>
+            </a:r>
+            <a:r>
+              <a:rPr kumimoji="1" lang="en-US" altLang="ja-JP" smtClean="0"/>
+              <a:t>4 </a:t>
+            </a:r>
+            <a:r>
+              <a:rPr kumimoji="1" lang="ja-JP" altLang="en-US" smtClean="0"/>
+              <a:t>レベル</a:t>
+            </a:r>
+          </a:p>
+          <a:p>
+            <a:pPr lvl="4"/>
+            <a:r>
+              <a:rPr kumimoji="1" lang="ja-JP" altLang="en-US" smtClean="0"/>
+              <a:t>第 </a:t>
+            </a:r>
+            <a:r>
+              <a:rPr kumimoji="1" lang="en-US" altLang="ja-JP" smtClean="0"/>
+              <a:t>5 </a:t>
+            </a:r>
+            <a:r>
+              <a:rPr kumimoji="1" lang="ja-JP" altLang="en-US" smtClean="0"/>
+              <a:t>レベル</a:t>
+            </a:r>
+            <a:endParaRPr kumimoji="1" lang="ja-JP" altLang="en-US"/>
+          </a:p>
+        </p:txBody>
+      </p:sp>
+      <p:sp>
+        <p:nvSpPr>
+          <p:cNvPr id="6" name="フッター プレースホルダー 5"/>
+          <p:cNvSpPr>
+            <a:spLocks noGrp="1"/>
+          </p:cNvSpPr>
+          <p:nvPr>
+            <p:ph type="ftr" sz="quarter" idx="4"/>
+          </p:nvPr>
+        </p:nvSpPr>
+        <p:spPr>
+          <a:xfrm>
+            <a:off x="0" y="8685213"/>
+            <a:ext cx="2971800" cy="458787"/>
+          </a:xfrm>
+          <a:prstGeom prst="rect">
+            <a:avLst/>
+          </a:prstGeom>
+        </p:spPr>
+        <p:txBody>
+          <a:bodyPr vert="horz" lIns="91440" tIns="45720" rIns="91440" bIns="45720" rtlCol="0" anchor="b"/>
+          <a:lstStyle>
+            <a:lvl1pPr algn="l">
+              <a:defRPr sz="1200"/>
+            </a:lvl1pPr>
+          </a:lstStyle>
+          <a:p>
+            <a:endParaRPr kumimoji="1" lang="ja-JP" altLang="en-US"/>
+          </a:p>
+        </p:txBody>
+      </p:sp>
+      <p:sp>
+        <p:nvSpPr>
+          <p:cNvPr id="7" name="スライド番号プレースホルダー 6"/>
+          <p:cNvSpPr>
+            <a:spLocks noGrp="1"/>
+          </p:cNvSpPr>
+          <p:nvPr>
+            <p:ph type="sldNum" sz="quarter" idx="5"/>
+          </p:nvPr>
+        </p:nvSpPr>
+        <p:spPr>
+          <a:xfrm>
+            <a:off x="3884613" y="8685213"/>
+            <a:ext cx="2971800" cy="458787"/>
+          </a:xfrm>
+          <a:prstGeom prst="rect">
+            <a:avLst/>
+          </a:prstGeom>
+        </p:spPr>
+        <p:txBody>
+          <a:bodyPr vert="horz" lIns="91440" tIns="45720" rIns="91440" bIns="45720" rtlCol="0" anchor="b"/>
+          <a:lstStyle>
+            <a:lvl1pPr algn="r">
+              <a:defRPr sz="1200"/>
+            </a:lvl1pPr>
+          </a:lstStyle>
+          <a:p>
+            <a:fld id="{B2EBFB3B-3C11-46F8-A7CD-996F99B27949}" type="slidenum">
+              <a:rPr kumimoji="1" lang="ja-JP" altLang="en-US" smtClean="0"/>
+              <a:t>‹#›</a:t>
+            </a:fld>
+            <a:endParaRPr kumimoji="1" lang="ja-JP" altLang="en-US"/>
+          </a:p>
+        </p:txBody>
+      </p:sp>
+    </p:spTree>
+    <p:extLst>
+      <p:ext uri="{BB962C8B-B14F-4D97-AF65-F5344CB8AC3E}">
+        <p14:creationId xmlns:p14="http://schemas.microsoft.com/office/powerpoint/2010/main" val="130490370"/>
+      </p:ext>
+    </p:extLst>
+  </p:cSld>
+  <p:clrMap bg1="lt1" tx1="dk1" bg2="lt2" tx2="dk2" accent1="accent1" accent2="accent2" accent3="accent3" accent4="accent4" accent5="accent5" accent6="accent6" hlink="hlink" folHlink="folHlink"/>
+  <p:notesStyle>
+    <a:lvl1pPr marL="0" algn="l" defTabSz="914400" rtl="0" eaLnBrk="1" latinLnBrk="0" hangingPunct="1">
+      <a:defRPr kumimoji="1" sz="1200" kern="1200">
+        <a:solidFill>
+          <a:schemeClr val="tx1"/>
+        </a:solidFill>
+        <a:latin typeface="+mn-lt"/>
+        <a:ea typeface="+mn-ea"/>
+        <a:cs typeface="+mn-cs"/>
+      </a:defRPr>
+    </a:lvl1pPr>
+    <a:lvl2pPr marL="457200" algn="l" defTabSz="914400" rtl="0" eaLnBrk="1" latinLnBrk="0" hangingPunct="1">
+      <a:defRPr kumimoji="1" sz="1200" kern="1200">
+        <a:solidFill>
+          <a:schemeClr val="tx1"/>
+        </a:solidFill>
+        <a:latin typeface="+mn-lt"/>
+        <a:ea typeface="+mn-ea"/>
+        <a:cs typeface="+mn-cs"/>
+      </a:defRPr>
+    </a:lvl2pPr>
+    <a:lvl3pPr marL="914400" algn="l" defTabSz="914400" rtl="0" eaLnBrk="1" latinLnBrk="0" hangingPunct="1">
+      <a:defRPr kumimoji="1" sz="1200" kern="1200">
+        <a:solidFill>
+          <a:schemeClr val="tx1"/>
+        </a:solidFill>
+        <a:latin typeface="+mn-lt"/>
+        <a:ea typeface="+mn-ea"/>
+        <a:cs typeface="+mn-cs"/>
+      </a:defRPr>
+    </a:lvl3pPr>
+    <a:lvl4pPr marL="1371600" algn="l" defTabSz="914400" rtl="0" eaLnBrk="1" latinLnBrk="0" hangingPunct="1">
+      <a:defRPr kumimoji="1" sz="1200" kern="1200">
+        <a:solidFill>
+          <a:schemeClr val="tx1"/>
+        </a:solidFill>
+        <a:latin typeface="+mn-lt"/>
+        <a:ea typeface="+mn-ea"/>
+        <a:cs typeface="+mn-cs"/>
+      </a:defRPr>
+    </a:lvl4pPr>
+    <a:lvl5pPr marL="1828800" algn="l" defTabSz="914400" rtl="0" eaLnBrk="1" latinLnBrk="0" hangingPunct="1">
+      <a:defRPr kumimoji="1" sz="1200" kern="1200">
+        <a:solidFill>
+          <a:schemeClr val="tx1"/>
+        </a:solidFill>
+        <a:latin typeface="+mn-lt"/>
+        <a:ea typeface="+mn-ea"/>
+        <a:cs typeface="+mn-cs"/>
+      </a:defRPr>
+    </a:lvl5pPr>
+    <a:lvl6pPr marL="2286000" algn="l" defTabSz="914400" rtl="0" eaLnBrk="1" latinLnBrk="0" hangingPunct="1">
+      <a:defRPr kumimoji="1" sz="1200" kern="1200">
+        <a:solidFill>
+          <a:schemeClr val="tx1"/>
+        </a:solidFill>
+        <a:latin typeface="+mn-lt"/>
+        <a:ea typeface="+mn-ea"/>
+        <a:cs typeface="+mn-cs"/>
+      </a:defRPr>
+    </a:lvl6pPr>
+    <a:lvl7pPr marL="2743200" algn="l" defTabSz="914400" rtl="0" eaLnBrk="1" latinLnBrk="0" hangingPunct="1">
+      <a:defRPr kumimoji="1" sz="1200" kern="1200">
+        <a:solidFill>
+          <a:schemeClr val="tx1"/>
+        </a:solidFill>
+        <a:latin typeface="+mn-lt"/>
+        <a:ea typeface="+mn-ea"/>
+        <a:cs typeface="+mn-cs"/>
+      </a:defRPr>
+    </a:lvl7pPr>
+    <a:lvl8pPr marL="3200400" algn="l" defTabSz="914400" rtl="0" eaLnBrk="1" latinLnBrk="0" hangingPunct="1">
+      <a:defRPr kumimoji="1" sz="1200" kern="1200">
+        <a:solidFill>
+          <a:schemeClr val="tx1"/>
+        </a:solidFill>
+        <a:latin typeface="+mn-lt"/>
+        <a:ea typeface="+mn-ea"/>
+        <a:cs typeface="+mn-cs"/>
+      </a:defRPr>
+    </a:lvl8pPr>
+    <a:lvl9pPr marL="3657600" algn="l" defTabSz="914400" rtl="0" eaLnBrk="1" latinLnBrk="0" hangingPunct="1">
+      <a:defRPr kumimoji="1" sz="1200" kern="1200">
+        <a:solidFill>
+          <a:schemeClr val="tx1"/>
+        </a:solidFill>
+        <a:latin typeface="+mn-lt"/>
+        <a:ea typeface="+mn-ea"/>
+        <a:cs typeface="+mn-cs"/>
+      </a:defRPr>
+    </a:lvl9pPr>
+  </p:notesStyle>
+</p:notesMaster>
+</file>
+
+<file path=ppt/notesSlides/notesSlide1.xml><?xml version="1.0" encoding="utf-8"?>
+<p:notes xmlns:a="http://schemas.openxmlformats.org/drawingml/2006/main" xmlns:r="http://schemas.openxmlformats.org/officeDocument/2006/relationships" xmlns:p="http://schemas.openxmlformats.org/presentationml/2006/main">
+  <p:cSld>
+    <p:spTree>
+      <p:nvGrpSpPr>
+        <p:cNvPr id="1" name=""/>
+        <p:cNvGrpSpPr/>
+        <p:nvPr/>
+      </p:nvGrpSpPr>
+      <p:grpSpPr>
+        <a:xfrm>
+          <a:off x="0" y="0"/>
+          <a:ext cx="0" cy="0"/>
+          <a:chOff x="0" y="0"/>
+          <a:chExt cx="0" cy="0"/>
+        </a:xfrm>
+      </p:grpSpPr>
+      <p:sp>
+        <p:nvSpPr>
+          <p:cNvPr id="2" name="スライド イメージ プレースホルダー 1"/>
+          <p:cNvSpPr>
+            <a:spLocks noGrp="1" noRot="1" noChangeAspect="1"/>
+          </p:cNvSpPr>
+          <p:nvPr>
+            <p:ph type="sldImg"/>
+          </p:nvPr>
+        </p:nvSpPr>
+        <p:spPr/>
+      </p:sp>
+      <p:sp>
+        <p:nvSpPr>
+          <p:cNvPr id="3" name="ノート プレースホルダー 2"/>
+          <p:cNvSpPr>
+            <a:spLocks noGrp="1"/>
+          </p:cNvSpPr>
+          <p:nvPr>
+            <p:ph type="body" idx="1"/>
+          </p:nvPr>
+        </p:nvSpPr>
+        <p:spPr/>
+        <p:txBody>
+          <a:bodyPr/>
+          <a:lstStyle/>
+          <a:p>
+            <a:endParaRPr kumimoji="1" lang="en-US" altLang="ja-JP" dirty="0" smtClean="0"/>
+          </a:p>
+          <a:p>
+            <a:r>
+              <a:rPr kumimoji="1" lang="en-US" altLang="ja-JP" dirty="0" err="1" smtClean="0"/>
+              <a:t>t_col</a:t>
+            </a:r>
+            <a:r>
+              <a:rPr kumimoji="1" lang="en-US" altLang="ja-JP" dirty="0" smtClean="0"/>
+              <a:t> &lt;- function(color, percent = 50, name = NULL) {</a:t>
+            </a:r>
+          </a:p>
+          <a:p>
+            <a:r>
+              <a:rPr kumimoji="1" lang="en-US" altLang="ja-JP" dirty="0" smtClean="0"/>
+              <a:t>  #      color = color name</a:t>
+            </a:r>
+          </a:p>
+          <a:p>
+            <a:r>
+              <a:rPr kumimoji="1" lang="en-US" altLang="ja-JP" dirty="0" smtClean="0"/>
+              <a:t>  #    percent = % transparency</a:t>
+            </a:r>
+          </a:p>
+          <a:p>
+            <a:r>
+              <a:rPr kumimoji="1" lang="en-US" altLang="ja-JP" dirty="0" smtClean="0"/>
+              <a:t>  #       name = an optional name for the color</a:t>
+            </a:r>
+          </a:p>
+          <a:p>
+            <a:endParaRPr kumimoji="1" lang="en-US" altLang="ja-JP" dirty="0" smtClean="0"/>
+          </a:p>
+          <a:p>
+            <a:r>
+              <a:rPr kumimoji="1" lang="en-US" altLang="ja-JP" dirty="0" smtClean="0"/>
+              <a:t>## Get RGB values for named color</a:t>
+            </a:r>
+          </a:p>
+          <a:p>
+            <a:r>
+              <a:rPr kumimoji="1" lang="en-US" altLang="ja-JP" dirty="0" err="1" smtClean="0"/>
+              <a:t>rgb.val</a:t>
+            </a:r>
+            <a:r>
+              <a:rPr kumimoji="1" lang="en-US" altLang="ja-JP" dirty="0" smtClean="0"/>
+              <a:t> &lt;- col2rgb(color)</a:t>
+            </a:r>
+          </a:p>
+          <a:p>
+            <a:endParaRPr kumimoji="1" lang="en-US" altLang="ja-JP" dirty="0" smtClean="0"/>
+          </a:p>
+          <a:p>
+            <a:r>
+              <a:rPr kumimoji="1" lang="en-US" altLang="ja-JP" dirty="0" smtClean="0"/>
+              <a:t>## Make new color using input color as base and alpha set by transparency</a:t>
+            </a:r>
+          </a:p>
+          <a:p>
+            <a:r>
+              <a:rPr kumimoji="1" lang="en-US" altLang="ja-JP" dirty="0" err="1" smtClean="0"/>
+              <a:t>t.col</a:t>
+            </a:r>
+            <a:r>
+              <a:rPr kumimoji="1" lang="en-US" altLang="ja-JP" dirty="0" smtClean="0"/>
+              <a:t> &lt;- </a:t>
+            </a:r>
+            <a:r>
+              <a:rPr kumimoji="1" lang="en-US" altLang="ja-JP" dirty="0" err="1" smtClean="0"/>
+              <a:t>rgb</a:t>
+            </a:r>
+            <a:r>
+              <a:rPr kumimoji="1" lang="en-US" altLang="ja-JP" dirty="0" smtClean="0"/>
+              <a:t>(</a:t>
+            </a:r>
+            <a:r>
+              <a:rPr kumimoji="1" lang="en-US" altLang="ja-JP" dirty="0" err="1" smtClean="0"/>
+              <a:t>rgb.val</a:t>
+            </a:r>
+            <a:r>
+              <a:rPr kumimoji="1" lang="en-US" altLang="ja-JP" dirty="0" smtClean="0"/>
+              <a:t>[1], </a:t>
+            </a:r>
+            <a:r>
+              <a:rPr kumimoji="1" lang="en-US" altLang="ja-JP" dirty="0" err="1" smtClean="0"/>
+              <a:t>rgb.val</a:t>
+            </a:r>
+            <a:r>
+              <a:rPr kumimoji="1" lang="en-US" altLang="ja-JP" dirty="0" smtClean="0"/>
+              <a:t>[2], </a:t>
+            </a:r>
+            <a:r>
+              <a:rPr kumimoji="1" lang="en-US" altLang="ja-JP" dirty="0" err="1" smtClean="0"/>
+              <a:t>rgb.val</a:t>
+            </a:r>
+            <a:r>
+              <a:rPr kumimoji="1" lang="en-US" altLang="ja-JP" dirty="0" smtClean="0"/>
+              <a:t>[3],</a:t>
+            </a:r>
+          </a:p>
+          <a:p>
+            <a:r>
+              <a:rPr kumimoji="1" lang="en-US" altLang="ja-JP" dirty="0" smtClean="0"/>
+              <a:t>             max = 255,</a:t>
+            </a:r>
+          </a:p>
+          <a:p>
+            <a:r>
+              <a:rPr kumimoji="1" lang="en-US" altLang="ja-JP" dirty="0" smtClean="0"/>
+              <a:t>             alpha = (100 - percent) * 255 / 100,</a:t>
+            </a:r>
+          </a:p>
+          <a:p>
+            <a:r>
+              <a:rPr kumimoji="1" lang="en-US" altLang="ja-JP" dirty="0" smtClean="0"/>
+              <a:t>             names = name)</a:t>
+            </a:r>
+          </a:p>
+          <a:p>
+            <a:endParaRPr kumimoji="1" lang="en-US" altLang="ja-JP" dirty="0" smtClean="0"/>
+          </a:p>
+          <a:p>
+            <a:endParaRPr kumimoji="1" lang="en-US" altLang="ja-JP" dirty="0" smtClean="0"/>
+          </a:p>
+          <a:p>
+            <a:endParaRPr kumimoji="1" lang="en-US" altLang="ja-JP" dirty="0" smtClean="0"/>
+          </a:p>
+          <a:p>
+            <a:r>
+              <a:rPr kumimoji="1" lang="en-US" altLang="ja-JP" dirty="0" smtClean="0"/>
+              <a:t>homo1 &lt;- apply(matrix(sample(0:1,depth*</a:t>
+            </a:r>
+            <a:r>
+              <a:rPr kumimoji="1" lang="en-US" altLang="ja-JP" dirty="0" err="1" smtClean="0"/>
+              <a:t>n,replace</a:t>
+            </a:r>
+            <a:r>
+              <a:rPr kumimoji="1" lang="en-US" altLang="ja-JP" dirty="0" smtClean="0"/>
+              <a:t>=</a:t>
+            </a:r>
+            <a:r>
+              <a:rPr kumimoji="1" lang="en-US" altLang="ja-JP" dirty="0" err="1" smtClean="0"/>
+              <a:t>TRUE,prob</a:t>
+            </a:r>
+            <a:r>
+              <a:rPr kumimoji="1" lang="en-US" altLang="ja-JP" dirty="0" smtClean="0"/>
+              <a:t>=c(0,1)), </a:t>
+            </a:r>
+            <a:r>
+              <a:rPr kumimoji="1" lang="en-US" altLang="ja-JP" dirty="0" err="1" smtClean="0"/>
+              <a:t>ncol</a:t>
+            </a:r>
+            <a:r>
+              <a:rPr kumimoji="1" lang="en-US" altLang="ja-JP" dirty="0" smtClean="0"/>
+              <a:t>=depth),1,sum)</a:t>
+            </a:r>
+          </a:p>
+          <a:p>
+            <a:r>
+              <a:rPr kumimoji="1" lang="en-US" altLang="ja-JP" dirty="0" smtClean="0"/>
+              <a:t>hetero &lt;- apply(matrix(sample(0:1,depth*</a:t>
+            </a:r>
+            <a:r>
+              <a:rPr kumimoji="1" lang="en-US" altLang="ja-JP" dirty="0" err="1" smtClean="0"/>
+              <a:t>n,replace</a:t>
+            </a:r>
+            <a:r>
+              <a:rPr kumimoji="1" lang="en-US" altLang="ja-JP" dirty="0" smtClean="0"/>
+              <a:t>=</a:t>
+            </a:r>
+            <a:r>
+              <a:rPr kumimoji="1" lang="en-US" altLang="ja-JP" dirty="0" err="1" smtClean="0"/>
+              <a:t>TRUE,prob</a:t>
+            </a:r>
+            <a:r>
+              <a:rPr kumimoji="1" lang="en-US" altLang="ja-JP" dirty="0" smtClean="0"/>
+              <a:t>=c(0.5,0.5)), </a:t>
+            </a:r>
+            <a:r>
+              <a:rPr kumimoji="1" lang="en-US" altLang="ja-JP" dirty="0" err="1" smtClean="0"/>
+              <a:t>ncol</a:t>
+            </a:r>
+            <a:r>
+              <a:rPr kumimoji="1" lang="en-US" altLang="ja-JP" dirty="0" smtClean="0"/>
+              <a:t>=depth),1,sum)</a:t>
+            </a:r>
+          </a:p>
+          <a:p>
+            <a:r>
+              <a:rPr kumimoji="1" lang="en-US" altLang="ja-JP" dirty="0" smtClean="0"/>
+              <a:t>homo2 &lt;- apply(matrix(sample(0:1,depth*</a:t>
+            </a:r>
+            <a:r>
+              <a:rPr kumimoji="1" lang="en-US" altLang="ja-JP" dirty="0" err="1" smtClean="0"/>
+              <a:t>n,replace</a:t>
+            </a:r>
+            <a:r>
+              <a:rPr kumimoji="1" lang="en-US" altLang="ja-JP" dirty="0" smtClean="0"/>
+              <a:t>=</a:t>
+            </a:r>
+            <a:r>
+              <a:rPr kumimoji="1" lang="en-US" altLang="ja-JP" dirty="0" err="1" smtClean="0"/>
+              <a:t>TRUE,prob</a:t>
+            </a:r>
+            <a:r>
+              <a:rPr kumimoji="1" lang="en-US" altLang="ja-JP" dirty="0" smtClean="0"/>
+              <a:t>=c(1,0)), </a:t>
+            </a:r>
+            <a:r>
+              <a:rPr kumimoji="1" lang="en-US" altLang="ja-JP" dirty="0" err="1" smtClean="0"/>
+              <a:t>ncol</a:t>
+            </a:r>
+            <a:r>
+              <a:rPr kumimoji="1" lang="en-US" altLang="ja-JP" dirty="0" smtClean="0"/>
+              <a:t>=depth),1,sum)</a:t>
+            </a:r>
+          </a:p>
+          <a:p>
+            <a:endParaRPr kumimoji="1" lang="en-US" altLang="ja-JP" dirty="0" smtClean="0"/>
+          </a:p>
+          <a:p>
+            <a:r>
+              <a:rPr kumimoji="1" lang="en-US" altLang="ja-JP" dirty="0" err="1" smtClean="0"/>
+              <a:t>t.col</a:t>
+            </a:r>
+            <a:r>
+              <a:rPr kumimoji="1" lang="en-US" altLang="ja-JP" dirty="0" smtClean="0"/>
+              <a:t> &lt;- </a:t>
+            </a:r>
+            <a:r>
+              <a:rPr kumimoji="1" lang="en-US" altLang="ja-JP" dirty="0" err="1" smtClean="0"/>
+              <a:t>rgb</a:t>
+            </a:r>
+            <a:r>
+              <a:rPr kumimoji="1" lang="en-US" altLang="ja-JP" dirty="0" smtClean="0"/>
+              <a:t>(</a:t>
+            </a:r>
+            <a:r>
+              <a:rPr kumimoji="1" lang="en-US" altLang="ja-JP" dirty="0" err="1" smtClean="0"/>
+              <a:t>rgb.val</a:t>
+            </a:r>
+            <a:r>
+              <a:rPr kumimoji="1" lang="en-US" altLang="ja-JP" dirty="0" smtClean="0"/>
+              <a:t>[1], </a:t>
+            </a:r>
+            <a:r>
+              <a:rPr kumimoji="1" lang="en-US" altLang="ja-JP" dirty="0" err="1" smtClean="0"/>
+              <a:t>rgb.val</a:t>
+            </a:r>
+            <a:r>
+              <a:rPr kumimoji="1" lang="en-US" altLang="ja-JP" dirty="0" smtClean="0"/>
+              <a:t>[2], </a:t>
+            </a:r>
+            <a:r>
+              <a:rPr kumimoji="1" lang="en-US" altLang="ja-JP" dirty="0" err="1" smtClean="0"/>
+              <a:t>rgb.val</a:t>
+            </a:r>
+            <a:r>
+              <a:rPr kumimoji="1" lang="en-US" altLang="ja-JP" dirty="0" smtClean="0"/>
+              <a:t>[3],</a:t>
+            </a:r>
+          </a:p>
+          <a:p>
+            <a:r>
+              <a:rPr kumimoji="1" lang="en-US" altLang="ja-JP" dirty="0" smtClean="0"/>
+              <a:t>             max = 255,</a:t>
+            </a:r>
+          </a:p>
+          <a:p>
+            <a:r>
+              <a:rPr kumimoji="1" lang="en-US" altLang="ja-JP" dirty="0" smtClean="0"/>
+              <a:t>             alpha = (100 - percent) * 255 / 100,</a:t>
+            </a:r>
+          </a:p>
+          <a:p>
+            <a:r>
+              <a:rPr kumimoji="1" lang="en-US" altLang="ja-JP" dirty="0" smtClean="0"/>
+              <a:t>             names = name)</a:t>
+            </a:r>
+          </a:p>
+          <a:p>
+            <a:r>
+              <a:rPr kumimoji="1" lang="en-US" altLang="ja-JP" dirty="0" smtClean="0"/>
+              <a:t>## Save the color</a:t>
+            </a:r>
+          </a:p>
+          <a:p>
+            <a:r>
+              <a:rPr kumimoji="1" lang="en-US" altLang="ja-JP" dirty="0" smtClean="0"/>
+              <a:t>invisible(</a:t>
+            </a:r>
+            <a:r>
+              <a:rPr kumimoji="1" lang="en-US" altLang="ja-JP" dirty="0" err="1" smtClean="0"/>
+              <a:t>t.col</a:t>
+            </a:r>
+            <a:r>
+              <a:rPr kumimoji="1" lang="en-US" altLang="ja-JP" dirty="0" smtClean="0"/>
+              <a:t>)</a:t>
+            </a:r>
+          </a:p>
+          <a:p>
+            <a:r>
+              <a:rPr kumimoji="1" lang="en-US" altLang="ja-JP" dirty="0" smtClean="0"/>
+              <a:t>}</a:t>
+            </a:r>
+          </a:p>
+          <a:p>
+            <a:endParaRPr kumimoji="1" lang="en-US" altLang="ja-JP" dirty="0" smtClean="0"/>
+          </a:p>
+          <a:p>
+            <a:r>
+              <a:rPr kumimoji="1" lang="en-US" altLang="ja-JP" dirty="0" smtClean="0"/>
+              <a:t>my.col1 &lt;- </a:t>
+            </a:r>
+            <a:r>
+              <a:rPr kumimoji="1" lang="en-US" altLang="ja-JP" dirty="0" err="1" smtClean="0"/>
+              <a:t>t_col</a:t>
+            </a:r>
+            <a:r>
+              <a:rPr kumimoji="1" lang="en-US" altLang="ja-JP" dirty="0" smtClean="0"/>
+              <a:t>("pink",</a:t>
+            </a:r>
+            <a:r>
+              <a:rPr kumimoji="1" lang="en-US" altLang="ja-JP" dirty="0" err="1" smtClean="0"/>
+              <a:t>perc</a:t>
+            </a:r>
+            <a:r>
+              <a:rPr kumimoji="1" lang="en-US" altLang="ja-JP" dirty="0" smtClean="0"/>
+              <a:t>=50,name="</a:t>
+            </a:r>
+            <a:r>
+              <a:rPr kumimoji="1" lang="en-US" altLang="ja-JP" dirty="0" err="1" smtClean="0"/>
+              <a:t>lt.pink</a:t>
+            </a:r>
+            <a:r>
+              <a:rPr kumimoji="1" lang="en-US" altLang="ja-JP" dirty="0" smtClean="0"/>
+              <a:t>")</a:t>
+            </a:r>
+          </a:p>
+          <a:p>
+            <a:r>
+              <a:rPr kumimoji="1" lang="en-US" altLang="ja-JP" dirty="0" smtClean="0"/>
+              <a:t>my.col2 &lt;- </a:t>
+            </a:r>
+            <a:r>
+              <a:rPr kumimoji="1" lang="en-US" altLang="ja-JP" dirty="0" err="1" smtClean="0"/>
+              <a:t>t_col</a:t>
+            </a:r>
+            <a:r>
+              <a:rPr kumimoji="1" lang="en-US" altLang="ja-JP" dirty="0" smtClean="0"/>
+              <a:t>("blue",</a:t>
+            </a:r>
+            <a:r>
+              <a:rPr kumimoji="1" lang="en-US" altLang="ja-JP" dirty="0" err="1" smtClean="0"/>
+              <a:t>perc</a:t>
+            </a:r>
+            <a:r>
+              <a:rPr kumimoji="1" lang="en-US" altLang="ja-JP" dirty="0" smtClean="0"/>
+              <a:t>=50,name="</a:t>
+            </a:r>
+            <a:r>
+              <a:rPr kumimoji="1" lang="en-US" altLang="ja-JP" dirty="0" err="1" smtClean="0"/>
+              <a:t>lt.blue</a:t>
+            </a:r>
+            <a:r>
+              <a:rPr kumimoji="1" lang="en-US" altLang="ja-JP" dirty="0" smtClean="0"/>
+              <a:t>")</a:t>
+            </a:r>
+          </a:p>
+          <a:p>
+            <a:r>
+              <a:rPr kumimoji="1" lang="en-US" altLang="ja-JP" dirty="0" smtClean="0"/>
+              <a:t>my.col3 &lt;- </a:t>
+            </a:r>
+            <a:r>
+              <a:rPr kumimoji="1" lang="en-US" altLang="ja-JP" dirty="0" err="1" smtClean="0"/>
+              <a:t>t_col</a:t>
+            </a:r>
+            <a:r>
+              <a:rPr kumimoji="1" lang="en-US" altLang="ja-JP" dirty="0" smtClean="0"/>
+              <a:t>("green",</a:t>
+            </a:r>
+            <a:r>
+              <a:rPr kumimoji="1" lang="en-US" altLang="ja-JP" dirty="0" err="1" smtClean="0"/>
+              <a:t>perc</a:t>
+            </a:r>
+            <a:r>
+              <a:rPr kumimoji="1" lang="en-US" altLang="ja-JP" dirty="0" smtClean="0"/>
+              <a:t>=50,name="</a:t>
+            </a:r>
+            <a:r>
+              <a:rPr kumimoji="1" lang="en-US" altLang="ja-JP" dirty="0" err="1" smtClean="0"/>
+              <a:t>lt.green</a:t>
+            </a:r>
+            <a:r>
+              <a:rPr kumimoji="1" lang="en-US" altLang="ja-JP" dirty="0" smtClean="0"/>
+              <a:t>")</a:t>
+            </a:r>
+          </a:p>
+          <a:p>
+            <a:endParaRPr kumimoji="1" lang="en-US" altLang="ja-JP" dirty="0" smtClean="0"/>
+          </a:p>
+          <a:p>
+            <a:endParaRPr kumimoji="1" lang="en-US" altLang="ja-JP" dirty="0" smtClean="0"/>
+          </a:p>
+          <a:p>
+            <a:r>
+              <a:rPr kumimoji="1" lang="en-US" altLang="ja-JP" dirty="0" smtClean="0"/>
+              <a:t>depth &lt;- 10</a:t>
+            </a:r>
+          </a:p>
+          <a:p>
+            <a:r>
+              <a:rPr kumimoji="1" lang="en-US" altLang="ja-JP" dirty="0" smtClean="0"/>
+              <a:t>n &lt;- 100</a:t>
+            </a:r>
+          </a:p>
+          <a:p>
+            <a:endParaRPr kumimoji="1" lang="en-US" altLang="ja-JP" dirty="0" smtClean="0"/>
+          </a:p>
+          <a:p>
+            <a:r>
+              <a:rPr kumimoji="1" lang="en-US" altLang="ja-JP" dirty="0" err="1" smtClean="0"/>
+              <a:t>br</a:t>
+            </a:r>
+            <a:r>
+              <a:rPr kumimoji="1" lang="en-US" altLang="ja-JP" dirty="0" smtClean="0"/>
+              <a:t> &lt;- -0.5:(depth + 0.5)</a:t>
+            </a:r>
+          </a:p>
+          <a:p>
+            <a:r>
+              <a:rPr kumimoji="1" lang="en-US" altLang="ja-JP" dirty="0" err="1" smtClean="0"/>
+              <a:t>hist</a:t>
+            </a:r>
+            <a:r>
+              <a:rPr kumimoji="1" lang="en-US" altLang="ja-JP" dirty="0" smtClean="0"/>
+              <a:t>(c(homo1,hetero,homo2),breaks=</a:t>
+            </a:r>
+            <a:r>
+              <a:rPr kumimoji="1" lang="en-US" altLang="ja-JP" dirty="0" err="1" smtClean="0"/>
+              <a:t>br</a:t>
+            </a:r>
+            <a:r>
+              <a:rPr kumimoji="1" lang="en-US" altLang="ja-JP" dirty="0" smtClean="0"/>
+              <a:t>)</a:t>
+            </a:r>
+          </a:p>
+          <a:p>
+            <a:r>
+              <a:rPr kumimoji="1" lang="en-US" altLang="ja-JP" dirty="0" smtClean="0"/>
+              <a:t>h &lt;- </a:t>
+            </a:r>
+            <a:r>
+              <a:rPr kumimoji="1" lang="en-US" altLang="ja-JP" dirty="0" err="1" smtClean="0"/>
+              <a:t>hist</a:t>
+            </a:r>
+            <a:r>
+              <a:rPr kumimoji="1" lang="en-US" altLang="ja-JP" dirty="0" smtClean="0"/>
+              <a:t>(c(homo1,hetero,homo2),breaks=</a:t>
+            </a:r>
+            <a:r>
+              <a:rPr kumimoji="1" lang="en-US" altLang="ja-JP" dirty="0" err="1" smtClean="0"/>
+              <a:t>br,plot</a:t>
+            </a:r>
+            <a:r>
+              <a:rPr kumimoji="1" lang="en-US" altLang="ja-JP" dirty="0" smtClean="0"/>
+              <a:t>=FALSE)</a:t>
+            </a:r>
+          </a:p>
+          <a:p>
+            <a:r>
+              <a:rPr kumimoji="1" lang="en-US" altLang="ja-JP" dirty="0" err="1" smtClean="0"/>
+              <a:t>hist</a:t>
+            </a:r>
+            <a:r>
+              <a:rPr kumimoji="1" lang="en-US" altLang="ja-JP" dirty="0" smtClean="0"/>
+              <a:t>(c(homo1),col=my.col1,alpha=0.3,breaks=</a:t>
+            </a:r>
+            <a:r>
+              <a:rPr kumimoji="1" lang="en-US" altLang="ja-JP" dirty="0" err="1" smtClean="0"/>
+              <a:t>h$breaks</a:t>
+            </a:r>
+            <a:r>
+              <a:rPr kumimoji="1" lang="en-US" altLang="ja-JP" dirty="0" smtClean="0"/>
+              <a:t>)</a:t>
+            </a:r>
+          </a:p>
+          <a:p>
+            <a:endParaRPr kumimoji="1" lang="en-US" altLang="ja-JP" dirty="0" smtClean="0"/>
+          </a:p>
+          <a:p>
+            <a:r>
+              <a:rPr kumimoji="1" lang="en-US" altLang="ja-JP" dirty="0" err="1" smtClean="0"/>
+              <a:t>hist</a:t>
+            </a:r>
+            <a:r>
+              <a:rPr kumimoji="1" lang="en-US" altLang="ja-JP" dirty="0" smtClean="0"/>
+              <a:t>(c(hetero),overlap=</a:t>
+            </a:r>
+            <a:r>
+              <a:rPr kumimoji="1" lang="en-US" altLang="ja-JP" dirty="0" err="1" smtClean="0"/>
+              <a:t>TRUE,col</a:t>
+            </a:r>
+            <a:r>
+              <a:rPr kumimoji="1" lang="en-US" altLang="ja-JP" dirty="0" smtClean="0"/>
+              <a:t>=my.col2,add=</a:t>
+            </a:r>
+            <a:r>
+              <a:rPr kumimoji="1" lang="en-US" altLang="ja-JP" dirty="0" err="1" smtClean="0"/>
+              <a:t>TRUE,alpha</a:t>
+            </a:r>
+            <a:r>
+              <a:rPr kumimoji="1" lang="en-US" altLang="ja-JP" dirty="0" smtClean="0"/>
+              <a:t>=0.3,breaks=</a:t>
+            </a:r>
+            <a:r>
+              <a:rPr kumimoji="1" lang="en-US" altLang="ja-JP" dirty="0" err="1" smtClean="0"/>
+              <a:t>h$breaks</a:t>
+            </a:r>
+            <a:r>
+              <a:rPr kumimoji="1" lang="en-US" altLang="ja-JP" dirty="0" smtClean="0"/>
+              <a:t>)</a:t>
+            </a:r>
+          </a:p>
+          <a:p>
+            <a:r>
+              <a:rPr kumimoji="1" lang="en-US" altLang="ja-JP" dirty="0" err="1" smtClean="0"/>
+              <a:t>hist</a:t>
+            </a:r>
+            <a:r>
+              <a:rPr kumimoji="1" lang="en-US" altLang="ja-JP" dirty="0" smtClean="0"/>
+              <a:t>(c(homo2),overlap=</a:t>
+            </a:r>
+            <a:r>
+              <a:rPr kumimoji="1" lang="en-US" altLang="ja-JP" dirty="0" err="1" smtClean="0"/>
+              <a:t>TRUE,col</a:t>
+            </a:r>
+            <a:r>
+              <a:rPr kumimoji="1" lang="en-US" altLang="ja-JP" dirty="0" smtClean="0"/>
+              <a:t>=my.col3,add=</a:t>
+            </a:r>
+            <a:r>
+              <a:rPr kumimoji="1" lang="en-US" altLang="ja-JP" dirty="0" err="1" smtClean="0"/>
+              <a:t>TRUE,alpha</a:t>
+            </a:r>
+            <a:r>
+              <a:rPr kumimoji="1" lang="en-US" altLang="ja-JP" dirty="0" smtClean="0"/>
+              <a:t>=0.3,breaks=</a:t>
+            </a:r>
+            <a:r>
+              <a:rPr kumimoji="1" lang="en-US" altLang="ja-JP" dirty="0" err="1" smtClean="0"/>
+              <a:t>h$breaks</a:t>
+            </a:r>
+            <a:r>
+              <a:rPr kumimoji="1" lang="en-US" altLang="ja-JP" dirty="0" smtClean="0"/>
+              <a:t>)</a:t>
+            </a:r>
+          </a:p>
+          <a:p>
+            <a:endParaRPr kumimoji="1" lang="en-US" altLang="ja-JP" dirty="0" smtClean="0"/>
+          </a:p>
+          <a:p>
+            <a:endParaRPr kumimoji="1" lang="ja-JP" altLang="en-US" dirty="0"/>
+          </a:p>
+        </p:txBody>
+      </p:sp>
+      <p:sp>
+        <p:nvSpPr>
+          <p:cNvPr id="4" name="スライド番号プレースホルダー 3"/>
+          <p:cNvSpPr>
+            <a:spLocks noGrp="1"/>
+          </p:cNvSpPr>
+          <p:nvPr>
+            <p:ph type="sldNum" sz="quarter" idx="10"/>
+          </p:nvPr>
+        </p:nvSpPr>
+        <p:spPr/>
+        <p:txBody>
+          <a:bodyPr/>
+          <a:lstStyle/>
+          <a:p>
+            <a:fld id="{B2EBFB3B-3C11-46F8-A7CD-996F99B27949}" type="slidenum">
+              <a:rPr kumimoji="1" lang="ja-JP" altLang="en-US" smtClean="0"/>
+              <a:t>25</a:t>
+            </a:fld>
+            <a:endParaRPr kumimoji="1" lang="ja-JP" altLang="en-US"/>
+          </a:p>
+        </p:txBody>
+      </p:sp>
+    </p:spTree>
+    <p:extLst>
+      <p:ext uri="{BB962C8B-B14F-4D97-AF65-F5344CB8AC3E}">
+        <p14:creationId xmlns:p14="http://schemas.microsoft.com/office/powerpoint/2010/main" val="3303619897"/>
+      </p:ext>
+    </p:extLst>
+  </p:cSld>
+  <p:clrMapOvr>
+    <a:masterClrMapping/>
+  </p:clrMapOvr>
+</p:notes>
+</file>
+
+<file path=ppt/notesSlides/notesSlide2.xml><?xml version="1.0" encoding="utf-8"?>
+<p:notes xmlns:a="http://schemas.openxmlformats.org/drawingml/2006/main" xmlns:r="http://schemas.openxmlformats.org/officeDocument/2006/relationships" xmlns:p="http://schemas.openxmlformats.org/presentationml/2006/main">
+  <p:cSld>
+    <p:spTree>
+      <p:nvGrpSpPr>
+        <p:cNvPr id="1" name=""/>
+        <p:cNvGrpSpPr/>
+        <p:nvPr/>
+      </p:nvGrpSpPr>
+      <p:grpSpPr>
+        <a:xfrm>
+          <a:off x="0" y="0"/>
+          <a:ext cx="0" cy="0"/>
+          <a:chOff x="0" y="0"/>
+          <a:chExt cx="0" cy="0"/>
+        </a:xfrm>
+      </p:grpSpPr>
+      <p:sp>
+        <p:nvSpPr>
+          <p:cNvPr id="2" name="スライド イメージ プレースホルダー 1"/>
+          <p:cNvSpPr>
+            <a:spLocks noGrp="1" noRot="1" noChangeAspect="1"/>
+          </p:cNvSpPr>
+          <p:nvPr>
+            <p:ph type="sldImg"/>
+          </p:nvPr>
+        </p:nvSpPr>
+        <p:spPr/>
+      </p:sp>
+      <p:sp>
+        <p:nvSpPr>
+          <p:cNvPr id="3" name="ノート プレースホルダー 2"/>
+          <p:cNvSpPr>
+            <a:spLocks noGrp="1"/>
+          </p:cNvSpPr>
+          <p:nvPr>
+            <p:ph type="body" idx="1"/>
+          </p:nvPr>
+        </p:nvSpPr>
+        <p:spPr/>
+        <p:txBody>
+          <a:bodyPr/>
+          <a:lstStyle/>
+          <a:p>
+            <a:endParaRPr kumimoji="1" lang="en-US" altLang="ja-JP" dirty="0" smtClean="0"/>
+          </a:p>
+          <a:p>
+            <a:r>
+              <a:rPr kumimoji="1" lang="en-US" altLang="ja-JP" dirty="0" err="1" smtClean="0"/>
+              <a:t>t_col</a:t>
+            </a:r>
+            <a:r>
+              <a:rPr kumimoji="1" lang="en-US" altLang="ja-JP" dirty="0" smtClean="0"/>
+              <a:t> &lt;- function(color, percent = 50, name = NULL) {</a:t>
+            </a:r>
+          </a:p>
+          <a:p>
+            <a:r>
+              <a:rPr kumimoji="1" lang="en-US" altLang="ja-JP" dirty="0" smtClean="0"/>
+              <a:t>  #      color = color name</a:t>
+            </a:r>
+          </a:p>
+          <a:p>
+            <a:r>
+              <a:rPr kumimoji="1" lang="en-US" altLang="ja-JP" dirty="0" smtClean="0"/>
+              <a:t>  #    percent = % transparency</a:t>
+            </a:r>
+          </a:p>
+          <a:p>
+            <a:r>
+              <a:rPr kumimoji="1" lang="en-US" altLang="ja-JP" dirty="0" smtClean="0"/>
+              <a:t>  #       name = an optional name for the color</a:t>
+            </a:r>
+          </a:p>
+          <a:p>
+            <a:endParaRPr kumimoji="1" lang="en-US" altLang="ja-JP" dirty="0" smtClean="0"/>
+          </a:p>
+          <a:p>
+            <a:r>
+              <a:rPr kumimoji="1" lang="en-US" altLang="ja-JP" dirty="0" smtClean="0"/>
+              <a:t>## Get RGB values for named color</a:t>
+            </a:r>
+          </a:p>
+          <a:p>
+            <a:r>
+              <a:rPr kumimoji="1" lang="en-US" altLang="ja-JP" dirty="0" err="1" smtClean="0"/>
+              <a:t>rgb.val</a:t>
+            </a:r>
+            <a:r>
+              <a:rPr kumimoji="1" lang="en-US" altLang="ja-JP" dirty="0" smtClean="0"/>
+              <a:t> &lt;- col2rgb(color)</a:t>
+            </a:r>
+          </a:p>
+          <a:p>
+            <a:endParaRPr kumimoji="1" lang="en-US" altLang="ja-JP" dirty="0" smtClean="0"/>
+          </a:p>
+          <a:p>
+            <a:r>
+              <a:rPr kumimoji="1" lang="en-US" altLang="ja-JP" dirty="0" smtClean="0"/>
+              <a:t>## Make new color using input color as base and alpha set by transparency</a:t>
+            </a:r>
+          </a:p>
+          <a:p>
+            <a:r>
+              <a:rPr kumimoji="1" lang="en-US" altLang="ja-JP" dirty="0" err="1" smtClean="0"/>
+              <a:t>t.col</a:t>
+            </a:r>
+            <a:r>
+              <a:rPr kumimoji="1" lang="en-US" altLang="ja-JP" dirty="0" smtClean="0"/>
+              <a:t> &lt;- </a:t>
+            </a:r>
+            <a:r>
+              <a:rPr kumimoji="1" lang="en-US" altLang="ja-JP" dirty="0" err="1" smtClean="0"/>
+              <a:t>rgb</a:t>
+            </a:r>
+            <a:r>
+              <a:rPr kumimoji="1" lang="en-US" altLang="ja-JP" dirty="0" smtClean="0"/>
+              <a:t>(</a:t>
+            </a:r>
+            <a:r>
+              <a:rPr kumimoji="1" lang="en-US" altLang="ja-JP" dirty="0" err="1" smtClean="0"/>
+              <a:t>rgb.val</a:t>
+            </a:r>
+            <a:r>
+              <a:rPr kumimoji="1" lang="en-US" altLang="ja-JP" dirty="0" smtClean="0"/>
+              <a:t>[1], </a:t>
+            </a:r>
+            <a:r>
+              <a:rPr kumimoji="1" lang="en-US" altLang="ja-JP" dirty="0" err="1" smtClean="0"/>
+              <a:t>rgb.val</a:t>
+            </a:r>
+            <a:r>
+              <a:rPr kumimoji="1" lang="en-US" altLang="ja-JP" dirty="0" smtClean="0"/>
+              <a:t>[2], </a:t>
+            </a:r>
+            <a:r>
+              <a:rPr kumimoji="1" lang="en-US" altLang="ja-JP" dirty="0" err="1" smtClean="0"/>
+              <a:t>rgb.val</a:t>
+            </a:r>
+            <a:r>
+              <a:rPr kumimoji="1" lang="en-US" altLang="ja-JP" dirty="0" smtClean="0"/>
+              <a:t>[3],</a:t>
+            </a:r>
+          </a:p>
+          <a:p>
+            <a:r>
+              <a:rPr kumimoji="1" lang="en-US" altLang="ja-JP" dirty="0" smtClean="0"/>
+              <a:t>             max = 255,</a:t>
+            </a:r>
+          </a:p>
+          <a:p>
+            <a:r>
+              <a:rPr kumimoji="1" lang="en-US" altLang="ja-JP" dirty="0" smtClean="0"/>
+              <a:t>             alpha = (100 - percent) * 255 / 100,</a:t>
+            </a:r>
+          </a:p>
+          <a:p>
+            <a:r>
+              <a:rPr kumimoji="1" lang="en-US" altLang="ja-JP" dirty="0" smtClean="0"/>
+              <a:t>             names = name)</a:t>
+            </a:r>
+          </a:p>
+          <a:p>
+            <a:endParaRPr kumimoji="1" lang="en-US" altLang="ja-JP" dirty="0" smtClean="0"/>
+          </a:p>
+          <a:p>
+            <a:endParaRPr kumimoji="1" lang="en-US" altLang="ja-JP" dirty="0" smtClean="0"/>
+          </a:p>
+          <a:p>
+            <a:endParaRPr kumimoji="1" lang="en-US" altLang="ja-JP" dirty="0" smtClean="0"/>
+          </a:p>
+          <a:p>
+            <a:endParaRPr kumimoji="1" lang="en-US" altLang="ja-JP" dirty="0" smtClean="0"/>
+          </a:p>
+          <a:p>
+            <a:r>
+              <a:rPr kumimoji="1" lang="en-US" altLang="ja-JP" dirty="0" err="1" smtClean="0"/>
+              <a:t>t.col</a:t>
+            </a:r>
+            <a:r>
+              <a:rPr kumimoji="1" lang="en-US" altLang="ja-JP" dirty="0" smtClean="0"/>
+              <a:t> &lt;- </a:t>
+            </a:r>
+            <a:r>
+              <a:rPr kumimoji="1" lang="en-US" altLang="ja-JP" dirty="0" err="1" smtClean="0"/>
+              <a:t>rgb</a:t>
+            </a:r>
+            <a:r>
+              <a:rPr kumimoji="1" lang="en-US" altLang="ja-JP" dirty="0" smtClean="0"/>
+              <a:t>(</a:t>
+            </a:r>
+            <a:r>
+              <a:rPr kumimoji="1" lang="en-US" altLang="ja-JP" dirty="0" err="1" smtClean="0"/>
+              <a:t>rgb.val</a:t>
+            </a:r>
+            <a:r>
+              <a:rPr kumimoji="1" lang="en-US" altLang="ja-JP" dirty="0" smtClean="0"/>
+              <a:t>[1], </a:t>
+            </a:r>
+            <a:r>
+              <a:rPr kumimoji="1" lang="en-US" altLang="ja-JP" dirty="0" err="1" smtClean="0"/>
+              <a:t>rgb.val</a:t>
+            </a:r>
+            <a:r>
+              <a:rPr kumimoji="1" lang="en-US" altLang="ja-JP" dirty="0" smtClean="0"/>
+              <a:t>[2], </a:t>
+            </a:r>
+            <a:r>
+              <a:rPr kumimoji="1" lang="en-US" altLang="ja-JP" dirty="0" err="1" smtClean="0"/>
+              <a:t>rgb.val</a:t>
+            </a:r>
+            <a:r>
+              <a:rPr kumimoji="1" lang="en-US" altLang="ja-JP" dirty="0" smtClean="0"/>
+              <a:t>[3],</a:t>
+            </a:r>
+          </a:p>
+          <a:p>
+            <a:r>
+              <a:rPr kumimoji="1" lang="en-US" altLang="ja-JP" dirty="0" smtClean="0"/>
+              <a:t>             max = 255,</a:t>
+            </a:r>
+          </a:p>
+          <a:p>
+            <a:r>
+              <a:rPr kumimoji="1" lang="en-US" altLang="ja-JP" dirty="0" smtClean="0"/>
+              <a:t>             alpha = (100 - percent) * 255 / 100,</a:t>
+            </a:r>
+          </a:p>
+          <a:p>
+            <a:r>
+              <a:rPr kumimoji="1" lang="en-US" altLang="ja-JP" dirty="0" smtClean="0"/>
+              <a:t>             names = name)</a:t>
+            </a:r>
+          </a:p>
+          <a:p>
+            <a:r>
+              <a:rPr kumimoji="1" lang="en-US" altLang="ja-JP" dirty="0" smtClean="0"/>
+              <a:t>## Save the color</a:t>
+            </a:r>
+          </a:p>
+          <a:p>
+            <a:r>
+              <a:rPr kumimoji="1" lang="en-US" altLang="ja-JP" dirty="0" smtClean="0"/>
+              <a:t>invisible(</a:t>
+            </a:r>
+            <a:r>
+              <a:rPr kumimoji="1" lang="en-US" altLang="ja-JP" dirty="0" err="1" smtClean="0"/>
+              <a:t>t.col</a:t>
+            </a:r>
+            <a:r>
+              <a:rPr kumimoji="1" lang="en-US" altLang="ja-JP" dirty="0" smtClean="0"/>
+              <a:t>)</a:t>
+            </a:r>
+          </a:p>
+          <a:p>
+            <a:r>
+              <a:rPr kumimoji="1" lang="en-US" altLang="ja-JP" dirty="0" smtClean="0"/>
+              <a:t>}</a:t>
+            </a:r>
+          </a:p>
+          <a:p>
+            <a:endParaRPr kumimoji="1" lang="en-US" altLang="ja-JP" dirty="0" smtClean="0"/>
+          </a:p>
+          <a:p>
+            <a:r>
+              <a:rPr kumimoji="1" lang="en-US" altLang="ja-JP" dirty="0" smtClean="0"/>
+              <a:t>my.col1 &lt;- </a:t>
+            </a:r>
+            <a:r>
+              <a:rPr kumimoji="1" lang="en-US" altLang="ja-JP" dirty="0" err="1" smtClean="0"/>
+              <a:t>t_col</a:t>
+            </a:r>
+            <a:r>
+              <a:rPr kumimoji="1" lang="en-US" altLang="ja-JP" dirty="0" smtClean="0"/>
+              <a:t>("pink",</a:t>
+            </a:r>
+            <a:r>
+              <a:rPr kumimoji="1" lang="en-US" altLang="ja-JP" dirty="0" err="1" smtClean="0"/>
+              <a:t>perc</a:t>
+            </a:r>
+            <a:r>
+              <a:rPr kumimoji="1" lang="en-US" altLang="ja-JP" dirty="0" smtClean="0"/>
+              <a:t>=50,name="</a:t>
+            </a:r>
+            <a:r>
+              <a:rPr kumimoji="1" lang="en-US" altLang="ja-JP" dirty="0" err="1" smtClean="0"/>
+              <a:t>lt.pink</a:t>
+            </a:r>
+            <a:r>
+              <a:rPr kumimoji="1" lang="en-US" altLang="ja-JP" dirty="0" smtClean="0"/>
+              <a:t>")</a:t>
+            </a:r>
+          </a:p>
+          <a:p>
+            <a:r>
+              <a:rPr kumimoji="1" lang="en-US" altLang="ja-JP" dirty="0" smtClean="0"/>
+              <a:t>my.col2 &lt;- </a:t>
+            </a:r>
+            <a:r>
+              <a:rPr kumimoji="1" lang="en-US" altLang="ja-JP" dirty="0" err="1" smtClean="0"/>
+              <a:t>t_col</a:t>
+            </a:r>
+            <a:r>
+              <a:rPr kumimoji="1" lang="en-US" altLang="ja-JP" dirty="0" smtClean="0"/>
+              <a:t>("blue",</a:t>
+            </a:r>
+            <a:r>
+              <a:rPr kumimoji="1" lang="en-US" altLang="ja-JP" dirty="0" err="1" smtClean="0"/>
+              <a:t>perc</a:t>
+            </a:r>
+            <a:r>
+              <a:rPr kumimoji="1" lang="en-US" altLang="ja-JP" dirty="0" smtClean="0"/>
+              <a:t>=50,name="</a:t>
+            </a:r>
+            <a:r>
+              <a:rPr kumimoji="1" lang="en-US" altLang="ja-JP" dirty="0" err="1" smtClean="0"/>
+              <a:t>lt.blue</a:t>
+            </a:r>
+            <a:r>
+              <a:rPr kumimoji="1" lang="en-US" altLang="ja-JP" dirty="0" smtClean="0"/>
+              <a:t>")</a:t>
+            </a:r>
+          </a:p>
+          <a:p>
+            <a:r>
+              <a:rPr kumimoji="1" lang="en-US" altLang="ja-JP" dirty="0" smtClean="0"/>
+              <a:t>my.col3 &lt;- </a:t>
+            </a:r>
+            <a:r>
+              <a:rPr kumimoji="1" lang="en-US" altLang="ja-JP" dirty="0" err="1" smtClean="0"/>
+              <a:t>t_col</a:t>
+            </a:r>
+            <a:r>
+              <a:rPr kumimoji="1" lang="en-US" altLang="ja-JP" dirty="0" smtClean="0"/>
+              <a:t>("green",</a:t>
+            </a:r>
+            <a:r>
+              <a:rPr kumimoji="1" lang="en-US" altLang="ja-JP" dirty="0" err="1" smtClean="0"/>
+              <a:t>perc</a:t>
+            </a:r>
+            <a:r>
+              <a:rPr kumimoji="1" lang="en-US" altLang="ja-JP" dirty="0" smtClean="0"/>
+              <a:t>=50,name="</a:t>
+            </a:r>
+            <a:r>
+              <a:rPr kumimoji="1" lang="en-US" altLang="ja-JP" dirty="0" err="1" smtClean="0"/>
+              <a:t>lt.green</a:t>
+            </a:r>
+            <a:r>
+              <a:rPr kumimoji="1" lang="en-US" altLang="ja-JP" dirty="0" smtClean="0"/>
+              <a:t>")</a:t>
+            </a:r>
+          </a:p>
+          <a:p>
+            <a:endParaRPr kumimoji="1" lang="en-US" altLang="ja-JP" dirty="0" smtClean="0"/>
+          </a:p>
+          <a:p>
+            <a:endParaRPr kumimoji="1" lang="en-US" altLang="ja-JP" dirty="0" smtClean="0"/>
+          </a:p>
+          <a:p>
+            <a:r>
+              <a:rPr kumimoji="1" lang="en-US" altLang="ja-JP" dirty="0" smtClean="0"/>
+              <a:t>depth &lt;- 10</a:t>
+            </a:r>
+          </a:p>
+          <a:p>
+            <a:r>
+              <a:rPr kumimoji="1" lang="en-US" altLang="ja-JP" dirty="0" smtClean="0"/>
+              <a:t>n &lt;- 100</a:t>
+            </a:r>
+          </a:p>
+          <a:p>
+            <a:r>
+              <a:rPr kumimoji="1" lang="en-US" altLang="ja-JP" dirty="0" smtClean="0"/>
+              <a:t>homo1 &lt;- apply(matrix(sample(0:1,depth*</a:t>
+            </a:r>
+            <a:r>
+              <a:rPr kumimoji="1" lang="en-US" altLang="ja-JP" dirty="0" err="1" smtClean="0"/>
+              <a:t>n,replace</a:t>
+            </a:r>
+            <a:r>
+              <a:rPr kumimoji="1" lang="en-US" altLang="ja-JP" dirty="0" smtClean="0"/>
+              <a:t>=</a:t>
+            </a:r>
+            <a:r>
+              <a:rPr kumimoji="1" lang="en-US" altLang="ja-JP" dirty="0" err="1" smtClean="0"/>
+              <a:t>TRUE,prob</a:t>
+            </a:r>
+            <a:r>
+              <a:rPr kumimoji="1" lang="en-US" altLang="ja-JP" dirty="0" smtClean="0"/>
+              <a:t>=c(0,1)), </a:t>
+            </a:r>
+            <a:r>
+              <a:rPr kumimoji="1" lang="en-US" altLang="ja-JP" dirty="0" err="1" smtClean="0"/>
+              <a:t>ncol</a:t>
+            </a:r>
+            <a:r>
+              <a:rPr kumimoji="1" lang="en-US" altLang="ja-JP" dirty="0" smtClean="0"/>
+              <a:t>=depth),1,sum)</a:t>
+            </a:r>
+          </a:p>
+          <a:p>
+            <a:r>
+              <a:rPr kumimoji="1" lang="en-US" altLang="ja-JP" dirty="0" smtClean="0"/>
+              <a:t>hetero &lt;- apply(matrix(sample(0:1,depth*</a:t>
+            </a:r>
+            <a:r>
+              <a:rPr kumimoji="1" lang="en-US" altLang="ja-JP" dirty="0" err="1" smtClean="0"/>
+              <a:t>n,replace</a:t>
+            </a:r>
+            <a:r>
+              <a:rPr kumimoji="1" lang="en-US" altLang="ja-JP" dirty="0" smtClean="0"/>
+              <a:t>=</a:t>
+            </a:r>
+            <a:r>
+              <a:rPr kumimoji="1" lang="en-US" altLang="ja-JP" dirty="0" err="1" smtClean="0"/>
+              <a:t>TRUE,prob</a:t>
+            </a:r>
+            <a:r>
+              <a:rPr kumimoji="1" lang="en-US" altLang="ja-JP" dirty="0" smtClean="0"/>
+              <a:t>=c(0.5,0.5)), </a:t>
+            </a:r>
+            <a:r>
+              <a:rPr kumimoji="1" lang="en-US" altLang="ja-JP" dirty="0" err="1" smtClean="0"/>
+              <a:t>ncol</a:t>
+            </a:r>
+            <a:r>
+              <a:rPr kumimoji="1" lang="en-US" altLang="ja-JP" dirty="0" smtClean="0"/>
+              <a:t>=depth),1,sum)</a:t>
+            </a:r>
+          </a:p>
+          <a:p>
+            <a:r>
+              <a:rPr kumimoji="1" lang="en-US" altLang="ja-JP" dirty="0" smtClean="0"/>
+              <a:t>homo2 &lt;- apply(matrix(sample(0:1,depth*</a:t>
+            </a:r>
+            <a:r>
+              <a:rPr kumimoji="1" lang="en-US" altLang="ja-JP" dirty="0" err="1" smtClean="0"/>
+              <a:t>n,replace</a:t>
+            </a:r>
+            <a:r>
+              <a:rPr kumimoji="1" lang="en-US" altLang="ja-JP" dirty="0" smtClean="0"/>
+              <a:t>=</a:t>
+            </a:r>
+            <a:r>
+              <a:rPr kumimoji="1" lang="en-US" altLang="ja-JP" dirty="0" err="1" smtClean="0"/>
+              <a:t>TRUE,prob</a:t>
+            </a:r>
+            <a:r>
+              <a:rPr kumimoji="1" lang="en-US" altLang="ja-JP" dirty="0" smtClean="0"/>
+              <a:t>=c(1,0)), </a:t>
+            </a:r>
+            <a:r>
+              <a:rPr kumimoji="1" lang="en-US" altLang="ja-JP" dirty="0" err="1" smtClean="0"/>
+              <a:t>ncol</a:t>
+            </a:r>
+            <a:r>
+              <a:rPr kumimoji="1" lang="en-US" altLang="ja-JP" dirty="0" smtClean="0"/>
+              <a:t>=depth),1,sum)</a:t>
+            </a:r>
+          </a:p>
+          <a:p>
+            <a:endParaRPr kumimoji="1" lang="en-US" altLang="ja-JP" dirty="0" smtClean="0"/>
+          </a:p>
+          <a:p>
+            <a:r>
+              <a:rPr kumimoji="1" lang="en-US" altLang="ja-JP" dirty="0" err="1" smtClean="0"/>
+              <a:t>br</a:t>
+            </a:r>
+            <a:r>
+              <a:rPr kumimoji="1" lang="en-US" altLang="ja-JP" dirty="0" smtClean="0"/>
+              <a:t> &lt;- -0.5:(depth + 0.5)</a:t>
+            </a:r>
+          </a:p>
+          <a:p>
+            <a:r>
+              <a:rPr kumimoji="1" lang="en-US" altLang="ja-JP" dirty="0" err="1" smtClean="0"/>
+              <a:t>hist</a:t>
+            </a:r>
+            <a:r>
+              <a:rPr kumimoji="1" lang="en-US" altLang="ja-JP" dirty="0" smtClean="0"/>
+              <a:t>(c(homo1,hetero,homo2),breaks=</a:t>
+            </a:r>
+            <a:r>
+              <a:rPr kumimoji="1" lang="en-US" altLang="ja-JP" dirty="0" err="1" smtClean="0"/>
+              <a:t>br</a:t>
+            </a:r>
+            <a:r>
+              <a:rPr kumimoji="1" lang="en-US" altLang="ja-JP" dirty="0" smtClean="0"/>
+              <a:t>)</a:t>
+            </a:r>
+          </a:p>
+          <a:p>
+            <a:r>
+              <a:rPr kumimoji="1" lang="en-US" altLang="ja-JP" dirty="0" smtClean="0"/>
+              <a:t>h &lt;- </a:t>
+            </a:r>
+            <a:r>
+              <a:rPr kumimoji="1" lang="en-US" altLang="ja-JP" dirty="0" err="1" smtClean="0"/>
+              <a:t>hist</a:t>
+            </a:r>
+            <a:r>
+              <a:rPr kumimoji="1" lang="en-US" altLang="ja-JP" dirty="0" smtClean="0"/>
+              <a:t>(c(homo1,hetero,homo2),breaks=</a:t>
+            </a:r>
+            <a:r>
+              <a:rPr kumimoji="1" lang="en-US" altLang="ja-JP" dirty="0" err="1" smtClean="0"/>
+              <a:t>br,plot</a:t>
+            </a:r>
+            <a:r>
+              <a:rPr kumimoji="1" lang="en-US" altLang="ja-JP" dirty="0" smtClean="0"/>
+              <a:t>=FALSE)</a:t>
+            </a:r>
+          </a:p>
+          <a:p>
+            <a:r>
+              <a:rPr kumimoji="1" lang="en-US" altLang="ja-JP" dirty="0" err="1" smtClean="0"/>
+              <a:t>hist</a:t>
+            </a:r>
+            <a:r>
+              <a:rPr kumimoji="1" lang="en-US" altLang="ja-JP" dirty="0" smtClean="0"/>
+              <a:t>(c(homo1),col=my.col1,breaks=</a:t>
+            </a:r>
+            <a:r>
+              <a:rPr kumimoji="1" lang="en-US" altLang="ja-JP" dirty="0" err="1" smtClean="0"/>
+              <a:t>h$breaks</a:t>
+            </a:r>
+            <a:r>
+              <a:rPr kumimoji="1" lang="en-US" altLang="ja-JP" dirty="0" smtClean="0"/>
+              <a:t>)</a:t>
+            </a:r>
+          </a:p>
+          <a:p>
+            <a:endParaRPr kumimoji="1" lang="en-US" altLang="ja-JP" dirty="0" smtClean="0"/>
+          </a:p>
+          <a:p>
+            <a:r>
+              <a:rPr kumimoji="1" lang="en-US" altLang="ja-JP" dirty="0" err="1" smtClean="0"/>
+              <a:t>hist</a:t>
+            </a:r>
+            <a:r>
+              <a:rPr kumimoji="1" lang="en-US" altLang="ja-JP" dirty="0" smtClean="0"/>
+              <a:t>(c(hetero),overlap=</a:t>
+            </a:r>
+            <a:r>
+              <a:rPr kumimoji="1" lang="en-US" altLang="ja-JP" dirty="0" err="1" smtClean="0"/>
+              <a:t>TRUE,col</a:t>
+            </a:r>
+            <a:r>
+              <a:rPr kumimoji="1" lang="en-US" altLang="ja-JP" dirty="0" smtClean="0"/>
+              <a:t>=my.col2,add=</a:t>
+            </a:r>
+            <a:r>
+              <a:rPr kumimoji="1" lang="en-US" altLang="ja-JP" dirty="0" err="1" smtClean="0"/>
+              <a:t>TRUE,breaks</a:t>
+            </a:r>
+            <a:r>
+              <a:rPr kumimoji="1" lang="en-US" altLang="ja-JP" dirty="0" smtClean="0"/>
+              <a:t>=</a:t>
+            </a:r>
+            <a:r>
+              <a:rPr kumimoji="1" lang="en-US" altLang="ja-JP" dirty="0" err="1" smtClean="0"/>
+              <a:t>h$breaks</a:t>
+            </a:r>
+            <a:r>
+              <a:rPr kumimoji="1" lang="en-US" altLang="ja-JP" dirty="0" smtClean="0"/>
+              <a:t>)</a:t>
+            </a:r>
+          </a:p>
+          <a:p>
+            <a:r>
+              <a:rPr kumimoji="1" lang="en-US" altLang="ja-JP" dirty="0" err="1" smtClean="0"/>
+              <a:t>hist</a:t>
+            </a:r>
+            <a:r>
+              <a:rPr kumimoji="1" lang="en-US" altLang="ja-JP" dirty="0" smtClean="0"/>
+              <a:t>(c(homo2),overlap=</a:t>
+            </a:r>
+            <a:r>
+              <a:rPr kumimoji="1" lang="en-US" altLang="ja-JP" dirty="0" err="1" smtClean="0"/>
+              <a:t>TRUE,col</a:t>
+            </a:r>
+            <a:r>
+              <a:rPr kumimoji="1" lang="en-US" altLang="ja-JP" dirty="0" smtClean="0"/>
+              <a:t>=my.col3,add=</a:t>
+            </a:r>
+            <a:r>
+              <a:rPr kumimoji="1" lang="en-US" altLang="ja-JP" dirty="0" err="1" smtClean="0"/>
+              <a:t>TRUE,breaks</a:t>
+            </a:r>
+            <a:r>
+              <a:rPr kumimoji="1" lang="en-US" altLang="ja-JP" dirty="0" smtClean="0"/>
+              <a:t>=</a:t>
+            </a:r>
+            <a:r>
+              <a:rPr kumimoji="1" lang="en-US" altLang="ja-JP" dirty="0" err="1" smtClean="0"/>
+              <a:t>h$breaks</a:t>
+            </a:r>
+            <a:r>
+              <a:rPr kumimoji="1" lang="en-US" altLang="ja-JP" dirty="0" smtClean="0"/>
+              <a:t>)</a:t>
+            </a:r>
+          </a:p>
+          <a:p>
+            <a:endParaRPr kumimoji="1" lang="en-US" altLang="ja-JP" dirty="0" smtClean="0"/>
+          </a:p>
+        </p:txBody>
+      </p:sp>
+      <p:sp>
+        <p:nvSpPr>
+          <p:cNvPr id="4" name="スライド番号プレースホルダー 3"/>
+          <p:cNvSpPr>
+            <a:spLocks noGrp="1"/>
+          </p:cNvSpPr>
+          <p:nvPr>
+            <p:ph type="sldNum" sz="quarter" idx="10"/>
+          </p:nvPr>
+        </p:nvSpPr>
+        <p:spPr/>
+        <p:txBody>
+          <a:bodyPr/>
+          <a:lstStyle/>
+          <a:p>
+            <a:fld id="{B2EBFB3B-3C11-46F8-A7CD-996F99B27949}" type="slidenum">
+              <a:rPr kumimoji="1" lang="ja-JP" altLang="en-US" smtClean="0"/>
+              <a:t>26</a:t>
+            </a:fld>
+            <a:endParaRPr kumimoji="1" lang="ja-JP" altLang="en-US"/>
+          </a:p>
+        </p:txBody>
+      </p:sp>
+    </p:spTree>
+    <p:extLst>
+      <p:ext uri="{BB962C8B-B14F-4D97-AF65-F5344CB8AC3E}">
+        <p14:creationId xmlns:p14="http://schemas.microsoft.com/office/powerpoint/2010/main" val="2644049450"/>
+      </p:ext>
+    </p:extLst>
+  </p:cSld>
+  <p:clrMapOvr>
+    <a:masterClrMapping/>
+  </p:clrMapOvr>
+</p:notes>
+</file>
+
+<file path=ppt/notesSlides/notesSlide3.xml><?xml version="1.0" encoding="utf-8"?>
+<p:notes xmlns:a="http://schemas.openxmlformats.org/drawingml/2006/main" xmlns:r="http://schemas.openxmlformats.org/officeDocument/2006/relationships" xmlns:p="http://schemas.openxmlformats.org/presentationml/2006/main">
+  <p:cSld>
+    <p:spTree>
+      <p:nvGrpSpPr>
+        <p:cNvPr id="1" name=""/>
+        <p:cNvGrpSpPr/>
+        <p:nvPr/>
+      </p:nvGrpSpPr>
+      <p:grpSpPr>
+        <a:xfrm>
+          <a:off x="0" y="0"/>
+          <a:ext cx="0" cy="0"/>
+          <a:chOff x="0" y="0"/>
+          <a:chExt cx="0" cy="0"/>
+        </a:xfrm>
+      </p:grpSpPr>
+      <p:sp>
+        <p:nvSpPr>
+          <p:cNvPr id="2" name="スライド イメージ プレースホルダー 1"/>
+          <p:cNvSpPr>
+            <a:spLocks noGrp="1" noRot="1" noChangeAspect="1"/>
+          </p:cNvSpPr>
+          <p:nvPr>
+            <p:ph type="sldImg"/>
+          </p:nvPr>
+        </p:nvSpPr>
+        <p:spPr/>
+      </p:sp>
+      <p:sp>
+        <p:nvSpPr>
+          <p:cNvPr id="3" name="ノート プレースホルダー 2"/>
+          <p:cNvSpPr>
+            <a:spLocks noGrp="1"/>
+          </p:cNvSpPr>
+          <p:nvPr>
+            <p:ph type="body" idx="1"/>
+          </p:nvPr>
+        </p:nvSpPr>
+        <p:spPr/>
+        <p:txBody>
+          <a:bodyPr/>
+          <a:lstStyle/>
+          <a:p>
+            <a:r>
+              <a:rPr kumimoji="1" lang="en-US" altLang="ja-JP" dirty="0" smtClean="0"/>
+              <a:t>depth &lt;- 10 # 10</a:t>
+            </a:r>
+          </a:p>
+          <a:p>
+            <a:r>
+              <a:rPr kumimoji="1" lang="en-US" altLang="ja-JP" dirty="0" smtClean="0"/>
+              <a:t>n &lt;- 100</a:t>
+            </a:r>
+          </a:p>
+          <a:p>
+            <a:endParaRPr kumimoji="1" lang="en-US" altLang="ja-JP" dirty="0" smtClean="0"/>
+          </a:p>
+          <a:p>
+            <a:r>
+              <a:rPr kumimoji="1" lang="en-US" altLang="ja-JP" dirty="0" smtClean="0"/>
+              <a:t>r &lt;- 0.1</a:t>
+            </a:r>
+          </a:p>
+          <a:p>
+            <a:endParaRPr kumimoji="1" lang="en-US" altLang="ja-JP" dirty="0" smtClean="0"/>
+          </a:p>
+          <a:p>
+            <a:r>
+              <a:rPr kumimoji="1" lang="en-US" altLang="ja-JP" dirty="0" smtClean="0"/>
+              <a:t>homo1 &lt;- apply(matrix(sample(0:1,depth*</a:t>
+            </a:r>
+            <a:r>
+              <a:rPr kumimoji="1" lang="en-US" altLang="ja-JP" dirty="0" err="1" smtClean="0"/>
+              <a:t>n,replace</a:t>
+            </a:r>
+            <a:r>
+              <a:rPr kumimoji="1" lang="en-US" altLang="ja-JP" dirty="0" smtClean="0"/>
+              <a:t>=</a:t>
+            </a:r>
+            <a:r>
+              <a:rPr kumimoji="1" lang="en-US" altLang="ja-JP" dirty="0" err="1" smtClean="0"/>
+              <a:t>TRUE,prob</a:t>
+            </a:r>
+            <a:r>
+              <a:rPr kumimoji="1" lang="en-US" altLang="ja-JP" dirty="0" smtClean="0"/>
+              <a:t>=c(r,1-r)), </a:t>
+            </a:r>
+            <a:r>
+              <a:rPr kumimoji="1" lang="en-US" altLang="ja-JP" dirty="0" err="1" smtClean="0"/>
+              <a:t>ncol</a:t>
+            </a:r>
+            <a:r>
+              <a:rPr kumimoji="1" lang="en-US" altLang="ja-JP" dirty="0" smtClean="0"/>
+              <a:t>=depth),1,sum)</a:t>
+            </a:r>
+          </a:p>
+          <a:p>
+            <a:r>
+              <a:rPr kumimoji="1" lang="en-US" altLang="ja-JP" dirty="0" smtClean="0"/>
+              <a:t>hetero &lt;- apply(matrix(sample(0:1,depth*</a:t>
+            </a:r>
+            <a:r>
+              <a:rPr kumimoji="1" lang="en-US" altLang="ja-JP" dirty="0" err="1" smtClean="0"/>
+              <a:t>n,replace</a:t>
+            </a:r>
+            <a:r>
+              <a:rPr kumimoji="1" lang="en-US" altLang="ja-JP" dirty="0" smtClean="0"/>
+              <a:t>=</a:t>
+            </a:r>
+            <a:r>
+              <a:rPr kumimoji="1" lang="en-US" altLang="ja-JP" dirty="0" err="1" smtClean="0"/>
+              <a:t>TRUE,prob</a:t>
+            </a:r>
+            <a:r>
+              <a:rPr kumimoji="1" lang="en-US" altLang="ja-JP" dirty="0" smtClean="0"/>
+              <a:t>=c(0.5,0.5)), </a:t>
+            </a:r>
+            <a:r>
+              <a:rPr kumimoji="1" lang="en-US" altLang="ja-JP" dirty="0" err="1" smtClean="0"/>
+              <a:t>ncol</a:t>
+            </a:r>
+            <a:r>
+              <a:rPr kumimoji="1" lang="en-US" altLang="ja-JP" dirty="0" smtClean="0"/>
+              <a:t>=depth),1,sum)</a:t>
+            </a:r>
+          </a:p>
+          <a:p>
+            <a:r>
+              <a:rPr kumimoji="1" lang="en-US" altLang="ja-JP" dirty="0" smtClean="0"/>
+              <a:t>homo2 &lt;- apply(matrix(sample(0:1,depth*</a:t>
+            </a:r>
+            <a:r>
+              <a:rPr kumimoji="1" lang="en-US" altLang="ja-JP" dirty="0" err="1" smtClean="0"/>
+              <a:t>n,replace</a:t>
+            </a:r>
+            <a:r>
+              <a:rPr kumimoji="1" lang="en-US" altLang="ja-JP" dirty="0" smtClean="0"/>
+              <a:t>=</a:t>
+            </a:r>
+            <a:r>
+              <a:rPr kumimoji="1" lang="en-US" altLang="ja-JP" dirty="0" err="1" smtClean="0"/>
+              <a:t>TRUE,prob</a:t>
+            </a:r>
+            <a:r>
+              <a:rPr kumimoji="1" lang="en-US" altLang="ja-JP" dirty="0" smtClean="0"/>
+              <a:t>=c(1-r,r)), </a:t>
+            </a:r>
+            <a:r>
+              <a:rPr kumimoji="1" lang="en-US" altLang="ja-JP" dirty="0" err="1" smtClean="0"/>
+              <a:t>ncol</a:t>
+            </a:r>
+            <a:r>
+              <a:rPr kumimoji="1" lang="en-US" altLang="ja-JP" dirty="0" smtClean="0"/>
+              <a:t>=depth),1,sum)</a:t>
+            </a:r>
+          </a:p>
+          <a:p>
+            <a:endParaRPr kumimoji="1" lang="en-US" altLang="ja-JP" dirty="0" smtClean="0"/>
+          </a:p>
+          <a:p>
+            <a:r>
+              <a:rPr kumimoji="1" lang="en-US" altLang="ja-JP" dirty="0" err="1" smtClean="0"/>
+              <a:t>br</a:t>
+            </a:r>
+            <a:r>
+              <a:rPr kumimoji="1" lang="en-US" altLang="ja-JP" dirty="0" smtClean="0"/>
+              <a:t> &lt;- -0.5:(depth + 0.5)</a:t>
+            </a:r>
+          </a:p>
+          <a:p>
+            <a:r>
+              <a:rPr kumimoji="1" lang="en-US" altLang="ja-JP" dirty="0" err="1" smtClean="0"/>
+              <a:t>hist</a:t>
+            </a:r>
+            <a:r>
+              <a:rPr kumimoji="1" lang="en-US" altLang="ja-JP" dirty="0" smtClean="0"/>
+              <a:t>(c(homo1,hetero,homo2),breaks=</a:t>
+            </a:r>
+            <a:r>
+              <a:rPr kumimoji="1" lang="en-US" altLang="ja-JP" dirty="0" err="1" smtClean="0"/>
+              <a:t>br</a:t>
+            </a:r>
+            <a:r>
+              <a:rPr kumimoji="1" lang="en-US" altLang="ja-JP" dirty="0" smtClean="0"/>
+              <a:t>)</a:t>
+            </a:r>
+          </a:p>
+          <a:p>
+            <a:r>
+              <a:rPr kumimoji="1" lang="en-US" altLang="ja-JP" dirty="0" smtClean="0"/>
+              <a:t>h &lt;- </a:t>
+            </a:r>
+            <a:r>
+              <a:rPr kumimoji="1" lang="en-US" altLang="ja-JP" dirty="0" err="1" smtClean="0"/>
+              <a:t>hist</a:t>
+            </a:r>
+            <a:r>
+              <a:rPr kumimoji="1" lang="en-US" altLang="ja-JP" dirty="0" smtClean="0"/>
+              <a:t>(c(homo1,hetero,homo2),breaks=</a:t>
+            </a:r>
+            <a:r>
+              <a:rPr kumimoji="1" lang="en-US" altLang="ja-JP" dirty="0" err="1" smtClean="0"/>
+              <a:t>br,plot</a:t>
+            </a:r>
+            <a:r>
+              <a:rPr kumimoji="1" lang="en-US" altLang="ja-JP" dirty="0" smtClean="0"/>
+              <a:t>=FALSE)</a:t>
+            </a:r>
+          </a:p>
+          <a:p>
+            <a:r>
+              <a:rPr kumimoji="1" lang="en-US" altLang="ja-JP" dirty="0" err="1" smtClean="0"/>
+              <a:t>hist</a:t>
+            </a:r>
+            <a:r>
+              <a:rPr kumimoji="1" lang="en-US" altLang="ja-JP" dirty="0" smtClean="0"/>
+              <a:t>(c(homo1),col=my.col1,breaks=</a:t>
+            </a:r>
+            <a:r>
+              <a:rPr kumimoji="1" lang="en-US" altLang="ja-JP" dirty="0" err="1" smtClean="0"/>
+              <a:t>h$breaks</a:t>
+            </a:r>
+            <a:r>
+              <a:rPr kumimoji="1" lang="en-US" altLang="ja-JP" dirty="0" smtClean="0"/>
+              <a:t>)</a:t>
+            </a:r>
+          </a:p>
+          <a:p>
+            <a:endParaRPr kumimoji="1" lang="en-US" altLang="ja-JP" dirty="0" smtClean="0"/>
+          </a:p>
+          <a:p>
+            <a:r>
+              <a:rPr kumimoji="1" lang="en-US" altLang="ja-JP" dirty="0" err="1" smtClean="0"/>
+              <a:t>hist</a:t>
+            </a:r>
+            <a:r>
+              <a:rPr kumimoji="1" lang="en-US" altLang="ja-JP" dirty="0" smtClean="0"/>
+              <a:t>(c(hetero),overlap=</a:t>
+            </a:r>
+            <a:r>
+              <a:rPr kumimoji="1" lang="en-US" altLang="ja-JP" dirty="0" err="1" smtClean="0"/>
+              <a:t>TRUE,col</a:t>
+            </a:r>
+            <a:r>
+              <a:rPr kumimoji="1" lang="en-US" altLang="ja-JP" dirty="0" smtClean="0"/>
+              <a:t>=my.col2,add=</a:t>
+            </a:r>
+            <a:r>
+              <a:rPr kumimoji="1" lang="en-US" altLang="ja-JP" dirty="0" err="1" smtClean="0"/>
+              <a:t>TRUE,breaks</a:t>
+            </a:r>
+            <a:r>
+              <a:rPr kumimoji="1" lang="en-US" altLang="ja-JP" dirty="0" smtClean="0"/>
+              <a:t>=</a:t>
+            </a:r>
+            <a:r>
+              <a:rPr kumimoji="1" lang="en-US" altLang="ja-JP" dirty="0" err="1" smtClean="0"/>
+              <a:t>h$breaks</a:t>
+            </a:r>
+            <a:r>
+              <a:rPr kumimoji="1" lang="en-US" altLang="ja-JP" dirty="0" smtClean="0"/>
+              <a:t>)</a:t>
+            </a:r>
+          </a:p>
+          <a:p>
+            <a:r>
+              <a:rPr kumimoji="1" lang="en-US" altLang="ja-JP" dirty="0" err="1" smtClean="0"/>
+              <a:t>hist</a:t>
+            </a:r>
+            <a:r>
+              <a:rPr kumimoji="1" lang="en-US" altLang="ja-JP" dirty="0" smtClean="0"/>
+              <a:t>(c(homo2),overlap=</a:t>
+            </a:r>
+            <a:r>
+              <a:rPr kumimoji="1" lang="en-US" altLang="ja-JP" dirty="0" err="1" smtClean="0"/>
+              <a:t>TRUE,col</a:t>
+            </a:r>
+            <a:r>
+              <a:rPr kumimoji="1" lang="en-US" altLang="ja-JP" dirty="0" smtClean="0"/>
+              <a:t>=my.col3,add=</a:t>
+            </a:r>
+            <a:r>
+              <a:rPr kumimoji="1" lang="en-US" altLang="ja-JP" dirty="0" err="1" smtClean="0"/>
+              <a:t>TRUE,breaks</a:t>
+            </a:r>
+            <a:r>
+              <a:rPr kumimoji="1" lang="en-US" altLang="ja-JP" dirty="0" smtClean="0"/>
+              <a:t>=</a:t>
+            </a:r>
+            <a:r>
+              <a:rPr kumimoji="1" lang="en-US" altLang="ja-JP" dirty="0" err="1" smtClean="0"/>
+              <a:t>h$breaks</a:t>
+            </a:r>
+            <a:r>
+              <a:rPr kumimoji="1" lang="en-US" altLang="ja-JP" dirty="0" smtClean="0"/>
+              <a:t>)</a:t>
+            </a:r>
+          </a:p>
+        </p:txBody>
+      </p:sp>
+      <p:sp>
+        <p:nvSpPr>
+          <p:cNvPr id="4" name="スライド番号プレースホルダー 3"/>
+          <p:cNvSpPr>
+            <a:spLocks noGrp="1"/>
+          </p:cNvSpPr>
+          <p:nvPr>
+            <p:ph type="sldNum" sz="quarter" idx="10"/>
+          </p:nvPr>
+        </p:nvSpPr>
+        <p:spPr/>
+        <p:txBody>
+          <a:bodyPr/>
+          <a:lstStyle/>
+          <a:p>
+            <a:fld id="{B2EBFB3B-3C11-46F8-A7CD-996F99B27949}" type="slidenum">
+              <a:rPr kumimoji="1" lang="ja-JP" altLang="en-US" smtClean="0"/>
+              <a:t>28</a:t>
+            </a:fld>
+            <a:endParaRPr kumimoji="1" lang="ja-JP" altLang="en-US"/>
+          </a:p>
+        </p:txBody>
+      </p:sp>
+    </p:spTree>
+    <p:extLst>
+      <p:ext uri="{BB962C8B-B14F-4D97-AF65-F5344CB8AC3E}">
+        <p14:creationId xmlns:p14="http://schemas.microsoft.com/office/powerpoint/2010/main" val="151245384"/>
+      </p:ext>
+    </p:extLst>
+  </p:cSld>
+  <p:clrMapOvr>
+    <a:masterClrMapping/>
+  </p:clrMapOvr>
+</p:notes>
+</file>
+
+<file path=ppt/notesSlides/notesSlide4.xml><?xml version="1.0" encoding="utf-8"?>
+<p:notes xmlns:a="http://schemas.openxmlformats.org/drawingml/2006/main" xmlns:r="http://schemas.openxmlformats.org/officeDocument/2006/relationships" xmlns:p="http://schemas.openxmlformats.org/presentationml/2006/main">
+  <p:cSld>
+    <p:spTree>
+      <p:nvGrpSpPr>
+        <p:cNvPr id="1" name=""/>
+        <p:cNvGrpSpPr/>
+        <p:nvPr/>
+      </p:nvGrpSpPr>
+      <p:grpSpPr>
+        <a:xfrm>
+          <a:off x="0" y="0"/>
+          <a:ext cx="0" cy="0"/>
+          <a:chOff x="0" y="0"/>
+          <a:chExt cx="0" cy="0"/>
+        </a:xfrm>
+      </p:grpSpPr>
+      <p:sp>
+        <p:nvSpPr>
+          <p:cNvPr id="2" name="スライド イメージ プレースホルダー 1"/>
+          <p:cNvSpPr>
+            <a:spLocks noGrp="1" noRot="1" noChangeAspect="1"/>
+          </p:cNvSpPr>
+          <p:nvPr>
+            <p:ph type="sldImg"/>
+          </p:nvPr>
+        </p:nvSpPr>
+        <p:spPr/>
+      </p:sp>
+      <p:sp>
+        <p:nvSpPr>
+          <p:cNvPr id="3" name="ノート プレースホルダー 2"/>
+          <p:cNvSpPr>
+            <a:spLocks noGrp="1"/>
+          </p:cNvSpPr>
+          <p:nvPr>
+            <p:ph type="body" idx="1"/>
+          </p:nvPr>
+        </p:nvSpPr>
+        <p:spPr/>
+        <p:txBody>
+          <a:bodyPr/>
+          <a:lstStyle/>
+          <a:p>
+            <a:endParaRPr kumimoji="1" lang="en-US" altLang="ja-JP" dirty="0" smtClean="0"/>
+          </a:p>
+          <a:p>
+            <a:r>
+              <a:rPr kumimoji="1" lang="en-US" altLang="ja-JP" dirty="0" err="1" smtClean="0"/>
+              <a:t>t_col</a:t>
+            </a:r>
+            <a:r>
+              <a:rPr kumimoji="1" lang="en-US" altLang="ja-JP" dirty="0" smtClean="0"/>
+              <a:t> &lt;- function(color, percent = 50, name = NULL) {</a:t>
+            </a:r>
+          </a:p>
+          <a:p>
+            <a:r>
+              <a:rPr kumimoji="1" lang="en-US" altLang="ja-JP" dirty="0" smtClean="0"/>
+              <a:t>  #      color = color name</a:t>
+            </a:r>
+          </a:p>
+          <a:p>
+            <a:r>
+              <a:rPr kumimoji="1" lang="en-US" altLang="ja-JP" dirty="0" smtClean="0"/>
+              <a:t>  #    percent = % transparency</a:t>
+            </a:r>
+          </a:p>
+          <a:p>
+            <a:r>
+              <a:rPr kumimoji="1" lang="en-US" altLang="ja-JP" dirty="0" smtClean="0"/>
+              <a:t>  #       name = an optional name for the color</a:t>
+            </a:r>
+          </a:p>
+          <a:p>
+            <a:endParaRPr kumimoji="1" lang="en-US" altLang="ja-JP" dirty="0" smtClean="0"/>
+          </a:p>
+          <a:p>
+            <a:r>
+              <a:rPr kumimoji="1" lang="en-US" altLang="ja-JP" dirty="0" smtClean="0"/>
+              <a:t>## Get RGB values for named color</a:t>
+            </a:r>
+          </a:p>
+          <a:p>
+            <a:r>
+              <a:rPr kumimoji="1" lang="en-US" altLang="ja-JP" dirty="0" err="1" smtClean="0"/>
+              <a:t>rgb.val</a:t>
+            </a:r>
+            <a:r>
+              <a:rPr kumimoji="1" lang="en-US" altLang="ja-JP" dirty="0" smtClean="0"/>
+              <a:t> &lt;- col2rgb(color)</a:t>
+            </a:r>
+          </a:p>
+          <a:p>
+            <a:endParaRPr kumimoji="1" lang="en-US" altLang="ja-JP" dirty="0" smtClean="0"/>
+          </a:p>
+          <a:p>
+            <a:r>
+              <a:rPr kumimoji="1" lang="en-US" altLang="ja-JP" dirty="0" smtClean="0"/>
+              <a:t>## Make new color using input color as base and alpha set by transparency</a:t>
+            </a:r>
+          </a:p>
+          <a:p>
+            <a:r>
+              <a:rPr kumimoji="1" lang="en-US" altLang="ja-JP" dirty="0" err="1" smtClean="0"/>
+              <a:t>t.col</a:t>
+            </a:r>
+            <a:r>
+              <a:rPr kumimoji="1" lang="en-US" altLang="ja-JP" dirty="0" smtClean="0"/>
+              <a:t> &lt;- </a:t>
+            </a:r>
+            <a:r>
+              <a:rPr kumimoji="1" lang="en-US" altLang="ja-JP" dirty="0" err="1" smtClean="0"/>
+              <a:t>rgb</a:t>
+            </a:r>
+            <a:r>
+              <a:rPr kumimoji="1" lang="en-US" altLang="ja-JP" dirty="0" smtClean="0"/>
+              <a:t>(</a:t>
+            </a:r>
+            <a:r>
+              <a:rPr kumimoji="1" lang="en-US" altLang="ja-JP" dirty="0" err="1" smtClean="0"/>
+              <a:t>rgb.val</a:t>
+            </a:r>
+            <a:r>
+              <a:rPr kumimoji="1" lang="en-US" altLang="ja-JP" dirty="0" smtClean="0"/>
+              <a:t>[1], </a:t>
+            </a:r>
+            <a:r>
+              <a:rPr kumimoji="1" lang="en-US" altLang="ja-JP" dirty="0" err="1" smtClean="0"/>
+              <a:t>rgb.val</a:t>
+            </a:r>
+            <a:r>
+              <a:rPr kumimoji="1" lang="en-US" altLang="ja-JP" dirty="0" smtClean="0"/>
+              <a:t>[2], </a:t>
+            </a:r>
+            <a:r>
+              <a:rPr kumimoji="1" lang="en-US" altLang="ja-JP" dirty="0" err="1" smtClean="0"/>
+              <a:t>rgb.val</a:t>
+            </a:r>
+            <a:r>
+              <a:rPr kumimoji="1" lang="en-US" altLang="ja-JP" dirty="0" smtClean="0"/>
+              <a:t>[3],</a:t>
+            </a:r>
+          </a:p>
+          <a:p>
+            <a:r>
+              <a:rPr kumimoji="1" lang="en-US" altLang="ja-JP" dirty="0" smtClean="0"/>
+              <a:t>             max = 255,</a:t>
+            </a:r>
+          </a:p>
+          <a:p>
+            <a:r>
+              <a:rPr kumimoji="1" lang="en-US" altLang="ja-JP" dirty="0" smtClean="0"/>
+              <a:t>             alpha = (100 - percent) * 255 / 100,</a:t>
+            </a:r>
+          </a:p>
+          <a:p>
+            <a:r>
+              <a:rPr kumimoji="1" lang="en-US" altLang="ja-JP" dirty="0" smtClean="0"/>
+              <a:t>             names = name)</a:t>
+            </a:r>
+          </a:p>
+          <a:p>
+            <a:endParaRPr kumimoji="1" lang="en-US" altLang="ja-JP" dirty="0" smtClean="0"/>
+          </a:p>
+          <a:p>
+            <a:endParaRPr kumimoji="1" lang="en-US" altLang="ja-JP" dirty="0" smtClean="0"/>
+          </a:p>
+          <a:p>
+            <a:endParaRPr kumimoji="1" lang="en-US" altLang="ja-JP" dirty="0" smtClean="0"/>
+          </a:p>
+          <a:p>
+            <a:endParaRPr kumimoji="1" lang="en-US" altLang="ja-JP" dirty="0" smtClean="0"/>
+          </a:p>
+          <a:p>
+            <a:r>
+              <a:rPr kumimoji="1" lang="en-US" altLang="ja-JP" dirty="0" err="1" smtClean="0"/>
+              <a:t>t.col</a:t>
+            </a:r>
+            <a:r>
+              <a:rPr kumimoji="1" lang="en-US" altLang="ja-JP" dirty="0" smtClean="0"/>
+              <a:t> &lt;- </a:t>
+            </a:r>
+            <a:r>
+              <a:rPr kumimoji="1" lang="en-US" altLang="ja-JP" dirty="0" err="1" smtClean="0"/>
+              <a:t>rgb</a:t>
+            </a:r>
+            <a:r>
+              <a:rPr kumimoji="1" lang="en-US" altLang="ja-JP" dirty="0" smtClean="0"/>
+              <a:t>(</a:t>
+            </a:r>
+            <a:r>
+              <a:rPr kumimoji="1" lang="en-US" altLang="ja-JP" dirty="0" err="1" smtClean="0"/>
+              <a:t>rgb.val</a:t>
+            </a:r>
+            <a:r>
+              <a:rPr kumimoji="1" lang="en-US" altLang="ja-JP" dirty="0" smtClean="0"/>
+              <a:t>[1], </a:t>
+            </a:r>
+            <a:r>
+              <a:rPr kumimoji="1" lang="en-US" altLang="ja-JP" dirty="0" err="1" smtClean="0"/>
+              <a:t>rgb.val</a:t>
+            </a:r>
+            <a:r>
+              <a:rPr kumimoji="1" lang="en-US" altLang="ja-JP" dirty="0" smtClean="0"/>
+              <a:t>[2], </a:t>
+            </a:r>
+            <a:r>
+              <a:rPr kumimoji="1" lang="en-US" altLang="ja-JP" dirty="0" err="1" smtClean="0"/>
+              <a:t>rgb.val</a:t>
+            </a:r>
+            <a:r>
+              <a:rPr kumimoji="1" lang="en-US" altLang="ja-JP" dirty="0" smtClean="0"/>
+              <a:t>[3],</a:t>
+            </a:r>
+          </a:p>
+          <a:p>
+            <a:r>
+              <a:rPr kumimoji="1" lang="en-US" altLang="ja-JP" dirty="0" smtClean="0"/>
+              <a:t>             max = 255,</a:t>
+            </a:r>
+          </a:p>
+          <a:p>
+            <a:r>
+              <a:rPr kumimoji="1" lang="en-US" altLang="ja-JP" dirty="0" smtClean="0"/>
+              <a:t>             alpha = (100 - percent) * 255 / 100,</a:t>
+            </a:r>
+          </a:p>
+          <a:p>
+            <a:r>
+              <a:rPr kumimoji="1" lang="en-US" altLang="ja-JP" dirty="0" smtClean="0"/>
+              <a:t>             names = name)</a:t>
+            </a:r>
+          </a:p>
+          <a:p>
+            <a:r>
+              <a:rPr kumimoji="1" lang="en-US" altLang="ja-JP" dirty="0" smtClean="0"/>
+              <a:t>## Save the color</a:t>
+            </a:r>
+          </a:p>
+          <a:p>
+            <a:r>
+              <a:rPr kumimoji="1" lang="en-US" altLang="ja-JP" dirty="0" smtClean="0"/>
+              <a:t>invisible(</a:t>
+            </a:r>
+            <a:r>
+              <a:rPr kumimoji="1" lang="en-US" altLang="ja-JP" dirty="0" err="1" smtClean="0"/>
+              <a:t>t.col</a:t>
+            </a:r>
+            <a:r>
+              <a:rPr kumimoji="1" lang="en-US" altLang="ja-JP" dirty="0" smtClean="0"/>
+              <a:t>)</a:t>
+            </a:r>
+          </a:p>
+          <a:p>
+            <a:r>
+              <a:rPr kumimoji="1" lang="en-US" altLang="ja-JP" dirty="0" smtClean="0"/>
+              <a:t>}</a:t>
+            </a:r>
+          </a:p>
+          <a:p>
+            <a:endParaRPr kumimoji="1" lang="en-US" altLang="ja-JP" dirty="0" smtClean="0"/>
+          </a:p>
+          <a:p>
+            <a:r>
+              <a:rPr kumimoji="1" lang="en-US" altLang="ja-JP" dirty="0" smtClean="0"/>
+              <a:t>my.col1 &lt;- </a:t>
+            </a:r>
+            <a:r>
+              <a:rPr kumimoji="1" lang="en-US" altLang="ja-JP" dirty="0" err="1" smtClean="0"/>
+              <a:t>t_col</a:t>
+            </a:r>
+            <a:r>
+              <a:rPr kumimoji="1" lang="en-US" altLang="ja-JP" dirty="0" smtClean="0"/>
+              <a:t>("pink",</a:t>
+            </a:r>
+            <a:r>
+              <a:rPr kumimoji="1" lang="en-US" altLang="ja-JP" dirty="0" err="1" smtClean="0"/>
+              <a:t>perc</a:t>
+            </a:r>
+            <a:r>
+              <a:rPr kumimoji="1" lang="en-US" altLang="ja-JP" dirty="0" smtClean="0"/>
+              <a:t>=50,name="</a:t>
+            </a:r>
+            <a:r>
+              <a:rPr kumimoji="1" lang="en-US" altLang="ja-JP" dirty="0" err="1" smtClean="0"/>
+              <a:t>lt.pink</a:t>
+            </a:r>
+            <a:r>
+              <a:rPr kumimoji="1" lang="en-US" altLang="ja-JP" dirty="0" smtClean="0"/>
+              <a:t>")</a:t>
+            </a:r>
+          </a:p>
+          <a:p>
+            <a:r>
+              <a:rPr kumimoji="1" lang="en-US" altLang="ja-JP" dirty="0" smtClean="0"/>
+              <a:t>my.col2 &lt;- </a:t>
+            </a:r>
+            <a:r>
+              <a:rPr kumimoji="1" lang="en-US" altLang="ja-JP" dirty="0" err="1" smtClean="0"/>
+              <a:t>t_col</a:t>
+            </a:r>
+            <a:r>
+              <a:rPr kumimoji="1" lang="en-US" altLang="ja-JP" dirty="0" smtClean="0"/>
+              <a:t>("blue",</a:t>
+            </a:r>
+            <a:r>
+              <a:rPr kumimoji="1" lang="en-US" altLang="ja-JP" dirty="0" err="1" smtClean="0"/>
+              <a:t>perc</a:t>
+            </a:r>
+            <a:r>
+              <a:rPr kumimoji="1" lang="en-US" altLang="ja-JP" dirty="0" smtClean="0"/>
+              <a:t>=50,name="</a:t>
+            </a:r>
+            <a:r>
+              <a:rPr kumimoji="1" lang="en-US" altLang="ja-JP" dirty="0" err="1" smtClean="0"/>
+              <a:t>lt.blue</a:t>
+            </a:r>
+            <a:r>
+              <a:rPr kumimoji="1" lang="en-US" altLang="ja-JP" dirty="0" smtClean="0"/>
+              <a:t>")</a:t>
+            </a:r>
+          </a:p>
+          <a:p>
+            <a:r>
+              <a:rPr kumimoji="1" lang="en-US" altLang="ja-JP" dirty="0" smtClean="0"/>
+              <a:t>my.col3 &lt;- </a:t>
+            </a:r>
+            <a:r>
+              <a:rPr kumimoji="1" lang="en-US" altLang="ja-JP" dirty="0" err="1" smtClean="0"/>
+              <a:t>t_col</a:t>
+            </a:r>
+            <a:r>
+              <a:rPr kumimoji="1" lang="en-US" altLang="ja-JP" dirty="0" smtClean="0"/>
+              <a:t>("green",</a:t>
+            </a:r>
+            <a:r>
+              <a:rPr kumimoji="1" lang="en-US" altLang="ja-JP" dirty="0" err="1" smtClean="0"/>
+              <a:t>perc</a:t>
+            </a:r>
+            <a:r>
+              <a:rPr kumimoji="1" lang="en-US" altLang="ja-JP" dirty="0" smtClean="0"/>
+              <a:t>=50,name="</a:t>
+            </a:r>
+            <a:r>
+              <a:rPr kumimoji="1" lang="en-US" altLang="ja-JP" dirty="0" err="1" smtClean="0"/>
+              <a:t>lt.green</a:t>
+            </a:r>
+            <a:r>
+              <a:rPr kumimoji="1" lang="en-US" altLang="ja-JP" dirty="0" smtClean="0"/>
+              <a:t>")</a:t>
+            </a:r>
+          </a:p>
+          <a:p>
+            <a:endParaRPr kumimoji="1" lang="en-US" altLang="ja-JP" dirty="0" smtClean="0"/>
+          </a:p>
+          <a:p>
+            <a:endParaRPr kumimoji="1" lang="en-US" altLang="ja-JP" dirty="0" smtClean="0"/>
+          </a:p>
+          <a:p>
+            <a:r>
+              <a:rPr kumimoji="1" lang="en-US" altLang="ja-JP" dirty="0" smtClean="0"/>
+              <a:t>depth &lt;- 10</a:t>
+            </a:r>
+          </a:p>
+          <a:p>
+            <a:r>
+              <a:rPr kumimoji="1" lang="en-US" altLang="ja-JP" dirty="0" smtClean="0"/>
+              <a:t>n &lt;- 100</a:t>
+            </a:r>
+          </a:p>
+          <a:p>
+            <a:r>
+              <a:rPr kumimoji="1" lang="en-US" altLang="ja-JP" dirty="0" smtClean="0"/>
+              <a:t>homo1 &lt;- apply(matrix(sample(0:1,depth*</a:t>
+            </a:r>
+            <a:r>
+              <a:rPr kumimoji="1" lang="en-US" altLang="ja-JP" dirty="0" err="1" smtClean="0"/>
+              <a:t>n,replace</a:t>
+            </a:r>
+            <a:r>
+              <a:rPr kumimoji="1" lang="en-US" altLang="ja-JP" dirty="0" smtClean="0"/>
+              <a:t>=</a:t>
+            </a:r>
+            <a:r>
+              <a:rPr kumimoji="1" lang="en-US" altLang="ja-JP" dirty="0" err="1" smtClean="0"/>
+              <a:t>TRUE,prob</a:t>
+            </a:r>
+            <a:r>
+              <a:rPr kumimoji="1" lang="en-US" altLang="ja-JP" dirty="0" smtClean="0"/>
+              <a:t>=c(0,1)), </a:t>
+            </a:r>
+            <a:r>
+              <a:rPr kumimoji="1" lang="en-US" altLang="ja-JP" dirty="0" err="1" smtClean="0"/>
+              <a:t>ncol</a:t>
+            </a:r>
+            <a:r>
+              <a:rPr kumimoji="1" lang="en-US" altLang="ja-JP" dirty="0" smtClean="0"/>
+              <a:t>=depth),1,sum)</a:t>
+            </a:r>
+          </a:p>
+          <a:p>
+            <a:r>
+              <a:rPr kumimoji="1" lang="en-US" altLang="ja-JP" dirty="0" smtClean="0"/>
+              <a:t>hetero &lt;- apply(matrix(sample(0:1,depth*</a:t>
+            </a:r>
+            <a:r>
+              <a:rPr kumimoji="1" lang="en-US" altLang="ja-JP" dirty="0" err="1" smtClean="0"/>
+              <a:t>n,replace</a:t>
+            </a:r>
+            <a:r>
+              <a:rPr kumimoji="1" lang="en-US" altLang="ja-JP" dirty="0" smtClean="0"/>
+              <a:t>=</a:t>
+            </a:r>
+            <a:r>
+              <a:rPr kumimoji="1" lang="en-US" altLang="ja-JP" dirty="0" err="1" smtClean="0"/>
+              <a:t>TRUE,prob</a:t>
+            </a:r>
+            <a:r>
+              <a:rPr kumimoji="1" lang="en-US" altLang="ja-JP" dirty="0" smtClean="0"/>
+              <a:t>=c(0.5,0.5)), </a:t>
+            </a:r>
+            <a:r>
+              <a:rPr kumimoji="1" lang="en-US" altLang="ja-JP" dirty="0" err="1" smtClean="0"/>
+              <a:t>ncol</a:t>
+            </a:r>
+            <a:r>
+              <a:rPr kumimoji="1" lang="en-US" altLang="ja-JP" dirty="0" smtClean="0"/>
+              <a:t>=depth),1,sum)</a:t>
+            </a:r>
+          </a:p>
+          <a:p>
+            <a:r>
+              <a:rPr kumimoji="1" lang="en-US" altLang="ja-JP" dirty="0" smtClean="0"/>
+              <a:t>homo2 &lt;- apply(matrix(sample(0:1,depth*</a:t>
+            </a:r>
+            <a:r>
+              <a:rPr kumimoji="1" lang="en-US" altLang="ja-JP" dirty="0" err="1" smtClean="0"/>
+              <a:t>n,replace</a:t>
+            </a:r>
+            <a:r>
+              <a:rPr kumimoji="1" lang="en-US" altLang="ja-JP" dirty="0" smtClean="0"/>
+              <a:t>=</a:t>
+            </a:r>
+            <a:r>
+              <a:rPr kumimoji="1" lang="en-US" altLang="ja-JP" dirty="0" err="1" smtClean="0"/>
+              <a:t>TRUE,prob</a:t>
+            </a:r>
+            <a:r>
+              <a:rPr kumimoji="1" lang="en-US" altLang="ja-JP" dirty="0" smtClean="0"/>
+              <a:t>=c(1,0)), </a:t>
+            </a:r>
+            <a:r>
+              <a:rPr kumimoji="1" lang="en-US" altLang="ja-JP" dirty="0" err="1" smtClean="0"/>
+              <a:t>ncol</a:t>
+            </a:r>
+            <a:r>
+              <a:rPr kumimoji="1" lang="en-US" altLang="ja-JP" dirty="0" smtClean="0"/>
+              <a:t>=depth),1,sum)</a:t>
+            </a:r>
+          </a:p>
+          <a:p>
+            <a:endParaRPr kumimoji="1" lang="en-US" altLang="ja-JP" dirty="0" smtClean="0"/>
+          </a:p>
+          <a:p>
+            <a:r>
+              <a:rPr kumimoji="1" lang="en-US" altLang="ja-JP" dirty="0" err="1" smtClean="0"/>
+              <a:t>br</a:t>
+            </a:r>
+            <a:r>
+              <a:rPr kumimoji="1" lang="en-US" altLang="ja-JP" dirty="0" smtClean="0"/>
+              <a:t> &lt;- -0.5:(depth + 0.5)</a:t>
+            </a:r>
+          </a:p>
+          <a:p>
+            <a:r>
+              <a:rPr kumimoji="1" lang="en-US" altLang="ja-JP" dirty="0" err="1" smtClean="0"/>
+              <a:t>hist</a:t>
+            </a:r>
+            <a:r>
+              <a:rPr kumimoji="1" lang="en-US" altLang="ja-JP" dirty="0" smtClean="0"/>
+              <a:t>(c(homo1,hetero,homo2),breaks=</a:t>
+            </a:r>
+            <a:r>
+              <a:rPr kumimoji="1" lang="en-US" altLang="ja-JP" dirty="0" err="1" smtClean="0"/>
+              <a:t>br</a:t>
+            </a:r>
+            <a:r>
+              <a:rPr kumimoji="1" lang="en-US" altLang="ja-JP" dirty="0" smtClean="0"/>
+              <a:t>)</a:t>
+            </a:r>
+          </a:p>
+          <a:p>
+            <a:r>
+              <a:rPr kumimoji="1" lang="en-US" altLang="ja-JP" dirty="0" smtClean="0"/>
+              <a:t>h &lt;- </a:t>
+            </a:r>
+            <a:r>
+              <a:rPr kumimoji="1" lang="en-US" altLang="ja-JP" dirty="0" err="1" smtClean="0"/>
+              <a:t>hist</a:t>
+            </a:r>
+            <a:r>
+              <a:rPr kumimoji="1" lang="en-US" altLang="ja-JP" dirty="0" smtClean="0"/>
+              <a:t>(c(homo1,hetero,homo2),breaks=</a:t>
+            </a:r>
+            <a:r>
+              <a:rPr kumimoji="1" lang="en-US" altLang="ja-JP" dirty="0" err="1" smtClean="0"/>
+              <a:t>br,plot</a:t>
+            </a:r>
+            <a:r>
+              <a:rPr kumimoji="1" lang="en-US" altLang="ja-JP" dirty="0" smtClean="0"/>
+              <a:t>=FALSE)</a:t>
+            </a:r>
+          </a:p>
+          <a:p>
+            <a:r>
+              <a:rPr kumimoji="1" lang="en-US" altLang="ja-JP" dirty="0" err="1" smtClean="0"/>
+              <a:t>hist</a:t>
+            </a:r>
+            <a:r>
+              <a:rPr kumimoji="1" lang="en-US" altLang="ja-JP" dirty="0" smtClean="0"/>
+              <a:t>(c(homo1),col=my.col1,breaks=</a:t>
+            </a:r>
+            <a:r>
+              <a:rPr kumimoji="1" lang="en-US" altLang="ja-JP" dirty="0" err="1" smtClean="0"/>
+              <a:t>h$breaks</a:t>
+            </a:r>
+            <a:r>
+              <a:rPr kumimoji="1" lang="en-US" altLang="ja-JP" dirty="0" smtClean="0"/>
+              <a:t>)</a:t>
+            </a:r>
+          </a:p>
+          <a:p>
+            <a:endParaRPr kumimoji="1" lang="en-US" altLang="ja-JP" dirty="0" smtClean="0"/>
+          </a:p>
+          <a:p>
+            <a:r>
+              <a:rPr kumimoji="1" lang="en-US" altLang="ja-JP" dirty="0" err="1" smtClean="0"/>
+              <a:t>hist</a:t>
+            </a:r>
+            <a:r>
+              <a:rPr kumimoji="1" lang="en-US" altLang="ja-JP" dirty="0" smtClean="0"/>
+              <a:t>(c(hetero),overlap=</a:t>
+            </a:r>
+            <a:r>
+              <a:rPr kumimoji="1" lang="en-US" altLang="ja-JP" dirty="0" err="1" smtClean="0"/>
+              <a:t>TRUE,col</a:t>
+            </a:r>
+            <a:r>
+              <a:rPr kumimoji="1" lang="en-US" altLang="ja-JP" dirty="0" smtClean="0"/>
+              <a:t>=my.col2,add=</a:t>
+            </a:r>
+            <a:r>
+              <a:rPr kumimoji="1" lang="en-US" altLang="ja-JP" dirty="0" err="1" smtClean="0"/>
+              <a:t>TRUE,breaks</a:t>
+            </a:r>
+            <a:r>
+              <a:rPr kumimoji="1" lang="en-US" altLang="ja-JP" dirty="0" smtClean="0"/>
+              <a:t>=</a:t>
+            </a:r>
+            <a:r>
+              <a:rPr kumimoji="1" lang="en-US" altLang="ja-JP" dirty="0" err="1" smtClean="0"/>
+              <a:t>h$breaks</a:t>
+            </a:r>
+            <a:r>
+              <a:rPr kumimoji="1" lang="en-US" altLang="ja-JP" dirty="0" smtClean="0"/>
+              <a:t>)</a:t>
+            </a:r>
+          </a:p>
+          <a:p>
+            <a:r>
+              <a:rPr kumimoji="1" lang="en-US" altLang="ja-JP" dirty="0" err="1" smtClean="0"/>
+              <a:t>hist</a:t>
+            </a:r>
+            <a:r>
+              <a:rPr kumimoji="1" lang="en-US" altLang="ja-JP" dirty="0" smtClean="0"/>
+              <a:t>(c(homo2),overlap=</a:t>
+            </a:r>
+            <a:r>
+              <a:rPr kumimoji="1" lang="en-US" altLang="ja-JP" dirty="0" err="1" smtClean="0"/>
+              <a:t>TRUE,col</a:t>
+            </a:r>
+            <a:r>
+              <a:rPr kumimoji="1" lang="en-US" altLang="ja-JP" dirty="0" smtClean="0"/>
+              <a:t>=my.col3,add=</a:t>
+            </a:r>
+            <a:r>
+              <a:rPr kumimoji="1" lang="en-US" altLang="ja-JP" dirty="0" err="1" smtClean="0"/>
+              <a:t>TRUE,breaks</a:t>
+            </a:r>
+            <a:r>
+              <a:rPr kumimoji="1" lang="en-US" altLang="ja-JP" dirty="0" smtClean="0"/>
+              <a:t>=</a:t>
+            </a:r>
+            <a:r>
+              <a:rPr kumimoji="1" lang="en-US" altLang="ja-JP" dirty="0" err="1" smtClean="0"/>
+              <a:t>h$breaks</a:t>
+            </a:r>
+            <a:r>
+              <a:rPr kumimoji="1" lang="en-US" altLang="ja-JP" dirty="0" smtClean="0"/>
+              <a:t>)</a:t>
+            </a:r>
+          </a:p>
+          <a:p>
+            <a:endParaRPr kumimoji="1" lang="en-US" altLang="ja-JP" dirty="0" smtClean="0"/>
+          </a:p>
+        </p:txBody>
+      </p:sp>
+      <p:sp>
+        <p:nvSpPr>
+          <p:cNvPr id="4" name="スライド番号プレースホルダー 3"/>
+          <p:cNvSpPr>
+            <a:spLocks noGrp="1"/>
+          </p:cNvSpPr>
+          <p:nvPr>
+            <p:ph type="sldNum" sz="quarter" idx="10"/>
+          </p:nvPr>
+        </p:nvSpPr>
+        <p:spPr/>
+        <p:txBody>
+          <a:bodyPr/>
+          <a:lstStyle/>
+          <a:p>
+            <a:fld id="{B2EBFB3B-3C11-46F8-A7CD-996F99B27949}" type="slidenum">
+              <a:rPr kumimoji="1" lang="ja-JP" altLang="en-US" smtClean="0"/>
+              <a:t>29</a:t>
+            </a:fld>
+            <a:endParaRPr kumimoji="1" lang="ja-JP" altLang="en-US"/>
+          </a:p>
+        </p:txBody>
+      </p:sp>
+    </p:spTree>
+    <p:extLst>
+      <p:ext uri="{BB962C8B-B14F-4D97-AF65-F5344CB8AC3E}">
+        <p14:creationId xmlns:p14="http://schemas.microsoft.com/office/powerpoint/2010/main" val="1651886071"/>
+      </p:ext>
+    </p:extLst>
+  </p:cSld>
+  <p:clrMapOvr>
+    <a:masterClrMapping/>
+  </p:clrMapOvr>
+</p:notes>
+</file>
+
+<file path=ppt/notesSlides/notesSlide5.xml><?xml version="1.0" encoding="utf-8"?>
+<p:notes xmlns:a="http://schemas.openxmlformats.org/drawingml/2006/main" xmlns:r="http://schemas.openxmlformats.org/officeDocument/2006/relationships" xmlns:p="http://schemas.openxmlformats.org/presentationml/2006/main">
+  <p:cSld>
+    <p:spTree>
+      <p:nvGrpSpPr>
+        <p:cNvPr id="1" name=""/>
+        <p:cNvGrpSpPr/>
+        <p:nvPr/>
+      </p:nvGrpSpPr>
+      <p:grpSpPr>
+        <a:xfrm>
+          <a:off x="0" y="0"/>
+          <a:ext cx="0" cy="0"/>
+          <a:chOff x="0" y="0"/>
+          <a:chExt cx="0" cy="0"/>
+        </a:xfrm>
+      </p:grpSpPr>
+      <p:sp>
+        <p:nvSpPr>
+          <p:cNvPr id="2" name="スライド イメージ プレースホルダー 1"/>
+          <p:cNvSpPr>
+            <a:spLocks noGrp="1" noRot="1" noChangeAspect="1"/>
+          </p:cNvSpPr>
+          <p:nvPr>
+            <p:ph type="sldImg"/>
+          </p:nvPr>
+        </p:nvSpPr>
+        <p:spPr/>
+      </p:sp>
+      <p:sp>
+        <p:nvSpPr>
+          <p:cNvPr id="3" name="ノート プレースホルダー 2"/>
+          <p:cNvSpPr>
+            <a:spLocks noGrp="1"/>
+          </p:cNvSpPr>
+          <p:nvPr>
+            <p:ph type="body" idx="1"/>
+          </p:nvPr>
+        </p:nvSpPr>
+        <p:spPr/>
+        <p:txBody>
+          <a:bodyPr/>
+          <a:lstStyle/>
+          <a:p>
+            <a:endParaRPr kumimoji="1" lang="ja-JP" altLang="en-US" dirty="0"/>
+          </a:p>
+        </p:txBody>
+      </p:sp>
+      <p:sp>
+        <p:nvSpPr>
+          <p:cNvPr id="4" name="スライド番号プレースホルダー 3"/>
+          <p:cNvSpPr>
+            <a:spLocks noGrp="1"/>
+          </p:cNvSpPr>
+          <p:nvPr>
+            <p:ph type="sldNum" sz="quarter" idx="10"/>
+          </p:nvPr>
+        </p:nvSpPr>
+        <p:spPr/>
+        <p:txBody>
+          <a:bodyPr/>
+          <a:lstStyle/>
+          <a:p>
+            <a:fld id="{B2EBFB3B-3C11-46F8-A7CD-996F99B27949}" type="slidenum">
+              <a:rPr kumimoji="1" lang="ja-JP" altLang="en-US" smtClean="0"/>
+              <a:t>30</a:t>
+            </a:fld>
+            <a:endParaRPr kumimoji="1" lang="ja-JP" altLang="en-US"/>
+          </a:p>
+        </p:txBody>
+      </p:sp>
+    </p:spTree>
+    <p:extLst>
+      <p:ext uri="{BB962C8B-B14F-4D97-AF65-F5344CB8AC3E}">
+        <p14:creationId xmlns:p14="http://schemas.microsoft.com/office/powerpoint/2010/main" val="2065857117"/>
+      </p:ext>
+    </p:extLst>
+  </p:cSld>
+  <p:clrMapOvr>
+    <a:masterClrMapping/>
+  </p:clrMapOvr>
+</p:notes>
+</file>
+
+<file path=ppt/notesSlides/notesSlide6.xml><?xml version="1.0" encoding="utf-8"?>
+<p:notes xmlns:a="http://schemas.openxmlformats.org/drawingml/2006/main" xmlns:r="http://schemas.openxmlformats.org/officeDocument/2006/relationships" xmlns:p="http://schemas.openxmlformats.org/presentationml/2006/main">
+  <p:cSld>
+    <p:spTree>
+      <p:nvGrpSpPr>
+        <p:cNvPr id="1" name=""/>
+        <p:cNvGrpSpPr/>
+        <p:nvPr/>
+      </p:nvGrpSpPr>
+      <p:grpSpPr>
+        <a:xfrm>
+          <a:off x="0" y="0"/>
+          <a:ext cx="0" cy="0"/>
+          <a:chOff x="0" y="0"/>
+          <a:chExt cx="0" cy="0"/>
+        </a:xfrm>
+      </p:grpSpPr>
+      <p:sp>
+        <p:nvSpPr>
+          <p:cNvPr id="2" name="スライド イメージ プレースホルダー 1"/>
+          <p:cNvSpPr>
+            <a:spLocks noGrp="1" noRot="1" noChangeAspect="1"/>
+          </p:cNvSpPr>
+          <p:nvPr>
+            <p:ph type="sldImg"/>
+          </p:nvPr>
+        </p:nvSpPr>
+        <p:spPr/>
+      </p:sp>
+      <p:sp>
+        <p:nvSpPr>
+          <p:cNvPr id="3" name="ノート プレースホルダー 2"/>
+          <p:cNvSpPr>
+            <a:spLocks noGrp="1"/>
+          </p:cNvSpPr>
+          <p:nvPr>
+            <p:ph type="body" idx="1"/>
+          </p:nvPr>
+        </p:nvSpPr>
+        <p:spPr/>
+        <p:txBody>
+          <a:bodyPr/>
+          <a:lstStyle/>
+          <a:p>
+            <a:r>
+              <a:rPr kumimoji="1" lang="en-US" altLang="ja-JP" dirty="0" smtClean="0"/>
+              <a:t>depth &lt;- 50 # 10</a:t>
+            </a:r>
+          </a:p>
+          <a:p>
+            <a:r>
+              <a:rPr kumimoji="1" lang="en-US" altLang="ja-JP" dirty="0" smtClean="0"/>
+              <a:t>n &lt;- 100</a:t>
+            </a:r>
+          </a:p>
+          <a:p>
+            <a:endParaRPr kumimoji="1" lang="en-US" altLang="ja-JP" dirty="0" smtClean="0"/>
+          </a:p>
+          <a:p>
+            <a:r>
+              <a:rPr kumimoji="1" lang="en-US" altLang="ja-JP" dirty="0" smtClean="0"/>
+              <a:t>r &lt;- 0.1</a:t>
+            </a:r>
+          </a:p>
+          <a:p>
+            <a:endParaRPr kumimoji="1" lang="en-US" altLang="ja-JP" dirty="0" smtClean="0"/>
+          </a:p>
+          <a:p>
+            <a:r>
+              <a:rPr kumimoji="1" lang="en-US" altLang="ja-JP" dirty="0" smtClean="0"/>
+              <a:t>q &lt;- 0.3 #</a:t>
+            </a:r>
+            <a:r>
+              <a:rPr kumimoji="1" lang="ja-JP" altLang="en-US" dirty="0" smtClean="0"/>
+              <a:t>モザイク率</a:t>
+            </a:r>
+          </a:p>
+          <a:p>
+            <a:endParaRPr kumimoji="1" lang="ja-JP" altLang="en-US" dirty="0" smtClean="0"/>
+          </a:p>
+          <a:p>
+            <a:r>
+              <a:rPr kumimoji="1" lang="en-US" altLang="ja-JP" dirty="0" smtClean="0"/>
+              <a:t>homo1 &lt;- apply(matrix(sample(0:1,depth*</a:t>
+            </a:r>
+            <a:r>
+              <a:rPr kumimoji="1" lang="en-US" altLang="ja-JP" dirty="0" err="1" smtClean="0"/>
+              <a:t>n,replace</a:t>
+            </a:r>
+            <a:r>
+              <a:rPr kumimoji="1" lang="en-US" altLang="ja-JP" dirty="0" smtClean="0"/>
+              <a:t>=</a:t>
+            </a:r>
+            <a:r>
+              <a:rPr kumimoji="1" lang="en-US" altLang="ja-JP" dirty="0" err="1" smtClean="0"/>
+              <a:t>TRUE,prob</a:t>
+            </a:r>
+            <a:r>
+              <a:rPr kumimoji="1" lang="en-US" altLang="ja-JP" dirty="0" smtClean="0"/>
+              <a:t>=c(r,1-r)), </a:t>
+            </a:r>
+            <a:r>
+              <a:rPr kumimoji="1" lang="en-US" altLang="ja-JP" dirty="0" err="1" smtClean="0"/>
+              <a:t>ncol</a:t>
+            </a:r>
+            <a:r>
+              <a:rPr kumimoji="1" lang="en-US" altLang="ja-JP" dirty="0" smtClean="0"/>
+              <a:t>=depth),1,sum)</a:t>
+            </a:r>
+          </a:p>
+          <a:p>
+            <a:r>
+              <a:rPr kumimoji="1" lang="en-US" altLang="ja-JP" dirty="0" smtClean="0"/>
+              <a:t>hetero &lt;- apply(matrix(sample(0:1,depth*</a:t>
+            </a:r>
+            <a:r>
+              <a:rPr kumimoji="1" lang="en-US" altLang="ja-JP" dirty="0" err="1" smtClean="0"/>
+              <a:t>n,replace</a:t>
+            </a:r>
+            <a:r>
+              <a:rPr kumimoji="1" lang="en-US" altLang="ja-JP" dirty="0" smtClean="0"/>
+              <a:t>=</a:t>
+            </a:r>
+            <a:r>
+              <a:rPr kumimoji="1" lang="en-US" altLang="ja-JP" dirty="0" err="1" smtClean="0"/>
+              <a:t>TRUE,prob</a:t>
+            </a:r>
+            <a:r>
+              <a:rPr kumimoji="1" lang="en-US" altLang="ja-JP" dirty="0" smtClean="0"/>
+              <a:t>=c(q,1-q)), </a:t>
+            </a:r>
+            <a:r>
+              <a:rPr kumimoji="1" lang="en-US" altLang="ja-JP" dirty="0" err="1" smtClean="0"/>
+              <a:t>ncol</a:t>
+            </a:r>
+            <a:r>
+              <a:rPr kumimoji="1" lang="en-US" altLang="ja-JP" dirty="0" smtClean="0"/>
+              <a:t>=depth),1,sum)</a:t>
+            </a:r>
+          </a:p>
+          <a:p>
+            <a:r>
+              <a:rPr kumimoji="1" lang="en-US" altLang="ja-JP" dirty="0" smtClean="0"/>
+              <a:t>homo2 &lt;- apply(matrix(sample(0:1,depth*</a:t>
+            </a:r>
+            <a:r>
+              <a:rPr kumimoji="1" lang="en-US" altLang="ja-JP" dirty="0" err="1" smtClean="0"/>
+              <a:t>n,replace</a:t>
+            </a:r>
+            <a:r>
+              <a:rPr kumimoji="1" lang="en-US" altLang="ja-JP" dirty="0" smtClean="0"/>
+              <a:t>=</a:t>
+            </a:r>
+            <a:r>
+              <a:rPr kumimoji="1" lang="en-US" altLang="ja-JP" dirty="0" err="1" smtClean="0"/>
+              <a:t>TRUE,prob</a:t>
+            </a:r>
+            <a:r>
+              <a:rPr kumimoji="1" lang="en-US" altLang="ja-JP" dirty="0" smtClean="0"/>
+              <a:t>=c(1-r,r)), </a:t>
+            </a:r>
+            <a:r>
+              <a:rPr kumimoji="1" lang="en-US" altLang="ja-JP" dirty="0" err="1" smtClean="0"/>
+              <a:t>ncol</a:t>
+            </a:r>
+            <a:r>
+              <a:rPr kumimoji="1" lang="en-US" altLang="ja-JP" dirty="0" smtClean="0"/>
+              <a:t>=depth),1,sum)</a:t>
+            </a:r>
+          </a:p>
+          <a:p>
+            <a:endParaRPr kumimoji="1" lang="en-US" altLang="ja-JP" dirty="0" smtClean="0"/>
+          </a:p>
+          <a:p>
+            <a:r>
+              <a:rPr kumimoji="1" lang="en-US" altLang="ja-JP" dirty="0" err="1" smtClean="0"/>
+              <a:t>br</a:t>
+            </a:r>
+            <a:r>
+              <a:rPr kumimoji="1" lang="en-US" altLang="ja-JP" dirty="0" smtClean="0"/>
+              <a:t> &lt;- -0.5:(depth + 0.5)</a:t>
+            </a:r>
+          </a:p>
+          <a:p>
+            <a:r>
+              <a:rPr kumimoji="1" lang="en-US" altLang="ja-JP" dirty="0" err="1" smtClean="0"/>
+              <a:t>hist</a:t>
+            </a:r>
+            <a:r>
+              <a:rPr kumimoji="1" lang="en-US" altLang="ja-JP" dirty="0" smtClean="0"/>
+              <a:t>(c(homo1,hetero,homo2),breaks=</a:t>
+            </a:r>
+            <a:r>
+              <a:rPr kumimoji="1" lang="en-US" altLang="ja-JP" dirty="0" err="1" smtClean="0"/>
+              <a:t>br</a:t>
+            </a:r>
+            <a:r>
+              <a:rPr kumimoji="1" lang="en-US" altLang="ja-JP" dirty="0" smtClean="0"/>
+              <a:t>)</a:t>
+            </a:r>
+          </a:p>
+          <a:p>
+            <a:r>
+              <a:rPr kumimoji="1" lang="en-US" altLang="ja-JP" dirty="0" smtClean="0"/>
+              <a:t>h &lt;- </a:t>
+            </a:r>
+            <a:r>
+              <a:rPr kumimoji="1" lang="en-US" altLang="ja-JP" dirty="0" err="1" smtClean="0"/>
+              <a:t>hist</a:t>
+            </a:r>
+            <a:r>
+              <a:rPr kumimoji="1" lang="en-US" altLang="ja-JP" dirty="0" smtClean="0"/>
+              <a:t>(c(homo1,hetero,homo2),breaks=</a:t>
+            </a:r>
+            <a:r>
+              <a:rPr kumimoji="1" lang="en-US" altLang="ja-JP" dirty="0" err="1" smtClean="0"/>
+              <a:t>br,plot</a:t>
+            </a:r>
+            <a:r>
+              <a:rPr kumimoji="1" lang="en-US" altLang="ja-JP" dirty="0" smtClean="0"/>
+              <a:t>=FALSE)</a:t>
+            </a:r>
+          </a:p>
+          <a:p>
+            <a:r>
+              <a:rPr kumimoji="1" lang="en-US" altLang="ja-JP" dirty="0" err="1" smtClean="0"/>
+              <a:t>hist</a:t>
+            </a:r>
+            <a:r>
+              <a:rPr kumimoji="1" lang="en-US" altLang="ja-JP" dirty="0" smtClean="0"/>
+              <a:t>(c(homo1),col=my.col1,breaks=</a:t>
+            </a:r>
+            <a:r>
+              <a:rPr kumimoji="1" lang="en-US" altLang="ja-JP" dirty="0" err="1" smtClean="0"/>
+              <a:t>h$breaks</a:t>
+            </a:r>
+            <a:r>
+              <a:rPr kumimoji="1" lang="en-US" altLang="ja-JP" dirty="0" smtClean="0"/>
+              <a:t>)</a:t>
+            </a:r>
+          </a:p>
+          <a:p>
+            <a:endParaRPr kumimoji="1" lang="en-US" altLang="ja-JP" dirty="0" smtClean="0"/>
+          </a:p>
+          <a:p>
+            <a:r>
+              <a:rPr kumimoji="1" lang="en-US" altLang="ja-JP" dirty="0" err="1" smtClean="0"/>
+              <a:t>hist</a:t>
+            </a:r>
+            <a:r>
+              <a:rPr kumimoji="1" lang="en-US" altLang="ja-JP" dirty="0" smtClean="0"/>
+              <a:t>(c(hetero),overlap=</a:t>
+            </a:r>
+            <a:r>
+              <a:rPr kumimoji="1" lang="en-US" altLang="ja-JP" dirty="0" err="1" smtClean="0"/>
+              <a:t>TRUE,col</a:t>
+            </a:r>
+            <a:r>
+              <a:rPr kumimoji="1" lang="en-US" altLang="ja-JP" dirty="0" smtClean="0"/>
+              <a:t>=my.col2,add=</a:t>
+            </a:r>
+            <a:r>
+              <a:rPr kumimoji="1" lang="en-US" altLang="ja-JP" dirty="0" err="1" smtClean="0"/>
+              <a:t>TRUE,breaks</a:t>
+            </a:r>
+            <a:r>
+              <a:rPr kumimoji="1" lang="en-US" altLang="ja-JP" dirty="0" smtClean="0"/>
+              <a:t>=</a:t>
+            </a:r>
+            <a:r>
+              <a:rPr kumimoji="1" lang="en-US" altLang="ja-JP" dirty="0" err="1" smtClean="0"/>
+              <a:t>h$breaks</a:t>
+            </a:r>
+            <a:r>
+              <a:rPr kumimoji="1" lang="en-US" altLang="ja-JP" dirty="0" smtClean="0"/>
+              <a:t>)</a:t>
+            </a:r>
+          </a:p>
+          <a:p>
+            <a:r>
+              <a:rPr kumimoji="1" lang="en-US" altLang="ja-JP" dirty="0" err="1" smtClean="0"/>
+              <a:t>hist</a:t>
+            </a:r>
+            <a:r>
+              <a:rPr kumimoji="1" lang="en-US" altLang="ja-JP" dirty="0" smtClean="0"/>
+              <a:t>(c(homo2),overlap=</a:t>
+            </a:r>
+            <a:r>
+              <a:rPr kumimoji="1" lang="en-US" altLang="ja-JP" dirty="0" err="1" smtClean="0"/>
+              <a:t>TRUE,col</a:t>
+            </a:r>
+            <a:r>
+              <a:rPr kumimoji="1" lang="en-US" altLang="ja-JP" dirty="0" smtClean="0"/>
+              <a:t>=my.col3,add=</a:t>
+            </a:r>
+            <a:r>
+              <a:rPr kumimoji="1" lang="en-US" altLang="ja-JP" dirty="0" err="1" smtClean="0"/>
+              <a:t>TRUE,breaks</a:t>
+            </a:r>
+            <a:r>
+              <a:rPr kumimoji="1" lang="en-US" altLang="ja-JP" dirty="0" smtClean="0"/>
+              <a:t>=</a:t>
+            </a:r>
+            <a:r>
+              <a:rPr kumimoji="1" lang="en-US" altLang="ja-JP" dirty="0" err="1" smtClean="0"/>
+              <a:t>h$breaks</a:t>
+            </a:r>
+            <a:r>
+              <a:rPr kumimoji="1" lang="en-US" altLang="ja-JP" dirty="0" smtClean="0"/>
+              <a:t>)</a:t>
+            </a:r>
+          </a:p>
+          <a:p>
+            <a:endParaRPr kumimoji="1" lang="ja-JP" altLang="en-US" dirty="0"/>
+          </a:p>
+        </p:txBody>
+      </p:sp>
+      <p:sp>
+        <p:nvSpPr>
+          <p:cNvPr id="4" name="スライド番号プレースホルダー 3"/>
+          <p:cNvSpPr>
+            <a:spLocks noGrp="1"/>
+          </p:cNvSpPr>
+          <p:nvPr>
+            <p:ph type="sldNum" sz="quarter" idx="10"/>
+          </p:nvPr>
+        </p:nvSpPr>
+        <p:spPr/>
+        <p:txBody>
+          <a:bodyPr/>
+          <a:lstStyle/>
+          <a:p>
+            <a:fld id="{B2EBFB3B-3C11-46F8-A7CD-996F99B27949}" type="slidenum">
+              <a:rPr kumimoji="1" lang="ja-JP" altLang="en-US" smtClean="0"/>
+              <a:t>31</a:t>
+            </a:fld>
+            <a:endParaRPr kumimoji="1" lang="ja-JP" altLang="en-US"/>
+          </a:p>
+        </p:txBody>
+      </p:sp>
+    </p:spTree>
+    <p:extLst>
+      <p:ext uri="{BB962C8B-B14F-4D97-AF65-F5344CB8AC3E}">
+        <p14:creationId xmlns:p14="http://schemas.microsoft.com/office/powerpoint/2010/main" val="2110632554"/>
+      </p:ext>
+    </p:extLst>
+  </p:cSld>
+  <p:clrMapOvr>
+    <a:masterClrMapping/>
+  </p:clrMapOvr>
+</p:notes>
+</file>
+
+<file path=ppt/notesSlides/notesSlide7.xml><?xml version="1.0" encoding="utf-8"?>
+<p:notes xmlns:a="http://schemas.openxmlformats.org/drawingml/2006/main" xmlns:r="http://schemas.openxmlformats.org/officeDocument/2006/relationships" xmlns:p="http://schemas.openxmlformats.org/presentationml/2006/main">
+  <p:cSld>
+    <p:spTree>
+      <p:nvGrpSpPr>
+        <p:cNvPr id="1" name=""/>
+        <p:cNvGrpSpPr/>
+        <p:nvPr/>
+      </p:nvGrpSpPr>
+      <p:grpSpPr>
+        <a:xfrm>
+          <a:off x="0" y="0"/>
+          <a:ext cx="0" cy="0"/>
+          <a:chOff x="0" y="0"/>
+          <a:chExt cx="0" cy="0"/>
+        </a:xfrm>
+      </p:grpSpPr>
+      <p:sp>
+        <p:nvSpPr>
+          <p:cNvPr id="2" name="スライド イメージ プレースホルダー 1"/>
+          <p:cNvSpPr>
+            <a:spLocks noGrp="1" noRot="1" noChangeAspect="1"/>
+          </p:cNvSpPr>
+          <p:nvPr>
+            <p:ph type="sldImg"/>
+          </p:nvPr>
+        </p:nvSpPr>
+        <p:spPr/>
+      </p:sp>
+      <p:sp>
+        <p:nvSpPr>
+          <p:cNvPr id="3" name="ノート プレースホルダー 2"/>
+          <p:cNvSpPr>
+            <a:spLocks noGrp="1"/>
+          </p:cNvSpPr>
+          <p:nvPr>
+            <p:ph type="body" idx="1"/>
+          </p:nvPr>
+        </p:nvSpPr>
+        <p:spPr/>
+        <p:txBody>
+          <a:bodyPr/>
+          <a:lstStyle/>
+          <a:p>
+            <a:r>
+              <a:rPr kumimoji="1" lang="en-US" altLang="ja-JP" dirty="0" smtClean="0"/>
+              <a:t>depth &lt;- 50 # 10</a:t>
+            </a:r>
+          </a:p>
+          <a:p>
+            <a:r>
+              <a:rPr kumimoji="1" lang="en-US" altLang="ja-JP" dirty="0" smtClean="0"/>
+              <a:t>n &lt;- 100</a:t>
+            </a:r>
+          </a:p>
+          <a:p>
+            <a:endParaRPr kumimoji="1" lang="en-US" altLang="ja-JP" dirty="0" smtClean="0"/>
+          </a:p>
+          <a:p>
+            <a:r>
+              <a:rPr kumimoji="1" lang="en-US" altLang="ja-JP" dirty="0" smtClean="0"/>
+              <a:t>r &lt;- 0.1</a:t>
+            </a:r>
+          </a:p>
+          <a:p>
+            <a:endParaRPr kumimoji="1" lang="en-US" altLang="ja-JP" dirty="0" smtClean="0"/>
+          </a:p>
+          <a:p>
+            <a:r>
+              <a:rPr kumimoji="1" lang="en-US" altLang="ja-JP" dirty="0" smtClean="0"/>
+              <a:t>q &lt;- 0.05 #</a:t>
+            </a:r>
+            <a:r>
+              <a:rPr kumimoji="1" lang="ja-JP" altLang="en-US" dirty="0" smtClean="0"/>
+              <a:t>混合率</a:t>
+            </a:r>
+          </a:p>
+          <a:p>
+            <a:endParaRPr kumimoji="1" lang="ja-JP" altLang="en-US" dirty="0" smtClean="0"/>
+          </a:p>
+          <a:p>
+            <a:r>
+              <a:rPr kumimoji="1" lang="en-US" altLang="ja-JP" dirty="0" smtClean="0"/>
+              <a:t>homo1 &lt;- apply(matrix(sample(0:1,depth*</a:t>
+            </a:r>
+            <a:r>
+              <a:rPr kumimoji="1" lang="en-US" altLang="ja-JP" dirty="0" err="1" smtClean="0"/>
+              <a:t>n,replace</a:t>
+            </a:r>
+            <a:r>
+              <a:rPr kumimoji="1" lang="en-US" altLang="ja-JP" dirty="0" smtClean="0"/>
+              <a:t>=</a:t>
+            </a:r>
+            <a:r>
+              <a:rPr kumimoji="1" lang="en-US" altLang="ja-JP" dirty="0" err="1" smtClean="0"/>
+              <a:t>TRUE,prob</a:t>
+            </a:r>
+            <a:r>
+              <a:rPr kumimoji="1" lang="en-US" altLang="ja-JP" dirty="0" smtClean="0"/>
+              <a:t>=c(r,1-r)), </a:t>
+            </a:r>
+            <a:r>
+              <a:rPr kumimoji="1" lang="en-US" altLang="ja-JP" dirty="0" err="1" smtClean="0"/>
+              <a:t>ncol</a:t>
+            </a:r>
+            <a:r>
+              <a:rPr kumimoji="1" lang="en-US" altLang="ja-JP" dirty="0" smtClean="0"/>
+              <a:t>=depth),1,sum)</a:t>
+            </a:r>
+          </a:p>
+          <a:p>
+            <a:r>
+              <a:rPr kumimoji="1" lang="en-US" altLang="ja-JP" dirty="0" smtClean="0"/>
+              <a:t>hetero &lt;- apply(matrix(sample(0:1,depth*</a:t>
+            </a:r>
+            <a:r>
+              <a:rPr kumimoji="1" lang="en-US" altLang="ja-JP" dirty="0" err="1" smtClean="0"/>
+              <a:t>n,replace</a:t>
+            </a:r>
+            <a:r>
+              <a:rPr kumimoji="1" lang="en-US" altLang="ja-JP" dirty="0" smtClean="0"/>
+              <a:t>=</a:t>
+            </a:r>
+            <a:r>
+              <a:rPr kumimoji="1" lang="en-US" altLang="ja-JP" dirty="0" err="1" smtClean="0"/>
+              <a:t>TRUE,prob</a:t>
+            </a:r>
+            <a:r>
+              <a:rPr kumimoji="1" lang="en-US" altLang="ja-JP" dirty="0" smtClean="0"/>
+              <a:t>=c(q,1-q)), </a:t>
+            </a:r>
+            <a:r>
+              <a:rPr kumimoji="1" lang="en-US" altLang="ja-JP" dirty="0" err="1" smtClean="0"/>
+              <a:t>ncol</a:t>
+            </a:r>
+            <a:r>
+              <a:rPr kumimoji="1" lang="en-US" altLang="ja-JP" dirty="0" smtClean="0"/>
+              <a:t>=depth),1,sum)</a:t>
+            </a:r>
+          </a:p>
+          <a:p>
+            <a:r>
+              <a:rPr kumimoji="1" lang="en-US" altLang="ja-JP" dirty="0" smtClean="0"/>
+              <a:t>homo2 &lt;- apply(matrix(sample(0:1,depth*</a:t>
+            </a:r>
+            <a:r>
+              <a:rPr kumimoji="1" lang="en-US" altLang="ja-JP" dirty="0" err="1" smtClean="0"/>
+              <a:t>n,replace</a:t>
+            </a:r>
+            <a:r>
+              <a:rPr kumimoji="1" lang="en-US" altLang="ja-JP" dirty="0" smtClean="0"/>
+              <a:t>=</a:t>
+            </a:r>
+            <a:r>
+              <a:rPr kumimoji="1" lang="en-US" altLang="ja-JP" dirty="0" err="1" smtClean="0"/>
+              <a:t>TRUE,prob</a:t>
+            </a:r>
+            <a:r>
+              <a:rPr kumimoji="1" lang="en-US" altLang="ja-JP" dirty="0" smtClean="0"/>
+              <a:t>=c(1-r,r)), </a:t>
+            </a:r>
+            <a:r>
+              <a:rPr kumimoji="1" lang="en-US" altLang="ja-JP" dirty="0" err="1" smtClean="0"/>
+              <a:t>ncol</a:t>
+            </a:r>
+            <a:r>
+              <a:rPr kumimoji="1" lang="en-US" altLang="ja-JP" dirty="0" smtClean="0"/>
+              <a:t>=depth),1,sum)</a:t>
+            </a:r>
+          </a:p>
+          <a:p>
+            <a:endParaRPr kumimoji="1" lang="en-US" altLang="ja-JP" dirty="0" smtClean="0"/>
+          </a:p>
+          <a:p>
+            <a:r>
+              <a:rPr kumimoji="1" lang="en-US" altLang="ja-JP" dirty="0" err="1" smtClean="0"/>
+              <a:t>br</a:t>
+            </a:r>
+            <a:r>
+              <a:rPr kumimoji="1" lang="en-US" altLang="ja-JP" dirty="0" smtClean="0"/>
+              <a:t> &lt;- -0.5:(depth + 0.5)</a:t>
+            </a:r>
+          </a:p>
+          <a:p>
+            <a:r>
+              <a:rPr kumimoji="1" lang="en-US" altLang="ja-JP" dirty="0" err="1" smtClean="0"/>
+              <a:t>hist</a:t>
+            </a:r>
+            <a:r>
+              <a:rPr kumimoji="1" lang="en-US" altLang="ja-JP" dirty="0" smtClean="0"/>
+              <a:t>(c(homo1,hetero,homo2),breaks=</a:t>
+            </a:r>
+            <a:r>
+              <a:rPr kumimoji="1" lang="en-US" altLang="ja-JP" dirty="0" err="1" smtClean="0"/>
+              <a:t>br</a:t>
+            </a:r>
+            <a:r>
+              <a:rPr kumimoji="1" lang="en-US" altLang="ja-JP" dirty="0" smtClean="0"/>
+              <a:t>)</a:t>
+            </a:r>
+          </a:p>
+          <a:p>
+            <a:r>
+              <a:rPr kumimoji="1" lang="en-US" altLang="ja-JP" dirty="0" smtClean="0"/>
+              <a:t>h &lt;- </a:t>
+            </a:r>
+            <a:r>
+              <a:rPr kumimoji="1" lang="en-US" altLang="ja-JP" dirty="0" err="1" smtClean="0"/>
+              <a:t>hist</a:t>
+            </a:r>
+            <a:r>
+              <a:rPr kumimoji="1" lang="en-US" altLang="ja-JP" dirty="0" smtClean="0"/>
+              <a:t>(c(homo1,hetero,homo2),breaks=</a:t>
+            </a:r>
+            <a:r>
+              <a:rPr kumimoji="1" lang="en-US" altLang="ja-JP" dirty="0" err="1" smtClean="0"/>
+              <a:t>br,plot</a:t>
+            </a:r>
+            <a:r>
+              <a:rPr kumimoji="1" lang="en-US" altLang="ja-JP" dirty="0" smtClean="0"/>
+              <a:t>=FALSE)</a:t>
+            </a:r>
+          </a:p>
+          <a:p>
+            <a:r>
+              <a:rPr kumimoji="1" lang="en-US" altLang="ja-JP" dirty="0" err="1" smtClean="0"/>
+              <a:t>hist</a:t>
+            </a:r>
+            <a:r>
+              <a:rPr kumimoji="1" lang="en-US" altLang="ja-JP" dirty="0" smtClean="0"/>
+              <a:t>(c(homo1),col=my.col1,breaks=</a:t>
+            </a:r>
+            <a:r>
+              <a:rPr kumimoji="1" lang="en-US" altLang="ja-JP" dirty="0" err="1" smtClean="0"/>
+              <a:t>h$breaks</a:t>
+            </a:r>
+            <a:r>
+              <a:rPr kumimoji="1" lang="en-US" altLang="ja-JP" dirty="0" smtClean="0"/>
+              <a:t>)</a:t>
+            </a:r>
+          </a:p>
+          <a:p>
+            <a:endParaRPr kumimoji="1" lang="en-US" altLang="ja-JP" dirty="0" smtClean="0"/>
+          </a:p>
+          <a:p>
+            <a:r>
+              <a:rPr kumimoji="1" lang="en-US" altLang="ja-JP" dirty="0" err="1" smtClean="0"/>
+              <a:t>hist</a:t>
+            </a:r>
+            <a:r>
+              <a:rPr kumimoji="1" lang="en-US" altLang="ja-JP" dirty="0" smtClean="0"/>
+              <a:t>(c(hetero),overlap=</a:t>
+            </a:r>
+            <a:r>
+              <a:rPr kumimoji="1" lang="en-US" altLang="ja-JP" dirty="0" err="1" smtClean="0"/>
+              <a:t>TRUE,col</a:t>
+            </a:r>
+            <a:r>
+              <a:rPr kumimoji="1" lang="en-US" altLang="ja-JP" dirty="0" smtClean="0"/>
+              <a:t>=my.col2,add=</a:t>
+            </a:r>
+            <a:r>
+              <a:rPr kumimoji="1" lang="en-US" altLang="ja-JP" dirty="0" err="1" smtClean="0"/>
+              <a:t>TRUE,breaks</a:t>
+            </a:r>
+            <a:r>
+              <a:rPr kumimoji="1" lang="en-US" altLang="ja-JP" dirty="0" smtClean="0"/>
+              <a:t>=</a:t>
+            </a:r>
+            <a:r>
+              <a:rPr kumimoji="1" lang="en-US" altLang="ja-JP" dirty="0" err="1" smtClean="0"/>
+              <a:t>h$breaks</a:t>
+            </a:r>
+            <a:r>
+              <a:rPr kumimoji="1" lang="en-US" altLang="ja-JP" dirty="0" smtClean="0"/>
+              <a:t>)</a:t>
+            </a:r>
+          </a:p>
+          <a:p>
+            <a:r>
+              <a:rPr kumimoji="1" lang="en-US" altLang="ja-JP" dirty="0" err="1" smtClean="0"/>
+              <a:t>hist</a:t>
+            </a:r>
+            <a:r>
+              <a:rPr kumimoji="1" lang="en-US" altLang="ja-JP" dirty="0" smtClean="0"/>
+              <a:t>(c(homo2),overlap=</a:t>
+            </a:r>
+            <a:r>
+              <a:rPr kumimoji="1" lang="en-US" altLang="ja-JP" dirty="0" err="1" smtClean="0"/>
+              <a:t>TRUE,col</a:t>
+            </a:r>
+            <a:r>
+              <a:rPr kumimoji="1" lang="en-US" altLang="ja-JP" dirty="0" smtClean="0"/>
+              <a:t>=my.col3,add=</a:t>
+            </a:r>
+            <a:r>
+              <a:rPr kumimoji="1" lang="en-US" altLang="ja-JP" dirty="0" err="1" smtClean="0"/>
+              <a:t>TRUE,breaks</a:t>
+            </a:r>
+            <a:r>
+              <a:rPr kumimoji="1" lang="en-US" altLang="ja-JP" dirty="0" smtClean="0"/>
+              <a:t>=</a:t>
+            </a:r>
+            <a:r>
+              <a:rPr kumimoji="1" lang="en-US" altLang="ja-JP" dirty="0" err="1" smtClean="0"/>
+              <a:t>h$breaks</a:t>
+            </a:r>
+            <a:r>
+              <a:rPr kumimoji="1" lang="en-US" altLang="ja-JP" dirty="0" smtClean="0"/>
+              <a:t>)</a:t>
+            </a:r>
+          </a:p>
+          <a:p>
+            <a:endParaRPr kumimoji="1" lang="ja-JP" altLang="en-US" dirty="0"/>
+          </a:p>
+        </p:txBody>
+      </p:sp>
+      <p:sp>
+        <p:nvSpPr>
+          <p:cNvPr id="4" name="スライド番号プレースホルダー 3"/>
+          <p:cNvSpPr>
+            <a:spLocks noGrp="1"/>
+          </p:cNvSpPr>
+          <p:nvPr>
+            <p:ph type="sldNum" sz="quarter" idx="10"/>
+          </p:nvPr>
+        </p:nvSpPr>
+        <p:spPr/>
+        <p:txBody>
+          <a:bodyPr/>
+          <a:lstStyle/>
+          <a:p>
+            <a:fld id="{B2EBFB3B-3C11-46F8-A7CD-996F99B27949}" type="slidenum">
+              <a:rPr kumimoji="1" lang="ja-JP" altLang="en-US" smtClean="0"/>
+              <a:t>33</a:t>
+            </a:fld>
+            <a:endParaRPr kumimoji="1" lang="ja-JP" altLang="en-US"/>
+          </a:p>
+        </p:txBody>
+      </p:sp>
+    </p:spTree>
+    <p:extLst>
+      <p:ext uri="{BB962C8B-B14F-4D97-AF65-F5344CB8AC3E}">
+        <p14:creationId xmlns:p14="http://schemas.microsoft.com/office/powerpoint/2010/main" val="1123699207"/>
+      </p:ext>
+    </p:extLst>
+  </p:cSld>
+  <p:clrMapOvr>
+    <a:masterClrMapping/>
+  </p:clrMapOvr>
+</p:notes>
+</file>
+
+<file path=ppt/notesSlides/notesSlide8.xml><?xml version="1.0" encoding="utf-8"?>
+<p:notes xmlns:a="http://schemas.openxmlformats.org/drawingml/2006/main" xmlns:r="http://schemas.openxmlformats.org/officeDocument/2006/relationships" xmlns:p="http://schemas.openxmlformats.org/presentationml/2006/main">
+  <p:cSld>
+    <p:spTree>
+      <p:nvGrpSpPr>
+        <p:cNvPr id="1" name=""/>
+        <p:cNvGrpSpPr/>
+        <p:nvPr/>
+      </p:nvGrpSpPr>
+      <p:grpSpPr>
+        <a:xfrm>
+          <a:off x="0" y="0"/>
+          <a:ext cx="0" cy="0"/>
+          <a:chOff x="0" y="0"/>
+          <a:chExt cx="0" cy="0"/>
+        </a:xfrm>
+      </p:grpSpPr>
+      <p:sp>
+        <p:nvSpPr>
+          <p:cNvPr id="2" name="スライド イメージ プレースホルダー 1"/>
+          <p:cNvSpPr>
+            <a:spLocks noGrp="1" noRot="1" noChangeAspect="1"/>
+          </p:cNvSpPr>
+          <p:nvPr>
+            <p:ph type="sldImg"/>
+          </p:nvPr>
+        </p:nvSpPr>
+        <p:spPr/>
+      </p:sp>
+      <p:sp>
+        <p:nvSpPr>
+          <p:cNvPr id="3" name="ノート プレースホルダー 2"/>
+          <p:cNvSpPr>
+            <a:spLocks noGrp="1"/>
+          </p:cNvSpPr>
+          <p:nvPr>
+            <p:ph type="body" idx="1"/>
+          </p:nvPr>
+        </p:nvSpPr>
+        <p:spPr/>
+        <p:txBody>
+          <a:bodyPr/>
+          <a:lstStyle/>
+          <a:p>
+            <a:r>
+              <a:rPr kumimoji="1" lang="en-US" altLang="ja-JP" dirty="0" smtClean="0"/>
+              <a:t>depth &lt;- 50 # 10</a:t>
+            </a:r>
+          </a:p>
+          <a:p>
+            <a:r>
+              <a:rPr kumimoji="1" lang="en-US" altLang="ja-JP" dirty="0" smtClean="0"/>
+              <a:t>n &lt;- 100</a:t>
+            </a:r>
+          </a:p>
+          <a:p>
+            <a:endParaRPr kumimoji="1" lang="en-US" altLang="ja-JP" dirty="0" smtClean="0"/>
+          </a:p>
+          <a:p>
+            <a:r>
+              <a:rPr kumimoji="1" lang="en-US" altLang="ja-JP" dirty="0" smtClean="0"/>
+              <a:t>r &lt;- 0.1</a:t>
+            </a:r>
+          </a:p>
+          <a:p>
+            <a:endParaRPr kumimoji="1" lang="en-US" altLang="ja-JP" dirty="0" smtClean="0"/>
+          </a:p>
+          <a:p>
+            <a:r>
+              <a:rPr kumimoji="1" lang="en-US" altLang="ja-JP" dirty="0" smtClean="0"/>
+              <a:t>q &lt;- 0.1 #</a:t>
+            </a:r>
+            <a:r>
+              <a:rPr kumimoji="1" lang="ja-JP" altLang="en-US" dirty="0" smtClean="0"/>
+              <a:t>混合率</a:t>
+            </a:r>
+          </a:p>
+          <a:p>
+            <a:endParaRPr kumimoji="1" lang="ja-JP" altLang="en-US" dirty="0" smtClean="0"/>
+          </a:p>
+          <a:p>
+            <a:r>
+              <a:rPr kumimoji="1" lang="en-US" altLang="ja-JP" dirty="0" smtClean="0"/>
+              <a:t>homo1 &lt;- apply(matrix(sample(0:1,depth*</a:t>
+            </a:r>
+            <a:r>
+              <a:rPr kumimoji="1" lang="en-US" altLang="ja-JP" dirty="0" err="1" smtClean="0"/>
+              <a:t>n,replace</a:t>
+            </a:r>
+            <a:r>
+              <a:rPr kumimoji="1" lang="en-US" altLang="ja-JP" dirty="0" smtClean="0"/>
+              <a:t>=</a:t>
+            </a:r>
+            <a:r>
+              <a:rPr kumimoji="1" lang="en-US" altLang="ja-JP" dirty="0" err="1" smtClean="0"/>
+              <a:t>TRUE,prob</a:t>
+            </a:r>
+            <a:r>
+              <a:rPr kumimoji="1" lang="en-US" altLang="ja-JP" dirty="0" smtClean="0"/>
+              <a:t>=c(r,1-r)), </a:t>
+            </a:r>
+            <a:r>
+              <a:rPr kumimoji="1" lang="en-US" altLang="ja-JP" dirty="0" err="1" smtClean="0"/>
+              <a:t>ncol</a:t>
+            </a:r>
+            <a:r>
+              <a:rPr kumimoji="1" lang="en-US" altLang="ja-JP" dirty="0" smtClean="0"/>
+              <a:t>=depth),1,sum)</a:t>
+            </a:r>
+          </a:p>
+          <a:p>
+            <a:r>
+              <a:rPr kumimoji="1" lang="en-US" altLang="ja-JP" dirty="0" smtClean="0"/>
+              <a:t>hetero &lt;- apply(matrix(sample(0:1,depth*</a:t>
+            </a:r>
+            <a:r>
+              <a:rPr kumimoji="1" lang="en-US" altLang="ja-JP" dirty="0" err="1" smtClean="0"/>
+              <a:t>n,replace</a:t>
+            </a:r>
+            <a:r>
+              <a:rPr kumimoji="1" lang="en-US" altLang="ja-JP" dirty="0" smtClean="0"/>
+              <a:t>=</a:t>
+            </a:r>
+            <a:r>
+              <a:rPr kumimoji="1" lang="en-US" altLang="ja-JP" dirty="0" err="1" smtClean="0"/>
+              <a:t>TRUE,prob</a:t>
+            </a:r>
+            <a:r>
+              <a:rPr kumimoji="1" lang="en-US" altLang="ja-JP" dirty="0" smtClean="0"/>
+              <a:t>=c(q,1-q)), </a:t>
+            </a:r>
+            <a:r>
+              <a:rPr kumimoji="1" lang="en-US" altLang="ja-JP" dirty="0" err="1" smtClean="0"/>
+              <a:t>ncol</a:t>
+            </a:r>
+            <a:r>
+              <a:rPr kumimoji="1" lang="en-US" altLang="ja-JP" dirty="0" smtClean="0"/>
+              <a:t>=depth),1,sum)</a:t>
+            </a:r>
+          </a:p>
+          <a:p>
+            <a:r>
+              <a:rPr kumimoji="1" lang="en-US" altLang="ja-JP" dirty="0" smtClean="0"/>
+              <a:t>homo2 &lt;- apply(matrix(sample(0:1,depth*</a:t>
+            </a:r>
+            <a:r>
+              <a:rPr kumimoji="1" lang="en-US" altLang="ja-JP" dirty="0" err="1" smtClean="0"/>
+              <a:t>n,replace</a:t>
+            </a:r>
+            <a:r>
+              <a:rPr kumimoji="1" lang="en-US" altLang="ja-JP" dirty="0" smtClean="0"/>
+              <a:t>=</a:t>
+            </a:r>
+            <a:r>
+              <a:rPr kumimoji="1" lang="en-US" altLang="ja-JP" dirty="0" err="1" smtClean="0"/>
+              <a:t>TRUE,prob</a:t>
+            </a:r>
+            <a:r>
+              <a:rPr kumimoji="1" lang="en-US" altLang="ja-JP" dirty="0" smtClean="0"/>
+              <a:t>=c(1-r,r)), </a:t>
+            </a:r>
+            <a:r>
+              <a:rPr kumimoji="1" lang="en-US" altLang="ja-JP" dirty="0" err="1" smtClean="0"/>
+              <a:t>ncol</a:t>
+            </a:r>
+            <a:r>
+              <a:rPr kumimoji="1" lang="en-US" altLang="ja-JP" dirty="0" smtClean="0"/>
+              <a:t>=depth),1,sum)</a:t>
+            </a:r>
+          </a:p>
+          <a:p>
+            <a:endParaRPr kumimoji="1" lang="en-US" altLang="ja-JP" dirty="0" smtClean="0"/>
+          </a:p>
+          <a:p>
+            <a:r>
+              <a:rPr kumimoji="1" lang="en-US" altLang="ja-JP" dirty="0" err="1" smtClean="0"/>
+              <a:t>br</a:t>
+            </a:r>
+            <a:r>
+              <a:rPr kumimoji="1" lang="en-US" altLang="ja-JP" dirty="0" smtClean="0"/>
+              <a:t> &lt;- -0.5:(depth + 0.5)</a:t>
+            </a:r>
+          </a:p>
+          <a:p>
+            <a:r>
+              <a:rPr kumimoji="1" lang="en-US" altLang="ja-JP" dirty="0" err="1" smtClean="0"/>
+              <a:t>hist</a:t>
+            </a:r>
+            <a:r>
+              <a:rPr kumimoji="1" lang="en-US" altLang="ja-JP" dirty="0" smtClean="0"/>
+              <a:t>(c(homo1,hetero,homo2),breaks=</a:t>
+            </a:r>
+            <a:r>
+              <a:rPr kumimoji="1" lang="en-US" altLang="ja-JP" dirty="0" err="1" smtClean="0"/>
+              <a:t>br</a:t>
+            </a:r>
+            <a:r>
+              <a:rPr kumimoji="1" lang="en-US" altLang="ja-JP" dirty="0" smtClean="0"/>
+              <a:t>)</a:t>
+            </a:r>
+          </a:p>
+          <a:p>
+            <a:r>
+              <a:rPr kumimoji="1" lang="en-US" altLang="ja-JP" dirty="0" smtClean="0"/>
+              <a:t>h &lt;- </a:t>
+            </a:r>
+            <a:r>
+              <a:rPr kumimoji="1" lang="en-US" altLang="ja-JP" dirty="0" err="1" smtClean="0"/>
+              <a:t>hist</a:t>
+            </a:r>
+            <a:r>
+              <a:rPr kumimoji="1" lang="en-US" altLang="ja-JP" dirty="0" smtClean="0"/>
+              <a:t>(c(homo1,hetero,homo2),breaks=</a:t>
+            </a:r>
+            <a:r>
+              <a:rPr kumimoji="1" lang="en-US" altLang="ja-JP" dirty="0" err="1" smtClean="0"/>
+              <a:t>br,plot</a:t>
+            </a:r>
+            <a:r>
+              <a:rPr kumimoji="1" lang="en-US" altLang="ja-JP" dirty="0" smtClean="0"/>
+              <a:t>=FALSE)</a:t>
+            </a:r>
+          </a:p>
+          <a:p>
+            <a:r>
+              <a:rPr kumimoji="1" lang="en-US" altLang="ja-JP" dirty="0" err="1" smtClean="0"/>
+              <a:t>hist</a:t>
+            </a:r>
+            <a:r>
+              <a:rPr kumimoji="1" lang="en-US" altLang="ja-JP" dirty="0" smtClean="0"/>
+              <a:t>(c(homo1),col=my.col1,breaks=</a:t>
+            </a:r>
+            <a:r>
+              <a:rPr kumimoji="1" lang="en-US" altLang="ja-JP" dirty="0" err="1" smtClean="0"/>
+              <a:t>h$breaks</a:t>
+            </a:r>
+            <a:r>
+              <a:rPr kumimoji="1" lang="en-US" altLang="ja-JP" dirty="0" smtClean="0"/>
+              <a:t>)</a:t>
+            </a:r>
+          </a:p>
+          <a:p>
+            <a:endParaRPr kumimoji="1" lang="en-US" altLang="ja-JP" dirty="0" smtClean="0"/>
+          </a:p>
+          <a:p>
+            <a:r>
+              <a:rPr kumimoji="1" lang="en-US" altLang="ja-JP" dirty="0" err="1" smtClean="0"/>
+              <a:t>hist</a:t>
+            </a:r>
+            <a:r>
+              <a:rPr kumimoji="1" lang="en-US" altLang="ja-JP" dirty="0" smtClean="0"/>
+              <a:t>(c(hetero),overlap=</a:t>
+            </a:r>
+            <a:r>
+              <a:rPr kumimoji="1" lang="en-US" altLang="ja-JP" dirty="0" err="1" smtClean="0"/>
+              <a:t>TRUE,col</a:t>
+            </a:r>
+            <a:r>
+              <a:rPr kumimoji="1" lang="en-US" altLang="ja-JP" dirty="0" smtClean="0"/>
+              <a:t>=my.col2,add=</a:t>
+            </a:r>
+            <a:r>
+              <a:rPr kumimoji="1" lang="en-US" altLang="ja-JP" dirty="0" err="1" smtClean="0"/>
+              <a:t>TRUE,breaks</a:t>
+            </a:r>
+            <a:r>
+              <a:rPr kumimoji="1" lang="en-US" altLang="ja-JP" dirty="0" smtClean="0"/>
+              <a:t>=</a:t>
+            </a:r>
+            <a:r>
+              <a:rPr kumimoji="1" lang="en-US" altLang="ja-JP" dirty="0" err="1" smtClean="0"/>
+              <a:t>h$breaks</a:t>
+            </a:r>
+            <a:r>
+              <a:rPr kumimoji="1" lang="en-US" altLang="ja-JP" dirty="0" smtClean="0"/>
+              <a:t>)</a:t>
+            </a:r>
+          </a:p>
+          <a:p>
+            <a:r>
+              <a:rPr kumimoji="1" lang="en-US" altLang="ja-JP" dirty="0" err="1" smtClean="0"/>
+              <a:t>hist</a:t>
+            </a:r>
+            <a:r>
+              <a:rPr kumimoji="1" lang="en-US" altLang="ja-JP" dirty="0" smtClean="0"/>
+              <a:t>(c(homo2),overlap=</a:t>
+            </a:r>
+            <a:r>
+              <a:rPr kumimoji="1" lang="en-US" altLang="ja-JP" dirty="0" err="1" smtClean="0"/>
+              <a:t>TRUE,col</a:t>
+            </a:r>
+            <a:r>
+              <a:rPr kumimoji="1" lang="en-US" altLang="ja-JP" dirty="0" smtClean="0"/>
+              <a:t>=my.col3,add=</a:t>
+            </a:r>
+            <a:r>
+              <a:rPr kumimoji="1" lang="en-US" altLang="ja-JP" dirty="0" err="1" smtClean="0"/>
+              <a:t>TRUE,breaks</a:t>
+            </a:r>
+            <a:r>
+              <a:rPr kumimoji="1" lang="en-US" altLang="ja-JP" dirty="0" smtClean="0"/>
+              <a:t>=</a:t>
+            </a:r>
+            <a:r>
+              <a:rPr kumimoji="1" lang="en-US" altLang="ja-JP" dirty="0" err="1" smtClean="0"/>
+              <a:t>h$breaks</a:t>
+            </a:r>
+            <a:r>
+              <a:rPr kumimoji="1" lang="en-US" altLang="ja-JP" dirty="0" smtClean="0"/>
+              <a:t>)</a:t>
+            </a:r>
+          </a:p>
+          <a:p>
+            <a:endParaRPr kumimoji="1" lang="ja-JP" altLang="en-US" dirty="0"/>
+          </a:p>
+        </p:txBody>
+      </p:sp>
+      <p:sp>
+        <p:nvSpPr>
+          <p:cNvPr id="4" name="スライド番号プレースホルダー 3"/>
+          <p:cNvSpPr>
+            <a:spLocks noGrp="1"/>
+          </p:cNvSpPr>
+          <p:nvPr>
+            <p:ph type="sldNum" sz="quarter" idx="10"/>
+          </p:nvPr>
+        </p:nvSpPr>
+        <p:spPr/>
+        <p:txBody>
+          <a:bodyPr/>
+          <a:lstStyle/>
+          <a:p>
+            <a:fld id="{B2EBFB3B-3C11-46F8-A7CD-996F99B27949}" type="slidenum">
+              <a:rPr kumimoji="1" lang="ja-JP" altLang="en-US" smtClean="0"/>
+              <a:t>35</a:t>
+            </a:fld>
+            <a:endParaRPr kumimoji="1" lang="ja-JP" altLang="en-US"/>
+          </a:p>
+        </p:txBody>
+      </p:sp>
+    </p:spTree>
+    <p:extLst>
+      <p:ext uri="{BB962C8B-B14F-4D97-AF65-F5344CB8AC3E}">
+        <p14:creationId xmlns:p14="http://schemas.microsoft.com/office/powerpoint/2010/main" val="1715559337"/>
+      </p:ext>
+    </p:extLst>
+  </p:cSld>
+  <p:clrMapOvr>
+    <a:masterClrMapping/>
+  </p:clrMapOvr>
+</p:notes>
+</file>
+
+<file path=ppt/notesSlides/notesSlide9.xml><?xml version="1.0" encoding="utf-8"?>
+<p:notes xmlns:a="http://schemas.openxmlformats.org/drawingml/2006/main" xmlns:r="http://schemas.openxmlformats.org/officeDocument/2006/relationships" xmlns:p="http://schemas.openxmlformats.org/presentationml/2006/main">
+  <p:cSld>
+    <p:spTree>
+      <p:nvGrpSpPr>
+        <p:cNvPr id="1" name=""/>
+        <p:cNvGrpSpPr/>
+        <p:nvPr/>
+      </p:nvGrpSpPr>
+      <p:grpSpPr>
+        <a:xfrm>
+          <a:off x="0" y="0"/>
+          <a:ext cx="0" cy="0"/>
+          <a:chOff x="0" y="0"/>
+          <a:chExt cx="0" cy="0"/>
+        </a:xfrm>
+      </p:grpSpPr>
+      <p:sp>
+        <p:nvSpPr>
+          <p:cNvPr id="2" name="スライド イメージ プレースホルダー 1"/>
+          <p:cNvSpPr>
+            <a:spLocks noGrp="1" noRot="1" noChangeAspect="1"/>
+          </p:cNvSpPr>
+          <p:nvPr>
+            <p:ph type="sldImg"/>
+          </p:nvPr>
+        </p:nvSpPr>
+        <p:spPr/>
+      </p:sp>
+      <p:sp>
+        <p:nvSpPr>
+          <p:cNvPr id="3" name="ノート プレースホルダー 2"/>
+          <p:cNvSpPr>
+            <a:spLocks noGrp="1"/>
+          </p:cNvSpPr>
+          <p:nvPr>
+            <p:ph type="body" idx="1"/>
+          </p:nvPr>
+        </p:nvSpPr>
+        <p:spPr/>
+        <p:txBody>
+          <a:bodyPr/>
+          <a:lstStyle/>
+          <a:p>
+            <a:endParaRPr kumimoji="1" lang="ja-JP" altLang="en-US" dirty="0"/>
+          </a:p>
+        </p:txBody>
+      </p:sp>
+      <p:sp>
+        <p:nvSpPr>
+          <p:cNvPr id="4" name="スライド番号プレースホルダー 3"/>
+          <p:cNvSpPr>
+            <a:spLocks noGrp="1"/>
+          </p:cNvSpPr>
+          <p:nvPr>
+            <p:ph type="sldNum" sz="quarter" idx="10"/>
+          </p:nvPr>
+        </p:nvSpPr>
+        <p:spPr/>
+        <p:txBody>
+          <a:bodyPr/>
+          <a:lstStyle/>
+          <a:p>
+            <a:fld id="{B2EBFB3B-3C11-46F8-A7CD-996F99B27949}" type="slidenum">
+              <a:rPr kumimoji="1" lang="ja-JP" altLang="en-US" smtClean="0"/>
+              <a:t>40</a:t>
+            </a:fld>
+            <a:endParaRPr kumimoji="1" lang="ja-JP" altLang="en-US"/>
+          </a:p>
+        </p:txBody>
+      </p:sp>
+    </p:spTree>
+    <p:extLst>
+      <p:ext uri="{BB962C8B-B14F-4D97-AF65-F5344CB8AC3E}">
+        <p14:creationId xmlns:p14="http://schemas.microsoft.com/office/powerpoint/2010/main" val="2137732482"/>
+      </p:ext>
+    </p:extLst>
+  </p:cSld>
+  <p:clrMapOvr>
+    <a:masterClrMapping/>
+  </p:clrMapOvr>
+</p:notes>
+</file>
+
 <file path=ppt/slideLayouts/slideLayout1.xml><?xml version="1.0" encoding="utf-8"?>
 <p:sldLayout xmlns:a="http://schemas.openxmlformats.org/drawingml/2006/main" xmlns:r="http://schemas.openxmlformats.org/officeDocument/2006/relationships" xmlns:p="http://schemas.openxmlformats.org/presentationml/2006/main" type="title" preserve="1">
   <p:cSld name="タイトル スライド">
@@ -273,7 +4166,7 @@
           <a:p>
             <a:fld id="{7CCE50EF-76CA-4A3F-A456-16AC7B0B6587}" type="datetimeFigureOut">
               <a:rPr kumimoji="1" lang="ja-JP" altLang="en-US" smtClean="0"/>
-              <a:t>2020/1/10</a:t>
+              <a:t>2020/1/21</a:t>
             </a:fld>
             <a:endParaRPr kumimoji="1" lang="ja-JP" altLang="en-US"/>
           </a:p>
@@ -475,7 +4368,7 @@
           <a:p>
             <a:fld id="{7CCE50EF-76CA-4A3F-A456-16AC7B0B6587}" type="datetimeFigureOut">
               <a:rPr kumimoji="1" lang="ja-JP" altLang="en-US" smtClean="0"/>
-              <a:t>2020/1/10</a:t>
+              <a:t>2020/1/21</a:t>
             </a:fld>
             <a:endParaRPr kumimoji="1" lang="ja-JP" altLang="en-US"/>
           </a:p>
@@ -687,7 +4580,7 @@
           <a:p>
             <a:fld id="{7CCE50EF-76CA-4A3F-A456-16AC7B0B6587}" type="datetimeFigureOut">
               <a:rPr kumimoji="1" lang="ja-JP" altLang="en-US" smtClean="0"/>
-              <a:t>2020/1/10</a:t>
+              <a:t>2020/1/21</a:t>
             </a:fld>
             <a:endParaRPr kumimoji="1" lang="ja-JP" altLang="en-US"/>
           </a:p>
@@ -889,7 +4782,7 @@
           <a:p>
             <a:fld id="{7CCE50EF-76CA-4A3F-A456-16AC7B0B6587}" type="datetimeFigureOut">
               <a:rPr kumimoji="1" lang="ja-JP" altLang="en-US" smtClean="0"/>
-              <a:t>2020/1/10</a:t>
+              <a:t>2020/1/21</a:t>
             </a:fld>
             <a:endParaRPr kumimoji="1" lang="ja-JP" altLang="en-US"/>
           </a:p>
@@ -1135,7 +5028,7 @@
           <a:p>
             <a:fld id="{7CCE50EF-76CA-4A3F-A456-16AC7B0B6587}" type="datetimeFigureOut">
               <a:rPr kumimoji="1" lang="ja-JP" altLang="en-US" smtClean="0"/>
-              <a:t>2020/1/10</a:t>
+              <a:t>2020/1/21</a:t>
             </a:fld>
             <a:endParaRPr kumimoji="1" lang="ja-JP" altLang="en-US"/>
           </a:p>
@@ -1431,7 +5324,7 @@
           <a:p>
             <a:fld id="{7CCE50EF-76CA-4A3F-A456-16AC7B0B6587}" type="datetimeFigureOut">
               <a:rPr kumimoji="1" lang="ja-JP" altLang="en-US" smtClean="0"/>
-              <a:t>2020/1/10</a:t>
+              <a:t>2020/1/21</a:t>
             </a:fld>
             <a:endParaRPr kumimoji="1" lang="ja-JP" altLang="en-US"/>
           </a:p>
@@ -1862,7 +5755,7 @@
           <a:p>
             <a:fld id="{7CCE50EF-76CA-4A3F-A456-16AC7B0B6587}" type="datetimeFigureOut">
               <a:rPr kumimoji="1" lang="ja-JP" altLang="en-US" smtClean="0"/>
-              <a:t>2020/1/10</a:t>
+              <a:t>2020/1/21</a:t>
             </a:fld>
             <a:endParaRPr kumimoji="1" lang="ja-JP" altLang="en-US"/>
           </a:p>
@@ -1980,7 +5873,7 @@
           <a:p>
             <a:fld id="{7CCE50EF-76CA-4A3F-A456-16AC7B0B6587}" type="datetimeFigureOut">
               <a:rPr kumimoji="1" lang="ja-JP" altLang="en-US" smtClean="0"/>
-              <a:t>2020/1/10</a:t>
+              <a:t>2020/1/21</a:t>
             </a:fld>
             <a:endParaRPr kumimoji="1" lang="ja-JP" altLang="en-US"/>
           </a:p>
@@ -2075,7 +5968,7 @@
           <a:p>
             <a:fld id="{7CCE50EF-76CA-4A3F-A456-16AC7B0B6587}" type="datetimeFigureOut">
               <a:rPr kumimoji="1" lang="ja-JP" altLang="en-US" smtClean="0"/>
-              <a:t>2020/1/10</a:t>
+              <a:t>2020/1/21</a:t>
             </a:fld>
             <a:endParaRPr kumimoji="1" lang="ja-JP" altLang="en-US"/>
           </a:p>
@@ -2384,7 +6277,7 @@
           <a:p>
             <a:fld id="{7CCE50EF-76CA-4A3F-A456-16AC7B0B6587}" type="datetimeFigureOut">
               <a:rPr kumimoji="1" lang="ja-JP" altLang="en-US" smtClean="0"/>
-              <a:t>2020/1/10</a:t>
+              <a:t>2020/1/21</a:t>
             </a:fld>
             <a:endParaRPr kumimoji="1" lang="ja-JP" altLang="en-US"/>
           </a:p>
@@ -2637,7 +6530,7 @@
           <a:p>
             <a:fld id="{7CCE50EF-76CA-4A3F-A456-16AC7B0B6587}" type="datetimeFigureOut">
               <a:rPr kumimoji="1" lang="ja-JP" altLang="en-US" smtClean="0"/>
-              <a:t>2020/1/10</a:t>
+              <a:t>2020/1/21</a:t>
             </a:fld>
             <a:endParaRPr kumimoji="1" lang="ja-JP" altLang="en-US"/>
           </a:p>
@@ -2882,7 +6775,7 @@
           <a:p>
             <a:fld id="{7CCE50EF-76CA-4A3F-A456-16AC7B0B6587}" type="datetimeFigureOut">
               <a:rPr kumimoji="1" lang="ja-JP" altLang="en-US" smtClean="0"/>
-              <a:t>2020/1/10</a:t>
+              <a:t>2020/1/21</a:t>
             </a:fld>
             <a:endParaRPr kumimoji="1" lang="ja-JP" altLang="en-US"/>
           </a:p>
@@ -5574,117 +9467,73 @@
             <p:ph type="title"/>
           </p:nvPr>
         </p:nvSpPr>
+        <p:spPr>
+          <a:xfrm>
+            <a:off x="838200" y="365125"/>
+            <a:ext cx="4441166" cy="1325563"/>
+          </a:xfrm>
+        </p:spPr>
+        <p:txBody>
+          <a:bodyPr>
+            <a:normAutofit/>
+          </a:bodyPr>
+          <a:lstStyle/>
+          <a:p>
+            <a:r>
+              <a:rPr kumimoji="1" lang="en-US" altLang="ja-JP" dirty="0" smtClean="0"/>
+              <a:t>Read depth =10</a:t>
+            </a:r>
+            <a:endParaRPr kumimoji="1" lang="ja-JP" altLang="en-US" dirty="0"/>
+          </a:p>
+        </p:txBody>
+      </p:sp>
+      <p:sp>
+        <p:nvSpPr>
+          <p:cNvPr id="3" name="コンテンツ プレースホルダー 2"/>
+          <p:cNvSpPr>
+            <a:spLocks noGrp="1"/>
+          </p:cNvSpPr>
+          <p:nvPr>
+            <p:ph idx="1"/>
+          </p:nvPr>
+        </p:nvSpPr>
         <p:spPr/>
         <p:txBody>
           <a:bodyPr/>
           <a:lstStyle/>
           <a:p>
-            <a:r>
-              <a:rPr lang="ja-JP" altLang="en-US" dirty="0" smtClean="0"/>
-              <a:t>ホモ接合体のときの </a:t>
-            </a:r>
-            <a:r>
-              <a:rPr lang="en-US" altLang="ja-JP" dirty="0" smtClean="0"/>
-              <a:t>N </a:t>
-            </a:r>
-            <a:r>
-              <a:rPr lang="ja-JP" altLang="en-US" dirty="0" smtClean="0"/>
-              <a:t>の内わけ</a:t>
-            </a:r>
-            <a:r>
-              <a:rPr lang="en-US" altLang="ja-JP" dirty="0" smtClean="0"/>
-              <a:t/>
-            </a:r>
-            <a:br>
-              <a:rPr lang="en-US" altLang="ja-JP" dirty="0" smtClean="0"/>
-            </a:br>
-            <a:r>
-              <a:rPr lang="ja-JP" altLang="en-US" dirty="0" smtClean="0"/>
-              <a:t>ヘテロ接合体のときの</a:t>
-            </a:r>
-            <a:r>
-              <a:rPr lang="en-US" altLang="ja-JP" dirty="0" smtClean="0"/>
-              <a:t>N</a:t>
-            </a:r>
-            <a:r>
-              <a:rPr lang="ja-JP" altLang="en-US" dirty="0" smtClean="0"/>
-              <a:t>の内わけ</a:t>
-            </a:r>
-            <a:endParaRPr kumimoji="1" lang="ja-JP" altLang="en-US" dirty="0"/>
-          </a:p>
-        </p:txBody>
-      </p:sp>
-      <p:sp>
-        <p:nvSpPr>
-          <p:cNvPr id="3" name="コンテンツ プレースホルダー 2"/>
-          <p:cNvSpPr>
-            <a:spLocks noGrp="1"/>
-          </p:cNvSpPr>
-          <p:nvPr>
-            <p:ph idx="1"/>
-          </p:nvPr>
-        </p:nvSpPr>
-        <p:spPr/>
-        <p:txBody>
-          <a:bodyPr/>
-          <a:lstStyle/>
-          <a:p>
-            <a:r>
-              <a:rPr kumimoji="1" lang="ja-JP" altLang="en-US" dirty="0" smtClean="0"/>
-              <a:t>分布</a:t>
-            </a:r>
-            <a:endParaRPr kumimoji="1" lang="en-US" altLang="ja-JP" dirty="0" smtClean="0"/>
-          </a:p>
-          <a:p>
-            <a:pPr lvl="1"/>
-            <a:r>
-              <a:rPr lang="ja-JP" altLang="en-US" dirty="0" smtClean="0"/>
-              <a:t>「リードエラー確率」の想定が必須</a:t>
-            </a:r>
-            <a:endParaRPr lang="en-US" altLang="ja-JP" dirty="0" smtClean="0"/>
-          </a:p>
-          <a:p>
-            <a:pPr lvl="1"/>
-            <a:endParaRPr kumimoji="1" lang="en-US" altLang="ja-JP" dirty="0" smtClean="0"/>
-          </a:p>
-          <a:p>
-            <a:pPr lvl="1"/>
-            <a:r>
-              <a:rPr kumimoji="1" lang="ja-JP" altLang="en-US" dirty="0" smtClean="0"/>
-              <a:t>そのうえで、「十分な尤度比」が出る総リード数と</a:t>
-            </a:r>
-            <a:endParaRPr kumimoji="1" lang="en-US" altLang="ja-JP" dirty="0" smtClean="0"/>
-          </a:p>
-          <a:p>
-            <a:pPr lvl="2"/>
-            <a:r>
-              <a:rPr lang="ja-JP" altLang="en-US" dirty="0" smtClean="0"/>
-              <a:t>ホモとみなすべき内わけと</a:t>
-            </a:r>
-            <a:endParaRPr lang="en-US" altLang="ja-JP" dirty="0" smtClean="0"/>
-          </a:p>
-          <a:p>
-            <a:pPr lvl="2"/>
-            <a:r>
-              <a:rPr kumimoji="1" lang="ja-JP" altLang="en-US" dirty="0" smtClean="0"/>
-              <a:t>ヘテロとみなすべき内わけと</a:t>
-            </a:r>
-            <a:endParaRPr kumimoji="1" lang="en-US" altLang="ja-JP" dirty="0" smtClean="0"/>
-          </a:p>
-          <a:p>
-            <a:pPr lvl="2"/>
-            <a:r>
-              <a:rPr lang="ja-JP" altLang="en-US" dirty="0" smtClean="0"/>
-              <a:t>決められない内わけと</a:t>
-            </a:r>
-            <a:endParaRPr kumimoji="1" lang="ja-JP" altLang="en-US" dirty="0"/>
-          </a:p>
-        </p:txBody>
-      </p:sp>
+            <a:endParaRPr kumimoji="1" lang="ja-JP" altLang="en-US"/>
+          </a:p>
+        </p:txBody>
+      </p:sp>
+      <p:pic>
+        <p:nvPicPr>
+          <p:cNvPr id="4" name="図 3"/>
+          <p:cNvPicPr>
+            <a:picLocks noChangeAspect="1"/>
+          </p:cNvPicPr>
+          <p:nvPr/>
+        </p:nvPicPr>
+        <p:blipFill>
+          <a:blip r:embed="rId3"/>
+          <a:stretch>
+            <a:fillRect/>
+          </a:stretch>
+        </p:blipFill>
+        <p:spPr>
+          <a:xfrm>
+            <a:off x="5414513" y="129845"/>
+            <a:ext cx="6400800" cy="6391275"/>
+          </a:xfrm>
+          <a:prstGeom prst="rect">
+            <a:avLst/>
+          </a:prstGeom>
+        </p:spPr>
+      </p:pic>
     </p:spTree>
     <p:extLst>
       <p:ext uri="{BB962C8B-B14F-4D97-AF65-F5344CB8AC3E}">
-        <p14:creationId xmlns:p14="http://schemas.microsoft.com/office/powerpoint/2010/main" val="3535498238"/>
+        <p14:creationId xmlns:p14="http://schemas.microsoft.com/office/powerpoint/2010/main" val="3894024775"/>
       </p:ext>
     </p:extLst>
   </p:cSld>
@@ -5721,138 +9570,73 @@
             <p:ph type="title"/>
           </p:nvPr>
         </p:nvSpPr>
+        <p:spPr>
+          <a:xfrm>
+            <a:off x="838200" y="365125"/>
+            <a:ext cx="4699958" cy="1325563"/>
+          </a:xfrm>
+        </p:spPr>
+        <p:txBody>
+          <a:bodyPr>
+            <a:normAutofit/>
+          </a:bodyPr>
+          <a:lstStyle/>
+          <a:p>
+            <a:r>
+              <a:rPr kumimoji="1" lang="en-US" altLang="ja-JP" dirty="0" smtClean="0"/>
+              <a:t>Read depth =50</a:t>
+            </a:r>
+            <a:endParaRPr kumimoji="1" lang="ja-JP" altLang="en-US" dirty="0"/>
+          </a:p>
+        </p:txBody>
+      </p:sp>
+      <p:sp>
+        <p:nvSpPr>
+          <p:cNvPr id="3" name="コンテンツ プレースホルダー 2"/>
+          <p:cNvSpPr>
+            <a:spLocks noGrp="1"/>
+          </p:cNvSpPr>
+          <p:nvPr>
+            <p:ph idx="1"/>
+          </p:nvPr>
+        </p:nvSpPr>
         <p:spPr/>
         <p:txBody>
           <a:bodyPr/>
           <a:lstStyle/>
           <a:p>
-            <a:r>
-              <a:rPr kumimoji="1" lang="ja-JP" altLang="en-US" dirty="0" smtClean="0"/>
-              <a:t>ホモ・ヘテロ・逆ホモ</a:t>
-            </a:r>
-            <a:r>
-              <a:rPr kumimoji="1" lang="en-US" altLang="ja-JP" dirty="0" smtClean="0"/>
-              <a:t/>
-            </a:r>
-            <a:br>
-              <a:rPr kumimoji="1" lang="en-US" altLang="ja-JP" dirty="0" smtClean="0"/>
-            </a:br>
-            <a:r>
-              <a:rPr lang="en-US" altLang="ja-JP" dirty="0" smtClean="0"/>
-              <a:t>1 : 0.5 : 0 … </a:t>
-            </a:r>
-            <a:r>
-              <a:rPr lang="ja-JP" altLang="en-US" dirty="0" err="1" smtClean="0"/>
-              <a:t>は簡</a:t>
-            </a:r>
-            <a:r>
-              <a:rPr lang="ja-JP" altLang="en-US" dirty="0" smtClean="0"/>
-              <a:t>単</a:t>
-            </a:r>
-            <a:endParaRPr kumimoji="1" lang="ja-JP" altLang="en-US" dirty="0"/>
-          </a:p>
-        </p:txBody>
-      </p:sp>
-      <p:sp>
-        <p:nvSpPr>
-          <p:cNvPr id="3" name="コンテンツ プレースホルダー 2"/>
-          <p:cNvSpPr>
-            <a:spLocks noGrp="1"/>
-          </p:cNvSpPr>
-          <p:nvPr>
-            <p:ph idx="1"/>
-          </p:nvPr>
-        </p:nvSpPr>
-        <p:spPr/>
-        <p:txBody>
-          <a:bodyPr/>
-          <a:lstStyle/>
-          <a:p>
-            <a:r>
-              <a:rPr kumimoji="1" lang="ja-JP" altLang="en-US" dirty="0" smtClean="0"/>
-              <a:t>キメラ・モザイクだと</a:t>
-            </a:r>
-            <a:r>
-              <a:rPr kumimoji="1" lang="en-US" altLang="ja-JP" dirty="0" smtClean="0"/>
-              <a:t>…</a:t>
-            </a:r>
-          </a:p>
-          <a:p>
-            <a:pPr lvl="1"/>
-            <a:r>
-              <a:rPr lang="en-US" altLang="ja-JP" dirty="0" smtClean="0"/>
-              <a:t>1 : r : 0</a:t>
-            </a:r>
-          </a:p>
-          <a:p>
-            <a:pPr lvl="2"/>
-            <a:r>
-              <a:rPr lang="en-US" altLang="ja-JP" dirty="0" smtClean="0"/>
-              <a:t>r </a:t>
-            </a:r>
-            <a:r>
-              <a:rPr lang="ja-JP" altLang="en-US" dirty="0" smtClean="0"/>
-              <a:t>は未知</a:t>
-            </a:r>
-            <a:endParaRPr lang="en-US" altLang="ja-JP" dirty="0" smtClean="0"/>
-          </a:p>
-          <a:p>
-            <a:pPr lvl="2"/>
-            <a:r>
-              <a:rPr lang="en-US" altLang="ja-JP" dirty="0" smtClean="0"/>
-              <a:t>r </a:t>
-            </a:r>
-            <a:r>
-              <a:rPr lang="ja-JP" altLang="en-US" dirty="0" smtClean="0"/>
-              <a:t>の想定が</a:t>
-            </a:r>
-            <a:r>
-              <a:rPr lang="en-US" altLang="ja-JP" dirty="0" smtClean="0"/>
-              <a:t>0.5</a:t>
-            </a:r>
-            <a:r>
-              <a:rPr lang="ja-JP" altLang="en-US" dirty="0" smtClean="0"/>
-              <a:t>からずれればずれるほど、判定は難しくなる</a:t>
-            </a:r>
-            <a:endParaRPr lang="en-US" altLang="ja-JP" dirty="0" smtClean="0"/>
-          </a:p>
-          <a:p>
-            <a:pPr lvl="2"/>
-            <a:r>
-              <a:rPr kumimoji="1" lang="ja-JP" altLang="en-US" dirty="0"/>
-              <a:t>判定</a:t>
-            </a:r>
-            <a:r>
-              <a:rPr kumimoji="1" lang="ja-JP" altLang="en-US" dirty="0" smtClean="0"/>
-              <a:t>が難しいとは、デプスを深くする必要があることを意味する</a:t>
-            </a:r>
-            <a:endParaRPr kumimoji="1" lang="en-US" altLang="ja-JP" dirty="0" smtClean="0"/>
-          </a:p>
-          <a:p>
-            <a:pPr lvl="2"/>
-            <a:r>
-              <a:rPr lang="ja-JP" altLang="en-US" dirty="0" smtClean="0"/>
-              <a:t>デプス　＝　お金</a:t>
-            </a:r>
-            <a:endParaRPr lang="en-US" altLang="ja-JP" dirty="0" smtClean="0"/>
-          </a:p>
-          <a:p>
-            <a:r>
-              <a:rPr kumimoji="1" lang="ja-JP" altLang="en-US" dirty="0" smtClean="0"/>
-              <a:t>キメラ・モザイクでも「ホモ接合体」かもしれないし</a:t>
-            </a:r>
-            <a:r>
-              <a:rPr kumimoji="1" lang="en-US" altLang="ja-JP" dirty="0" smtClean="0"/>
-              <a:t>…</a:t>
-            </a:r>
-            <a:endParaRPr kumimoji="1" lang="ja-JP" altLang="en-US" dirty="0"/>
-          </a:p>
-        </p:txBody>
-      </p:sp>
+            <a:endParaRPr kumimoji="1" lang="ja-JP" altLang="en-US"/>
+          </a:p>
+        </p:txBody>
+      </p:sp>
+      <p:pic>
+        <p:nvPicPr>
+          <p:cNvPr id="5" name="図 4"/>
+          <p:cNvPicPr>
+            <a:picLocks noChangeAspect="1"/>
+          </p:cNvPicPr>
+          <p:nvPr/>
+        </p:nvPicPr>
+        <p:blipFill>
+          <a:blip r:embed="rId3"/>
+          <a:stretch>
+            <a:fillRect/>
+          </a:stretch>
+        </p:blipFill>
+        <p:spPr>
+          <a:xfrm>
+            <a:off x="5791200" y="216109"/>
+            <a:ext cx="6400800" cy="6391275"/>
+          </a:xfrm>
+          <a:prstGeom prst="rect">
+            <a:avLst/>
+          </a:prstGeom>
+        </p:spPr>
+      </p:pic>
     </p:spTree>
     <p:extLst>
       <p:ext uri="{BB962C8B-B14F-4D97-AF65-F5344CB8AC3E}">
-        <p14:creationId xmlns:p14="http://schemas.microsoft.com/office/powerpoint/2010/main" val="3645133234"/>
+        <p14:creationId xmlns:p14="http://schemas.microsoft.com/office/powerpoint/2010/main" val="1397098942"/>
       </p:ext>
     </p:extLst>
   </p:cSld>
@@ -5895,49 +9679,114 @@
           <a:lstStyle/>
           <a:p>
             <a:r>
+              <a:rPr lang="ja-JP" altLang="en-US" dirty="0" smtClean="0"/>
+              <a:t>ホモ接合体のときの </a:t>
+            </a:r>
+            <a:r>
+              <a:rPr lang="en-US" altLang="ja-JP" dirty="0" smtClean="0"/>
+              <a:t>N </a:t>
+            </a:r>
+            <a:r>
+              <a:rPr lang="ja-JP" altLang="en-US" dirty="0" smtClean="0"/>
+              <a:t>の内わけ</a:t>
+            </a:r>
+            <a:r>
+              <a:rPr lang="en-US" altLang="ja-JP" dirty="0" smtClean="0"/>
+              <a:t/>
+            </a:r>
+            <a:br>
+              <a:rPr lang="en-US" altLang="ja-JP" dirty="0" smtClean="0"/>
+            </a:br>
+            <a:r>
+              <a:rPr lang="ja-JP" altLang="en-US" dirty="0" smtClean="0"/>
+              <a:t>ヘテロ接合体のときの</a:t>
+            </a:r>
+            <a:r>
+              <a:rPr lang="en-US" altLang="ja-JP" dirty="0" smtClean="0"/>
+              <a:t>N</a:t>
+            </a:r>
+            <a:r>
+              <a:rPr lang="ja-JP" altLang="en-US" dirty="0" smtClean="0"/>
+              <a:t>の内わけ</a:t>
+            </a:r>
+            <a:endParaRPr kumimoji="1" lang="ja-JP" altLang="en-US" dirty="0"/>
+          </a:p>
+        </p:txBody>
+      </p:sp>
+      <p:sp>
+        <p:nvSpPr>
+          <p:cNvPr id="3" name="コンテンツ プレースホルダー 2"/>
+          <p:cNvSpPr>
+            <a:spLocks noGrp="1"/>
+          </p:cNvSpPr>
+          <p:nvPr>
+            <p:ph idx="1"/>
+          </p:nvPr>
+        </p:nvSpPr>
+        <p:spPr/>
+        <p:txBody>
+          <a:bodyPr/>
+          <a:lstStyle/>
+          <a:p>
+            <a:r>
               <a:rPr kumimoji="1" lang="ja-JP" altLang="en-US" dirty="0" smtClean="0"/>
-              <a:t>キメラ・モザイクではなく</a:t>
-            </a:r>
-            <a:r>
-              <a:rPr kumimoji="1" lang="en-US" altLang="ja-JP" dirty="0" smtClean="0"/>
-              <a:t/>
-            </a:r>
-            <a:br>
-              <a:rPr kumimoji="1" lang="en-US" altLang="ja-JP" dirty="0" smtClean="0"/>
-            </a:br>
+              <a:t>分布</a:t>
+            </a:r>
+            <a:endParaRPr kumimoji="1" lang="en-US" altLang="ja-JP" dirty="0" smtClean="0"/>
+          </a:p>
+          <a:p>
+            <a:pPr lvl="1"/>
             <a:r>
               <a:rPr lang="ja-JP" altLang="en-US" dirty="0" smtClean="0"/>
-              <a:t>混合試料だとしたら？</a:t>
-            </a:r>
-            <a:endParaRPr kumimoji="1" lang="ja-JP" altLang="en-US" dirty="0"/>
-          </a:p>
-        </p:txBody>
-      </p:sp>
-      <p:sp>
-        <p:nvSpPr>
-          <p:cNvPr id="3" name="コンテンツ プレースホルダー 2"/>
-          <p:cNvSpPr>
-            <a:spLocks noGrp="1"/>
-          </p:cNvSpPr>
-          <p:nvPr>
-            <p:ph idx="1"/>
-          </p:nvPr>
-        </p:nvSpPr>
-        <p:spPr/>
-        <p:txBody>
-          <a:bodyPr/>
-          <a:lstStyle/>
-          <a:p>
+              <a:t>「</a:t>
+            </a:r>
+            <a:r>
+              <a:rPr lang="ja-JP" altLang="en-US" dirty="0"/>
+              <a:t>コール</a:t>
+            </a:r>
+            <a:r>
+              <a:rPr lang="ja-JP" altLang="en-US" dirty="0" smtClean="0"/>
+              <a:t>エラー</a:t>
+            </a:r>
+            <a:r>
+              <a:rPr lang="ja-JP" altLang="en-US" dirty="0" smtClean="0"/>
+              <a:t>確率」の想定が必須</a:t>
+            </a:r>
+            <a:endParaRPr lang="en-US" altLang="ja-JP" dirty="0" smtClean="0"/>
+          </a:p>
+          <a:p>
+            <a:pPr lvl="1"/>
+            <a:endParaRPr kumimoji="1" lang="en-US" altLang="ja-JP" dirty="0" smtClean="0"/>
+          </a:p>
+          <a:p>
+            <a:pPr lvl="1"/>
             <a:r>
               <a:rPr kumimoji="1" lang="ja-JP" altLang="en-US" dirty="0" smtClean="0"/>
-              <a:t>混合比は不明</a:t>
+              <a:t>そのうえで、「十分な尤度比」が出る総リード数と</a:t>
             </a:r>
             <a:endParaRPr kumimoji="1" lang="en-US" altLang="ja-JP" dirty="0" smtClean="0"/>
           </a:p>
           <a:p>
+            <a:pPr lvl="2"/>
             <a:r>
               <a:rPr lang="ja-JP" altLang="en-US" dirty="0" smtClean="0"/>
-              <a:t>ゲノムの場所によって混合比にばらつきが入る</a:t>
+              <a:t>ホモとみなすべき内わけと</a:t>
+            </a:r>
+            <a:endParaRPr lang="en-US" altLang="ja-JP" dirty="0" smtClean="0"/>
+          </a:p>
+          <a:p>
+            <a:pPr lvl="2"/>
+            <a:r>
+              <a:rPr kumimoji="1" lang="ja-JP" altLang="en-US" dirty="0" smtClean="0"/>
+              <a:t>ヘテロとみなすべき内わけと</a:t>
+            </a:r>
+            <a:endParaRPr kumimoji="1" lang="en-US" altLang="ja-JP" dirty="0" smtClean="0"/>
+          </a:p>
+          <a:p>
+            <a:pPr lvl="2"/>
+            <a:r>
+              <a:rPr lang="ja-JP" altLang="en-US" dirty="0" smtClean="0"/>
+              <a:t>決められない内わけと</a:t>
             </a:r>
             <a:endParaRPr kumimoji="1" lang="ja-JP" altLang="en-US" dirty="0"/>
           </a:p>
@@ -5946,7 +9795,7 @@
     </p:spTree>
     <p:extLst>
       <p:ext uri="{BB962C8B-B14F-4D97-AF65-F5344CB8AC3E}">
-        <p14:creationId xmlns:p14="http://schemas.microsoft.com/office/powerpoint/2010/main" val="2863240582"/>
+        <p14:creationId xmlns:p14="http://schemas.microsoft.com/office/powerpoint/2010/main" val="3535498238"/>
       </p:ext>
     </p:extLst>
   </p:cSld>
@@ -5983,42 +9832,84 @@
             <p:ph type="title"/>
           </p:nvPr>
         </p:nvSpPr>
+        <p:spPr>
+          <a:xfrm>
+            <a:off x="838199" y="365125"/>
+            <a:ext cx="4576313" cy="1325563"/>
+          </a:xfrm>
+        </p:spPr>
+        <p:txBody>
+          <a:bodyPr>
+            <a:normAutofit fontScale="90000"/>
+          </a:bodyPr>
+          <a:lstStyle/>
+          <a:p>
+            <a:r>
+              <a:rPr kumimoji="1" lang="en-US" altLang="ja-JP" dirty="0" smtClean="0"/>
+              <a:t>Read depth =10</a:t>
+            </a:r>
+            <a:br>
+              <a:rPr kumimoji="1" lang="en-US" altLang="ja-JP" dirty="0" smtClean="0"/>
+            </a:br>
+            <a:r>
+              <a:rPr lang="ja-JP" altLang="en-US" dirty="0" smtClean="0"/>
+              <a:t>コールエラー率 </a:t>
+            </a:r>
+            <a:r>
+              <a:rPr lang="en-US" altLang="ja-JP" dirty="0" smtClean="0"/>
+              <a:t>0.1</a:t>
+            </a:r>
+            <a:endParaRPr kumimoji="1" lang="ja-JP" altLang="en-US" dirty="0"/>
+          </a:p>
+        </p:txBody>
+      </p:sp>
+      <p:sp>
+        <p:nvSpPr>
+          <p:cNvPr id="3" name="コンテンツ プレースホルダー 2"/>
+          <p:cNvSpPr>
+            <a:spLocks noGrp="1"/>
+          </p:cNvSpPr>
+          <p:nvPr>
+            <p:ph idx="1"/>
+          </p:nvPr>
+        </p:nvSpPr>
         <p:spPr/>
         <p:txBody>
           <a:bodyPr/>
           <a:lstStyle/>
           <a:p>
-            <a:r>
-              <a:rPr kumimoji="1" lang="ja-JP" altLang="en-US" dirty="0" smtClean="0"/>
-              <a:t>１か所ではなくて、そこら中調べたい？</a:t>
-            </a:r>
-            <a:endParaRPr kumimoji="1" lang="ja-JP" altLang="en-US" dirty="0"/>
-          </a:p>
-        </p:txBody>
-      </p:sp>
-      <p:sp>
-        <p:nvSpPr>
-          <p:cNvPr id="3" name="コンテンツ プレースホルダー 2"/>
-          <p:cNvSpPr>
-            <a:spLocks noGrp="1"/>
-          </p:cNvSpPr>
-          <p:nvPr>
-            <p:ph idx="1"/>
-          </p:nvPr>
-        </p:nvSpPr>
-        <p:spPr/>
-        <p:txBody>
-          <a:bodyPr/>
-          <a:lstStyle/>
-          <a:p>
             <a:endParaRPr kumimoji="1" lang="ja-JP" altLang="en-US"/>
           </a:p>
         </p:txBody>
       </p:sp>
+      <p:pic>
+        <p:nvPicPr>
+          <p:cNvPr id="5" name="図 4"/>
+          <p:cNvPicPr>
+            <a:picLocks noChangeAspect="1"/>
+          </p:cNvPicPr>
+          <p:nvPr/>
+        </p:nvPicPr>
+        <p:blipFill>
+          <a:blip r:embed="rId3"/>
+          <a:stretch>
+            <a:fillRect/>
+          </a:stretch>
+        </p:blipFill>
+        <p:spPr>
+          <a:xfrm>
+            <a:off x="5569789" y="216109"/>
+            <a:ext cx="6400800" cy="6391275"/>
+          </a:xfrm>
+          <a:prstGeom prst="rect">
+            <a:avLst/>
+          </a:prstGeom>
+        </p:spPr>
+      </p:pic>
     </p:spTree>
     <p:extLst>
       <p:ext uri="{BB962C8B-B14F-4D97-AF65-F5344CB8AC3E}">
-        <p14:creationId xmlns:p14="http://schemas.microsoft.com/office/powerpoint/2010/main" val="1875354714"/>
+        <p14:creationId xmlns:p14="http://schemas.microsoft.com/office/powerpoint/2010/main" val="2175317710"/>
       </p:ext>
     </p:extLst>
   </p:cSld>
@@ -6055,98 +9946,84 @@
             <p:ph type="title"/>
           </p:nvPr>
         </p:nvSpPr>
+        <p:spPr>
+          <a:xfrm>
+            <a:off x="838200" y="365125"/>
+            <a:ext cx="4941498" cy="1325563"/>
+          </a:xfrm>
+        </p:spPr>
+        <p:txBody>
+          <a:bodyPr>
+            <a:normAutofit fontScale="90000"/>
+          </a:bodyPr>
+          <a:lstStyle/>
+          <a:p>
+            <a:r>
+              <a:rPr kumimoji="1" lang="en-US" altLang="ja-JP" dirty="0" smtClean="0"/>
+              <a:t>Read depth =50</a:t>
+            </a:r>
+            <a:br>
+              <a:rPr kumimoji="1" lang="en-US" altLang="ja-JP" dirty="0" smtClean="0"/>
+            </a:br>
+            <a:r>
+              <a:rPr lang="ja-JP" altLang="en-US" dirty="0" smtClean="0"/>
+              <a:t>コールエラー率</a:t>
+            </a:r>
+            <a:r>
+              <a:rPr lang="en-US" altLang="ja-JP" dirty="0" smtClean="0"/>
+              <a:t>=0.1</a:t>
+            </a:r>
+            <a:endParaRPr kumimoji="1" lang="ja-JP" altLang="en-US" dirty="0"/>
+          </a:p>
+        </p:txBody>
+      </p:sp>
+      <p:sp>
+        <p:nvSpPr>
+          <p:cNvPr id="3" name="コンテンツ プレースホルダー 2"/>
+          <p:cNvSpPr>
+            <a:spLocks noGrp="1"/>
+          </p:cNvSpPr>
+          <p:nvPr>
+            <p:ph idx="1"/>
+          </p:nvPr>
+        </p:nvSpPr>
         <p:spPr/>
         <p:txBody>
           <a:bodyPr/>
           <a:lstStyle/>
           <a:p>
-            <a:r>
-              <a:rPr lang="ja-JP" altLang="en-US" dirty="0" smtClean="0"/>
-              <a:t>全ゲノムをちゃんと調べたい</a:t>
-            </a:r>
-            <a:endParaRPr kumimoji="1" lang="ja-JP" altLang="en-US" dirty="0"/>
-          </a:p>
-        </p:txBody>
-      </p:sp>
-      <p:sp>
-        <p:nvSpPr>
-          <p:cNvPr id="3" name="コンテンツ プレースホルダー 2"/>
-          <p:cNvSpPr>
-            <a:spLocks noGrp="1"/>
-          </p:cNvSpPr>
-          <p:nvPr>
-            <p:ph idx="1"/>
-          </p:nvPr>
-        </p:nvSpPr>
-        <p:spPr/>
-        <p:txBody>
-          <a:bodyPr/>
-          <a:lstStyle/>
-          <a:p>
-            <a:r>
-              <a:rPr kumimoji="1" lang="ja-JP" altLang="en-US" dirty="0" smtClean="0"/>
-              <a:t>場所によってマップされるリード本数にばらつきが出る</a:t>
-            </a:r>
-            <a:endParaRPr kumimoji="1" lang="en-US" altLang="ja-JP" dirty="0" smtClean="0"/>
-          </a:p>
-          <a:p>
-            <a:endParaRPr lang="en-US" altLang="ja-JP" dirty="0"/>
-          </a:p>
-          <a:p>
-            <a:r>
-              <a:rPr kumimoji="1" lang="en-US" altLang="ja-JP" dirty="0" smtClean="0"/>
-              <a:t>0</a:t>
-            </a:r>
-            <a:r>
-              <a:rPr kumimoji="1" lang="ja-JP" altLang="en-US" dirty="0" err="1" smtClean="0"/>
-              <a:t>，</a:t>
-            </a:r>
-            <a:r>
-              <a:rPr kumimoji="1" lang="en-US" altLang="ja-JP" dirty="0" smtClean="0"/>
-              <a:t>1</a:t>
-            </a:r>
-            <a:r>
-              <a:rPr kumimoji="1" lang="ja-JP" altLang="en-US" dirty="0" err="1" smtClean="0"/>
-              <a:t>，</a:t>
-            </a:r>
-            <a:r>
-              <a:rPr kumimoji="1" lang="en-US" altLang="ja-JP" dirty="0" smtClean="0"/>
-              <a:t>2</a:t>
-            </a:r>
-            <a:r>
-              <a:rPr kumimoji="1" lang="ja-JP" altLang="en-US" dirty="0" err="1" smtClean="0"/>
-              <a:t>，</a:t>
-            </a:r>
-            <a:r>
-              <a:rPr kumimoji="1" lang="en-US" altLang="ja-JP" dirty="0" smtClean="0"/>
-              <a:t>3</a:t>
-            </a:r>
-            <a:r>
-              <a:rPr lang="ja-JP" altLang="en-US" dirty="0" err="1" smtClean="0"/>
-              <a:t>，</a:t>
-            </a:r>
-            <a:r>
-              <a:rPr lang="ja-JP" altLang="en-US" dirty="0" smtClean="0"/>
-              <a:t>・・・</a:t>
-            </a:r>
-            <a:endParaRPr lang="en-US" altLang="ja-JP" dirty="0" smtClean="0"/>
-          </a:p>
-          <a:p>
-            <a:endParaRPr kumimoji="1" lang="en-US" altLang="ja-JP" dirty="0"/>
-          </a:p>
-          <a:p>
-            <a:r>
-              <a:rPr lang="ja-JP" altLang="en-US" dirty="0" smtClean="0"/>
-              <a:t>？　分布　？</a:t>
-            </a:r>
-            <a:endParaRPr kumimoji="1" lang="ja-JP" altLang="en-US" dirty="0"/>
-          </a:p>
-        </p:txBody>
-      </p:sp>
+            <a:endParaRPr kumimoji="1" lang="ja-JP" altLang="en-US"/>
+          </a:p>
+        </p:txBody>
+      </p:sp>
+      <p:pic>
+        <p:nvPicPr>
+          <p:cNvPr id="4" name="図 3"/>
+          <p:cNvPicPr>
+            <a:picLocks noChangeAspect="1"/>
+          </p:cNvPicPr>
+          <p:nvPr/>
+        </p:nvPicPr>
+        <p:blipFill>
+          <a:blip r:embed="rId3"/>
+          <a:stretch>
+            <a:fillRect/>
+          </a:stretch>
+        </p:blipFill>
+        <p:spPr>
+          <a:xfrm>
+            <a:off x="5538158" y="216109"/>
+            <a:ext cx="6400800" cy="6391275"/>
+          </a:xfrm>
+          <a:prstGeom prst="rect">
+            <a:avLst/>
+          </a:prstGeom>
+        </p:spPr>
+      </p:pic>
     </p:spTree>
     <p:extLst>
       <p:ext uri="{BB962C8B-B14F-4D97-AF65-F5344CB8AC3E}">
-        <p14:creationId xmlns:p14="http://schemas.microsoft.com/office/powerpoint/2010/main" val="4293416938"/>
+        <p14:creationId xmlns:p14="http://schemas.microsoft.com/office/powerpoint/2010/main" val="522720362"/>
       </p:ext>
     </p:extLst>
   </p:cSld>
@@ -6369,7 +10246,26 @@
           <a:p>
             <a:r>
               <a:rPr kumimoji="1" lang="ja-JP" altLang="en-US" dirty="0" smtClean="0"/>
-              <a:t>マップ本数の分布</a:t>
+              <a:t>ホモ・ヘテロ・逆ホモ</a:t>
+            </a:r>
+            <a:r>
+              <a:rPr kumimoji="1" lang="en-US" altLang="ja-JP" dirty="0" smtClean="0"/>
+              <a:t/>
+            </a:r>
+            <a:br>
+              <a:rPr kumimoji="1" lang="en-US" altLang="ja-JP" dirty="0" smtClean="0"/>
+            </a:br>
+            <a:r>
+              <a:rPr lang="en-US" altLang="ja-JP" dirty="0" smtClean="0"/>
+              <a:t>1 : 0.5 : 0 … </a:t>
+            </a:r>
+            <a:r>
+              <a:rPr lang="ja-JP" altLang="en-US" dirty="0" err="1" smtClean="0"/>
+              <a:t>は簡</a:t>
+            </a:r>
+            <a:r>
+              <a:rPr lang="ja-JP" altLang="en-US" dirty="0" smtClean="0"/>
+              <a:t>単</a:t>
             </a:r>
             <a:endParaRPr kumimoji="1" lang="ja-JP" altLang="en-US" dirty="0"/>
           </a:p>
@@ -6391,18 +10287,81 @@
           <a:lstStyle/>
           <a:p>
             <a:r>
+              <a:rPr kumimoji="1" lang="ja-JP" altLang="en-US" dirty="0" smtClean="0"/>
+              <a:t>キメラ・モザイクだと</a:t>
+            </a:r>
+            <a:r>
+              <a:rPr kumimoji="1" lang="en-US" altLang="ja-JP" dirty="0" smtClean="0"/>
+              <a:t>…</a:t>
+            </a:r>
+          </a:p>
+          <a:p>
+            <a:pPr lvl="1"/>
+            <a:r>
+              <a:rPr lang="en-US" altLang="ja-JP" dirty="0" smtClean="0"/>
+              <a:t>1 : r : 0</a:t>
+            </a:r>
+          </a:p>
+          <a:p>
+            <a:pPr lvl="2"/>
+            <a:r>
+              <a:rPr lang="en-US" altLang="ja-JP" dirty="0" smtClean="0"/>
+              <a:t>r </a:t>
+            </a:r>
+            <a:r>
               <a:rPr lang="ja-JP" altLang="en-US" dirty="0" smtClean="0"/>
-              <a:t>ポアッソン分布</a:t>
+              <a:t>は未知</a:t>
             </a:r>
             <a:endParaRPr lang="en-US" altLang="ja-JP" dirty="0" smtClean="0"/>
           </a:p>
           <a:p>
-            <a:endParaRPr kumimoji="1" lang="en-US" altLang="ja-JP" dirty="0"/>
-          </a:p>
-          <a:p>
+            <a:pPr lvl="2"/>
+            <a:r>
+              <a:rPr lang="en-US" altLang="ja-JP" dirty="0" smtClean="0"/>
+              <a:t>r </a:t>
+            </a:r>
             <a:r>
               <a:rPr lang="ja-JP" altLang="en-US" dirty="0" smtClean="0"/>
-              <a:t>負の二項分布</a:t>
+              <a:t>の想定が</a:t>
+            </a:r>
+            <a:r>
+              <a:rPr lang="en-US" altLang="ja-JP" dirty="0" smtClean="0"/>
+              <a:t>0.5</a:t>
+            </a:r>
+            <a:r>
+              <a:rPr lang="ja-JP" altLang="en-US" dirty="0" smtClean="0"/>
+              <a:t>からずれればずれるほど、判定は難しくなる</a:t>
+            </a:r>
+            <a:endParaRPr lang="en-US" altLang="ja-JP" dirty="0" smtClean="0"/>
+          </a:p>
+          <a:p>
+            <a:pPr lvl="2"/>
+            <a:r>
+              <a:rPr kumimoji="1" lang="ja-JP" altLang="en-US" dirty="0"/>
+              <a:t>判定</a:t>
+            </a:r>
+            <a:r>
+              <a:rPr kumimoji="1" lang="ja-JP" altLang="en-US" dirty="0" smtClean="0"/>
+              <a:t>が難しいとは、デプスを深くする必要があることを意味する</a:t>
+            </a:r>
+            <a:endParaRPr kumimoji="1" lang="en-US" altLang="ja-JP" dirty="0" smtClean="0"/>
+          </a:p>
+          <a:p>
+            <a:pPr lvl="2"/>
+            <a:r>
+              <a:rPr lang="ja-JP" altLang="en-US" dirty="0" smtClean="0"/>
+              <a:t>デプス　＝　お金</a:t>
+            </a:r>
+            <a:endParaRPr lang="en-US" altLang="ja-JP" dirty="0" smtClean="0"/>
+          </a:p>
+          <a:p>
+            <a:r>
+              <a:rPr kumimoji="1" lang="ja-JP" altLang="en-US" dirty="0" smtClean="0"/>
+              <a:t>キメラ・モザイクでも「ホモ接合体」かもしれないし</a:t>
+            </a:r>
+            <a:r>
+              <a:rPr kumimoji="1" lang="en-US" altLang="ja-JP" dirty="0" smtClean="0"/>
+              <a:t>…</a:t>
             </a:r>
             <a:endParaRPr kumimoji="1" lang="ja-JP" altLang="en-US" dirty="0"/>
           </a:p>
@@ -6411,7 +10370,7 @@
     </p:spTree>
     <p:extLst>
       <p:ext uri="{BB962C8B-B14F-4D97-AF65-F5344CB8AC3E}">
-        <p14:creationId xmlns:p14="http://schemas.microsoft.com/office/powerpoint/2010/main" val="1224196599"/>
+        <p14:creationId xmlns:p14="http://schemas.microsoft.com/office/powerpoint/2010/main" val="3645133234"/>
       </p:ext>
     </p:extLst>
   </p:cSld>
@@ -6438,6 +10397,866 @@
           <a:chExt cx="0" cy="0"/>
         </a:xfrm>
       </p:grpSpPr>
+      <p:pic>
+        <p:nvPicPr>
+          <p:cNvPr id="4" name="図 3"/>
+          <p:cNvPicPr>
+            <a:picLocks noChangeAspect="1"/>
+          </p:cNvPicPr>
+          <p:nvPr/>
+        </p:nvPicPr>
+        <p:blipFill>
+          <a:blip r:embed="rId3"/>
+          <a:stretch>
+            <a:fillRect/>
+          </a:stretch>
+        </p:blipFill>
+        <p:spPr>
+          <a:xfrm>
+            <a:off x="5431766" y="147097"/>
+            <a:ext cx="6400800" cy="6391275"/>
+          </a:xfrm>
+          <a:prstGeom prst="rect">
+            <a:avLst/>
+          </a:prstGeom>
+        </p:spPr>
+      </p:pic>
+      <p:sp>
+        <p:nvSpPr>
+          <p:cNvPr id="5" name="タイトル 1"/>
+          <p:cNvSpPr txBox="1">
+            <a:spLocks/>
+          </p:cNvSpPr>
+          <p:nvPr/>
+        </p:nvSpPr>
+        <p:spPr>
+          <a:xfrm>
+            <a:off x="838200" y="365125"/>
+            <a:ext cx="4941498" cy="1325563"/>
+          </a:xfrm>
+          <a:prstGeom prst="rect">
+            <a:avLst/>
+          </a:prstGeom>
+        </p:spPr>
+        <p:txBody>
+          <a:bodyPr vert="horz" lIns="91440" tIns="45720" rIns="91440" bIns="45720" rtlCol="0" anchor="ctr">
+            <a:normAutofit fontScale="82500" lnSpcReduction="20000"/>
+          </a:bodyPr>
+          <a:lstStyle>
+            <a:lvl1pPr algn="l" defTabSz="914400" rtl="0" eaLnBrk="1" latinLnBrk="0" hangingPunct="1">
+              <a:lnSpc>
+                <a:spcPct val="90000"/>
+              </a:lnSpc>
+              <a:spcBef>
+                <a:spcPct val="0"/>
+              </a:spcBef>
+              <a:buNone/>
+              <a:defRPr kumimoji="1" sz="4400" kern="1200">
+                <a:solidFill>
+                  <a:schemeClr val="tx1"/>
+                </a:solidFill>
+                <a:latin typeface="+mj-lt"/>
+                <a:ea typeface="+mj-ea"/>
+                <a:cs typeface="+mj-cs"/>
+              </a:defRPr>
+            </a:lvl1pPr>
+          </a:lstStyle>
+          <a:p>
+            <a:r>
+              <a:rPr lang="en-US" altLang="ja-JP" dirty="0" smtClean="0"/>
+              <a:t>Read depth =50</a:t>
+            </a:r>
+            <a:br>
+              <a:rPr lang="en-US" altLang="ja-JP" dirty="0" smtClean="0"/>
+            </a:br>
+            <a:r>
+              <a:rPr lang="ja-JP" altLang="en-US" dirty="0" smtClean="0"/>
+              <a:t>コールエラー率</a:t>
+            </a:r>
+            <a:r>
+              <a:rPr lang="en-US" altLang="ja-JP" dirty="0" smtClean="0"/>
+              <a:t>=0.1</a:t>
+            </a:r>
+          </a:p>
+          <a:p>
+            <a:r>
+              <a:rPr lang="ja-JP" altLang="en-US" dirty="0" smtClean="0"/>
+              <a:t>モザイク率</a:t>
+            </a:r>
+            <a:r>
+              <a:rPr lang="en-US" altLang="ja-JP" dirty="0" smtClean="0"/>
+              <a:t>=0.3</a:t>
+            </a:r>
+            <a:endParaRPr lang="ja-JP" altLang="en-US" dirty="0"/>
+          </a:p>
+        </p:txBody>
+      </p:sp>
+    </p:spTree>
+    <p:extLst>
+      <p:ext uri="{BB962C8B-B14F-4D97-AF65-F5344CB8AC3E}">
+        <p14:creationId xmlns:p14="http://schemas.microsoft.com/office/powerpoint/2010/main" val="2969253203"/>
+      </p:ext>
+    </p:extLst>
+  </p:cSld>
+  <p:clrMapOvr>
+    <a:masterClrMapping/>
+  </p:clrMapOvr>
+</p:sld>
+</file>
+
+<file path=ppt/slides/slide32.xml><?xml version="1.0" encoding="utf-8"?>
+<p:sld xmlns:a="http://schemas.openxmlformats.org/drawingml/2006/main" xmlns:r="http://schemas.openxmlformats.org/officeDocument/2006/relationships" xmlns:p="http://schemas.openxmlformats.org/presentationml/2006/main">
+  <p:cSld>
+    <p:spTree>
+      <p:nvGrpSpPr>
+        <p:cNvPr id="1" name=""/>
+        <p:cNvGrpSpPr/>
+        <p:nvPr/>
+      </p:nvGrpSpPr>
+      <p:grpSpPr>
+        <a:xfrm>
+          <a:off x="0" y="0"/>
+          <a:ext cx="0" cy="0"/>
+          <a:chOff x="0" y="0"/>
+          <a:chExt cx="0" cy="0"/>
+        </a:xfrm>
+      </p:grpSpPr>
+      <p:sp>
+        <p:nvSpPr>
+          <p:cNvPr id="2" name="タイトル 1"/>
+          <p:cNvSpPr>
+            <a:spLocks noGrp="1"/>
+          </p:cNvSpPr>
+          <p:nvPr>
+            <p:ph type="title"/>
+          </p:nvPr>
+        </p:nvSpPr>
+        <p:spPr/>
+        <p:txBody>
+          <a:bodyPr/>
+          <a:lstStyle/>
+          <a:p>
+            <a:r>
+              <a:rPr kumimoji="1" lang="ja-JP" altLang="en-US" dirty="0" smtClean="0"/>
+              <a:t>キメラ・モザイクではなく</a:t>
+            </a:r>
+            <a:r>
+              <a:rPr kumimoji="1" lang="en-US" altLang="ja-JP" dirty="0" smtClean="0"/>
+              <a:t/>
+            </a:r>
+            <a:br>
+              <a:rPr kumimoji="1" lang="en-US" altLang="ja-JP" dirty="0" smtClean="0"/>
+            </a:br>
+            <a:r>
+              <a:rPr lang="ja-JP" altLang="en-US" dirty="0" smtClean="0"/>
+              <a:t>混合試料だとしたら？</a:t>
+            </a:r>
+            <a:endParaRPr kumimoji="1" lang="ja-JP" altLang="en-US" dirty="0"/>
+          </a:p>
+        </p:txBody>
+      </p:sp>
+      <p:sp>
+        <p:nvSpPr>
+          <p:cNvPr id="3" name="コンテンツ プレースホルダー 2"/>
+          <p:cNvSpPr>
+            <a:spLocks noGrp="1"/>
+          </p:cNvSpPr>
+          <p:nvPr>
+            <p:ph idx="1"/>
+          </p:nvPr>
+        </p:nvSpPr>
+        <p:spPr/>
+        <p:txBody>
+          <a:bodyPr/>
+          <a:lstStyle/>
+          <a:p>
+            <a:r>
+              <a:rPr kumimoji="1" lang="ja-JP" altLang="en-US" dirty="0" smtClean="0"/>
+              <a:t>混合比は</a:t>
+            </a:r>
+            <a:r>
+              <a:rPr kumimoji="1" lang="ja-JP" altLang="en-US" dirty="0" smtClean="0"/>
+              <a:t>不明</a:t>
+            </a:r>
+            <a:endParaRPr lang="en-US" altLang="ja-JP" dirty="0"/>
+          </a:p>
+          <a:p>
+            <a:r>
+              <a:rPr lang="ja-JP" altLang="en-US" dirty="0" smtClean="0"/>
+              <a:t>かなり低いかも</a:t>
+            </a:r>
+            <a:endParaRPr kumimoji="1" lang="en-US" altLang="ja-JP" dirty="0" smtClean="0"/>
+          </a:p>
+        </p:txBody>
+      </p:sp>
+    </p:spTree>
+    <p:extLst>
+      <p:ext uri="{BB962C8B-B14F-4D97-AF65-F5344CB8AC3E}">
+        <p14:creationId xmlns:p14="http://schemas.microsoft.com/office/powerpoint/2010/main" val="2863240582"/>
+      </p:ext>
+    </p:extLst>
+  </p:cSld>
+  <p:clrMapOvr>
+    <a:masterClrMapping/>
+  </p:clrMapOvr>
+</p:sld>
+</file>
+
+<file path=ppt/slides/slide33.xml><?xml version="1.0" encoding="utf-8"?>
+<p:sld xmlns:a="http://schemas.openxmlformats.org/drawingml/2006/main" xmlns:r="http://schemas.openxmlformats.org/officeDocument/2006/relationships" xmlns:p="http://schemas.openxmlformats.org/presentationml/2006/main">
+  <p:cSld>
+    <p:spTree>
+      <p:nvGrpSpPr>
+        <p:cNvPr id="1" name=""/>
+        <p:cNvGrpSpPr/>
+        <p:nvPr/>
+      </p:nvGrpSpPr>
+      <p:grpSpPr>
+        <a:xfrm>
+          <a:off x="0" y="0"/>
+          <a:ext cx="0" cy="0"/>
+          <a:chOff x="0" y="0"/>
+          <a:chExt cx="0" cy="0"/>
+        </a:xfrm>
+      </p:grpSpPr>
+      <p:pic>
+        <p:nvPicPr>
+          <p:cNvPr id="8" name="図 7"/>
+          <p:cNvPicPr>
+            <a:picLocks noChangeAspect="1"/>
+          </p:cNvPicPr>
+          <p:nvPr/>
+        </p:nvPicPr>
+        <p:blipFill>
+          <a:blip r:embed="rId3"/>
+          <a:stretch>
+            <a:fillRect/>
+          </a:stretch>
+        </p:blipFill>
+        <p:spPr>
+          <a:xfrm>
+            <a:off x="-10531" y="466725"/>
+            <a:ext cx="6400800" cy="6391275"/>
+          </a:xfrm>
+          <a:prstGeom prst="rect">
+            <a:avLst/>
+          </a:prstGeom>
+        </p:spPr>
+      </p:pic>
+      <p:pic>
+        <p:nvPicPr>
+          <p:cNvPr id="4" name="図 3"/>
+          <p:cNvPicPr>
+            <a:picLocks noChangeAspect="1"/>
+          </p:cNvPicPr>
+          <p:nvPr/>
+        </p:nvPicPr>
+        <p:blipFill>
+          <a:blip r:embed="rId4"/>
+          <a:stretch>
+            <a:fillRect/>
+          </a:stretch>
+        </p:blipFill>
+        <p:spPr>
+          <a:xfrm>
+            <a:off x="5518030" y="466725"/>
+            <a:ext cx="6400800" cy="6391275"/>
+          </a:xfrm>
+          <a:prstGeom prst="rect">
+            <a:avLst/>
+          </a:prstGeom>
+        </p:spPr>
+      </p:pic>
+      <p:sp>
+        <p:nvSpPr>
+          <p:cNvPr id="6" name="タイトル 1"/>
+          <p:cNvSpPr txBox="1">
+            <a:spLocks/>
+          </p:cNvSpPr>
+          <p:nvPr/>
+        </p:nvSpPr>
+        <p:spPr>
+          <a:xfrm>
+            <a:off x="6580517" y="189721"/>
+            <a:ext cx="4941498" cy="1325563"/>
+          </a:xfrm>
+          <a:prstGeom prst="rect">
+            <a:avLst/>
+          </a:prstGeom>
+          <a:solidFill>
+            <a:schemeClr val="bg1"/>
+          </a:solidFill>
+        </p:spPr>
+        <p:txBody>
+          <a:bodyPr vert="horz" lIns="91440" tIns="45720" rIns="91440" bIns="45720" rtlCol="0" anchor="ctr">
+            <a:normAutofit fontScale="82500" lnSpcReduction="20000"/>
+          </a:bodyPr>
+          <a:lstStyle>
+            <a:lvl1pPr algn="l" defTabSz="914400" rtl="0" eaLnBrk="1" latinLnBrk="0" hangingPunct="1">
+              <a:lnSpc>
+                <a:spcPct val="90000"/>
+              </a:lnSpc>
+              <a:spcBef>
+                <a:spcPct val="0"/>
+              </a:spcBef>
+              <a:buNone/>
+              <a:defRPr kumimoji="1" sz="4400" kern="1200">
+                <a:solidFill>
+                  <a:schemeClr val="tx1"/>
+                </a:solidFill>
+                <a:latin typeface="+mj-lt"/>
+                <a:ea typeface="+mj-ea"/>
+                <a:cs typeface="+mj-cs"/>
+              </a:defRPr>
+            </a:lvl1pPr>
+          </a:lstStyle>
+          <a:p>
+            <a:r>
+              <a:rPr lang="en-US" altLang="ja-JP" dirty="0" smtClean="0"/>
+              <a:t>Read depth =50</a:t>
+            </a:r>
+            <a:br>
+              <a:rPr lang="en-US" altLang="ja-JP" dirty="0" smtClean="0"/>
+            </a:br>
+            <a:r>
+              <a:rPr lang="ja-JP" altLang="en-US" dirty="0" smtClean="0"/>
+              <a:t>コールエラー率</a:t>
+            </a:r>
+            <a:r>
+              <a:rPr lang="en-US" altLang="ja-JP" dirty="0" smtClean="0"/>
+              <a:t>=0.1</a:t>
+            </a:r>
+          </a:p>
+          <a:p>
+            <a:r>
+              <a:rPr lang="ja-JP" altLang="en-US" dirty="0"/>
+              <a:t>混合</a:t>
+            </a:r>
+            <a:r>
+              <a:rPr lang="ja-JP" altLang="en-US" dirty="0" smtClean="0"/>
+              <a:t>率</a:t>
+            </a:r>
+            <a:r>
+              <a:rPr lang="en-US" altLang="ja-JP" dirty="0" smtClean="0"/>
+              <a:t>=0.05</a:t>
+            </a:r>
+            <a:endParaRPr lang="ja-JP" altLang="en-US" dirty="0"/>
+          </a:p>
+        </p:txBody>
+      </p:sp>
+      <p:sp>
+        <p:nvSpPr>
+          <p:cNvPr id="7" name="タイトル 1"/>
+          <p:cNvSpPr txBox="1">
+            <a:spLocks/>
+          </p:cNvSpPr>
+          <p:nvPr/>
+        </p:nvSpPr>
+        <p:spPr>
+          <a:xfrm>
+            <a:off x="806220" y="189721"/>
+            <a:ext cx="4941498" cy="1325563"/>
+          </a:xfrm>
+          <a:prstGeom prst="rect">
+            <a:avLst/>
+          </a:prstGeom>
+          <a:solidFill>
+            <a:schemeClr val="bg1"/>
+          </a:solidFill>
+        </p:spPr>
+        <p:txBody>
+          <a:bodyPr vert="horz" lIns="91440" tIns="45720" rIns="91440" bIns="45720" rtlCol="0" anchor="ctr">
+            <a:normAutofit fontScale="82500" lnSpcReduction="20000"/>
+          </a:bodyPr>
+          <a:lstStyle>
+            <a:lvl1pPr algn="l" defTabSz="914400" rtl="0" eaLnBrk="1" latinLnBrk="0" hangingPunct="1">
+              <a:lnSpc>
+                <a:spcPct val="90000"/>
+              </a:lnSpc>
+              <a:spcBef>
+                <a:spcPct val="0"/>
+              </a:spcBef>
+              <a:buNone/>
+              <a:defRPr kumimoji="1" sz="4400" kern="1200">
+                <a:solidFill>
+                  <a:schemeClr val="tx1"/>
+                </a:solidFill>
+                <a:latin typeface="+mj-lt"/>
+                <a:ea typeface="+mj-ea"/>
+                <a:cs typeface="+mj-cs"/>
+              </a:defRPr>
+            </a:lvl1pPr>
+          </a:lstStyle>
+          <a:p>
+            <a:r>
+              <a:rPr lang="en-US" altLang="ja-JP" dirty="0" smtClean="0"/>
+              <a:t>Read depth =50</a:t>
+            </a:r>
+            <a:br>
+              <a:rPr lang="en-US" altLang="ja-JP" dirty="0" smtClean="0"/>
+            </a:br>
+            <a:r>
+              <a:rPr lang="ja-JP" altLang="en-US" dirty="0" smtClean="0"/>
+              <a:t>コールエラー率</a:t>
+            </a:r>
+            <a:r>
+              <a:rPr lang="en-US" altLang="ja-JP" dirty="0" smtClean="0"/>
+              <a:t>=0.1</a:t>
+            </a:r>
+          </a:p>
+          <a:p>
+            <a:r>
+              <a:rPr lang="ja-JP" altLang="en-US" dirty="0"/>
+              <a:t>混合</a:t>
+            </a:r>
+            <a:r>
+              <a:rPr lang="ja-JP" altLang="en-US" dirty="0" smtClean="0"/>
+              <a:t>率</a:t>
+            </a:r>
+            <a:r>
+              <a:rPr lang="en-US" altLang="ja-JP" dirty="0" smtClean="0"/>
+              <a:t>=0.1</a:t>
+            </a:r>
+            <a:endParaRPr lang="ja-JP" altLang="en-US" dirty="0"/>
+          </a:p>
+        </p:txBody>
+      </p:sp>
+    </p:spTree>
+    <p:extLst>
+      <p:ext uri="{BB962C8B-B14F-4D97-AF65-F5344CB8AC3E}">
+        <p14:creationId xmlns:p14="http://schemas.microsoft.com/office/powerpoint/2010/main" val="1334287551"/>
+      </p:ext>
+    </p:extLst>
+  </p:cSld>
+  <p:clrMapOvr>
+    <a:masterClrMapping/>
+  </p:clrMapOvr>
+</p:sld>
+</file>
+
+<file path=ppt/slides/slide34.xml><?xml version="1.0" encoding="utf-8"?>
+<p:sld xmlns:a="http://schemas.openxmlformats.org/drawingml/2006/main" xmlns:r="http://schemas.openxmlformats.org/officeDocument/2006/relationships" xmlns:p="http://schemas.openxmlformats.org/presentationml/2006/main">
+  <p:cSld>
+    <p:spTree>
+      <p:nvGrpSpPr>
+        <p:cNvPr id="1" name=""/>
+        <p:cNvGrpSpPr/>
+        <p:nvPr/>
+      </p:nvGrpSpPr>
+      <p:grpSpPr>
+        <a:xfrm>
+          <a:off x="0" y="0"/>
+          <a:ext cx="0" cy="0"/>
+          <a:chOff x="0" y="0"/>
+          <a:chExt cx="0" cy="0"/>
+        </a:xfrm>
+      </p:grpSpPr>
+      <p:sp>
+        <p:nvSpPr>
+          <p:cNvPr id="2" name="タイトル 1"/>
+          <p:cNvSpPr>
+            <a:spLocks noGrp="1"/>
+          </p:cNvSpPr>
+          <p:nvPr>
+            <p:ph type="title"/>
+          </p:nvPr>
+        </p:nvSpPr>
+        <p:spPr/>
+        <p:txBody>
+          <a:bodyPr/>
+          <a:lstStyle/>
+          <a:p>
+            <a:r>
+              <a:rPr kumimoji="1" lang="ja-JP" altLang="en-US" dirty="0" smtClean="0"/>
+              <a:t>１か所ではなくて、そこら中調べたい？</a:t>
+            </a:r>
+            <a:endParaRPr kumimoji="1" lang="ja-JP" altLang="en-US" dirty="0"/>
+          </a:p>
+        </p:txBody>
+      </p:sp>
+      <p:sp>
+        <p:nvSpPr>
+          <p:cNvPr id="3" name="コンテンツ プレースホルダー 2"/>
+          <p:cNvSpPr>
+            <a:spLocks noGrp="1"/>
+          </p:cNvSpPr>
+          <p:nvPr>
+            <p:ph idx="1"/>
+          </p:nvPr>
+        </p:nvSpPr>
+        <p:spPr/>
+        <p:txBody>
+          <a:bodyPr/>
+          <a:lstStyle/>
+          <a:p>
+            <a:r>
+              <a:rPr kumimoji="1" lang="ja-JP" altLang="en-US" dirty="0" smtClean="0"/>
+              <a:t>混合比はゲノムの座位によって異なるかも</a:t>
+            </a:r>
+            <a:endParaRPr kumimoji="1" lang="ja-JP" altLang="en-US" dirty="0"/>
+          </a:p>
+        </p:txBody>
+      </p:sp>
+    </p:spTree>
+    <p:extLst>
+      <p:ext uri="{BB962C8B-B14F-4D97-AF65-F5344CB8AC3E}">
+        <p14:creationId xmlns:p14="http://schemas.microsoft.com/office/powerpoint/2010/main" val="1875354714"/>
+      </p:ext>
+    </p:extLst>
+  </p:cSld>
+  <p:clrMapOvr>
+    <a:masterClrMapping/>
+  </p:clrMapOvr>
+</p:sld>
+</file>
+
+<file path=ppt/slides/slide35.xml><?xml version="1.0" encoding="utf-8"?>
+<p:sld xmlns:a="http://schemas.openxmlformats.org/drawingml/2006/main" xmlns:r="http://schemas.openxmlformats.org/officeDocument/2006/relationships" xmlns:p="http://schemas.openxmlformats.org/presentationml/2006/main">
+  <p:cSld>
+    <p:spTree>
+      <p:nvGrpSpPr>
+        <p:cNvPr id="1" name=""/>
+        <p:cNvGrpSpPr/>
+        <p:nvPr/>
+      </p:nvGrpSpPr>
+      <p:grpSpPr>
+        <a:xfrm>
+          <a:off x="0" y="0"/>
+          <a:ext cx="0" cy="0"/>
+          <a:chOff x="0" y="0"/>
+          <a:chExt cx="0" cy="0"/>
+        </a:xfrm>
+      </p:grpSpPr>
+      <p:sp>
+        <p:nvSpPr>
+          <p:cNvPr id="2" name="タイトル 1"/>
+          <p:cNvSpPr>
+            <a:spLocks noGrp="1"/>
+          </p:cNvSpPr>
+          <p:nvPr>
+            <p:ph type="title"/>
+          </p:nvPr>
+        </p:nvSpPr>
+        <p:spPr/>
+        <p:txBody>
+          <a:bodyPr/>
+          <a:lstStyle/>
+          <a:p>
+            <a:endParaRPr kumimoji="1" lang="ja-JP" altLang="en-US"/>
+          </a:p>
+        </p:txBody>
+      </p:sp>
+      <p:sp>
+        <p:nvSpPr>
+          <p:cNvPr id="3" name="コンテンツ プレースホルダー 2"/>
+          <p:cNvSpPr>
+            <a:spLocks noGrp="1"/>
+          </p:cNvSpPr>
+          <p:nvPr>
+            <p:ph idx="1"/>
+          </p:nvPr>
+        </p:nvSpPr>
+        <p:spPr/>
+        <p:txBody>
+          <a:bodyPr/>
+          <a:lstStyle/>
+          <a:p>
+            <a:endParaRPr kumimoji="1" lang="ja-JP" altLang="en-US"/>
+          </a:p>
+        </p:txBody>
+      </p:sp>
+      <p:pic>
+        <p:nvPicPr>
+          <p:cNvPr id="4" name="図 3"/>
+          <p:cNvPicPr>
+            <a:picLocks noChangeAspect="1"/>
+          </p:cNvPicPr>
+          <p:nvPr/>
+        </p:nvPicPr>
+        <p:blipFill>
+          <a:blip r:embed="rId3"/>
+          <a:stretch>
+            <a:fillRect/>
+          </a:stretch>
+        </p:blipFill>
+        <p:spPr>
+          <a:xfrm>
+            <a:off x="5518030" y="466725"/>
+            <a:ext cx="6400800" cy="6391275"/>
+          </a:xfrm>
+          <a:prstGeom prst="rect">
+            <a:avLst/>
+          </a:prstGeom>
+        </p:spPr>
+      </p:pic>
+      <p:pic>
+        <p:nvPicPr>
+          <p:cNvPr id="5" name="図 4"/>
+          <p:cNvPicPr>
+            <a:picLocks noChangeAspect="1"/>
+          </p:cNvPicPr>
+          <p:nvPr/>
+        </p:nvPicPr>
+        <p:blipFill>
+          <a:blip r:embed="rId4"/>
+          <a:stretch>
+            <a:fillRect/>
+          </a:stretch>
+        </p:blipFill>
+        <p:spPr>
+          <a:xfrm>
+            <a:off x="0" y="466725"/>
+            <a:ext cx="6400800" cy="6391275"/>
+          </a:xfrm>
+          <a:prstGeom prst="rect">
+            <a:avLst/>
+          </a:prstGeom>
+        </p:spPr>
+      </p:pic>
+    </p:spTree>
+    <p:extLst>
+      <p:ext uri="{BB962C8B-B14F-4D97-AF65-F5344CB8AC3E}">
+        <p14:creationId xmlns:p14="http://schemas.microsoft.com/office/powerpoint/2010/main" val="1217894788"/>
+      </p:ext>
+    </p:extLst>
+  </p:cSld>
+  <p:clrMapOvr>
+    <a:masterClrMapping/>
+  </p:clrMapOvr>
+</p:sld>
+</file>
+
+<file path=ppt/slides/slide36.xml><?xml version="1.0" encoding="utf-8"?>
+<p:sld xmlns:a="http://schemas.openxmlformats.org/drawingml/2006/main" xmlns:r="http://schemas.openxmlformats.org/officeDocument/2006/relationships" xmlns:p="http://schemas.openxmlformats.org/presentationml/2006/main">
+  <p:cSld>
+    <p:spTree>
+      <p:nvGrpSpPr>
+        <p:cNvPr id="1" name=""/>
+        <p:cNvGrpSpPr/>
+        <p:nvPr/>
+      </p:nvGrpSpPr>
+      <p:grpSpPr>
+        <a:xfrm>
+          <a:off x="0" y="0"/>
+          <a:ext cx="0" cy="0"/>
+          <a:chOff x="0" y="0"/>
+          <a:chExt cx="0" cy="0"/>
+        </a:xfrm>
+      </p:grpSpPr>
+      <p:sp>
+        <p:nvSpPr>
+          <p:cNvPr id="2" name="タイトル 1"/>
+          <p:cNvSpPr>
+            <a:spLocks noGrp="1"/>
+          </p:cNvSpPr>
+          <p:nvPr>
+            <p:ph type="title"/>
+          </p:nvPr>
+        </p:nvSpPr>
+        <p:spPr/>
+        <p:txBody>
+          <a:bodyPr/>
+          <a:lstStyle/>
+          <a:p>
+            <a:r>
+              <a:rPr lang="ja-JP" altLang="en-US" dirty="0" smtClean="0"/>
+              <a:t>全ゲノムをちゃんと調べたい</a:t>
+            </a:r>
+            <a:endParaRPr kumimoji="1" lang="ja-JP" altLang="en-US" dirty="0"/>
+          </a:p>
+        </p:txBody>
+      </p:sp>
+      <p:sp>
+        <p:nvSpPr>
+          <p:cNvPr id="3" name="コンテンツ プレースホルダー 2"/>
+          <p:cNvSpPr>
+            <a:spLocks noGrp="1"/>
+          </p:cNvSpPr>
+          <p:nvPr>
+            <p:ph idx="1"/>
+          </p:nvPr>
+        </p:nvSpPr>
+        <p:spPr/>
+        <p:txBody>
+          <a:bodyPr/>
+          <a:lstStyle/>
+          <a:p>
+            <a:r>
+              <a:rPr kumimoji="1" lang="ja-JP" altLang="en-US" dirty="0" smtClean="0"/>
+              <a:t>場所によってマップされるリード本数にばらつきが出る</a:t>
+            </a:r>
+            <a:endParaRPr kumimoji="1" lang="en-US" altLang="ja-JP" dirty="0" smtClean="0"/>
+          </a:p>
+          <a:p>
+            <a:endParaRPr lang="en-US" altLang="ja-JP" dirty="0"/>
+          </a:p>
+          <a:p>
+            <a:r>
+              <a:rPr kumimoji="1" lang="en-US" altLang="ja-JP" dirty="0" smtClean="0"/>
+              <a:t>0</a:t>
+            </a:r>
+            <a:r>
+              <a:rPr kumimoji="1" lang="ja-JP" altLang="en-US" dirty="0" err="1" smtClean="0"/>
+              <a:t>，</a:t>
+            </a:r>
+            <a:r>
+              <a:rPr kumimoji="1" lang="en-US" altLang="ja-JP" dirty="0" smtClean="0"/>
+              <a:t>1</a:t>
+            </a:r>
+            <a:r>
+              <a:rPr kumimoji="1" lang="ja-JP" altLang="en-US" dirty="0" err="1" smtClean="0"/>
+              <a:t>，</a:t>
+            </a:r>
+            <a:r>
+              <a:rPr kumimoji="1" lang="en-US" altLang="ja-JP" dirty="0" smtClean="0"/>
+              <a:t>2</a:t>
+            </a:r>
+            <a:r>
+              <a:rPr kumimoji="1" lang="ja-JP" altLang="en-US" dirty="0" err="1" smtClean="0"/>
+              <a:t>，</a:t>
+            </a:r>
+            <a:r>
+              <a:rPr kumimoji="1" lang="en-US" altLang="ja-JP" dirty="0" smtClean="0"/>
+              <a:t>3</a:t>
+            </a:r>
+            <a:r>
+              <a:rPr lang="ja-JP" altLang="en-US" dirty="0" err="1" smtClean="0"/>
+              <a:t>，</a:t>
+            </a:r>
+            <a:r>
+              <a:rPr lang="ja-JP" altLang="en-US" dirty="0" smtClean="0"/>
+              <a:t>・・・</a:t>
+            </a:r>
+            <a:endParaRPr lang="en-US" altLang="ja-JP" dirty="0" smtClean="0"/>
+          </a:p>
+          <a:p>
+            <a:endParaRPr kumimoji="1" lang="en-US" altLang="ja-JP" dirty="0"/>
+          </a:p>
+          <a:p>
+            <a:r>
+              <a:rPr lang="ja-JP" altLang="en-US" dirty="0" smtClean="0"/>
+              <a:t>？　分布　？</a:t>
+            </a:r>
+            <a:endParaRPr kumimoji="1" lang="ja-JP" altLang="en-US" dirty="0"/>
+          </a:p>
+        </p:txBody>
+      </p:sp>
+    </p:spTree>
+    <p:extLst>
+      <p:ext uri="{BB962C8B-B14F-4D97-AF65-F5344CB8AC3E}">
+        <p14:creationId xmlns:p14="http://schemas.microsoft.com/office/powerpoint/2010/main" val="4293416938"/>
+      </p:ext>
+    </p:extLst>
+  </p:cSld>
+  <p:clrMapOvr>
+    <a:masterClrMapping/>
+  </p:clrMapOvr>
+</p:sld>
+</file>
+
+<file path=ppt/slides/slide37.xml><?xml version="1.0" encoding="utf-8"?>
+<p:sld xmlns:a="http://schemas.openxmlformats.org/drawingml/2006/main" xmlns:r="http://schemas.openxmlformats.org/officeDocument/2006/relationships" xmlns:p="http://schemas.openxmlformats.org/presentationml/2006/main">
+  <p:cSld>
+    <p:spTree>
+      <p:nvGrpSpPr>
+        <p:cNvPr id="1" name=""/>
+        <p:cNvGrpSpPr/>
+        <p:nvPr/>
+      </p:nvGrpSpPr>
+      <p:grpSpPr>
+        <a:xfrm>
+          <a:off x="0" y="0"/>
+          <a:ext cx="0" cy="0"/>
+          <a:chOff x="0" y="0"/>
+          <a:chExt cx="0" cy="0"/>
+        </a:xfrm>
+      </p:grpSpPr>
+      <p:sp>
+        <p:nvSpPr>
+          <p:cNvPr id="2" name="タイトル 1"/>
+          <p:cNvSpPr>
+            <a:spLocks noGrp="1"/>
+          </p:cNvSpPr>
+          <p:nvPr>
+            <p:ph type="title"/>
+          </p:nvPr>
+        </p:nvSpPr>
+        <p:spPr/>
+        <p:txBody>
+          <a:bodyPr/>
+          <a:lstStyle/>
+          <a:p>
+            <a:r>
+              <a:rPr kumimoji="1" lang="ja-JP" altLang="en-US" dirty="0" smtClean="0"/>
+              <a:t>マップ本数の分布</a:t>
+            </a:r>
+            <a:endParaRPr kumimoji="1" lang="ja-JP" altLang="en-US" dirty="0"/>
+          </a:p>
+        </p:txBody>
+      </p:sp>
+      <p:sp>
+        <p:nvSpPr>
+          <p:cNvPr id="3" name="コンテンツ プレースホルダー 2"/>
+          <p:cNvSpPr>
+            <a:spLocks noGrp="1"/>
+          </p:cNvSpPr>
+          <p:nvPr>
+            <p:ph idx="1"/>
+          </p:nvPr>
+        </p:nvSpPr>
+        <p:spPr/>
+        <p:txBody>
+          <a:bodyPr/>
+          <a:lstStyle/>
+          <a:p>
+            <a:r>
+              <a:rPr lang="ja-JP" altLang="en-US" dirty="0" smtClean="0"/>
+              <a:t>ポアッソン分布</a:t>
+            </a:r>
+            <a:endParaRPr lang="en-US" altLang="ja-JP" dirty="0" smtClean="0"/>
+          </a:p>
+          <a:p>
+            <a:endParaRPr kumimoji="1" lang="en-US" altLang="ja-JP" dirty="0"/>
+          </a:p>
+          <a:p>
+            <a:r>
+              <a:rPr lang="ja-JP" altLang="en-US" dirty="0" smtClean="0"/>
+              <a:t>負の二項分布</a:t>
+            </a:r>
+            <a:endParaRPr kumimoji="1" lang="ja-JP" altLang="en-US" dirty="0"/>
+          </a:p>
+        </p:txBody>
+      </p:sp>
+    </p:spTree>
+    <p:extLst>
+      <p:ext uri="{BB962C8B-B14F-4D97-AF65-F5344CB8AC3E}">
+        <p14:creationId xmlns:p14="http://schemas.microsoft.com/office/powerpoint/2010/main" val="1224196599"/>
+      </p:ext>
+    </p:extLst>
+  </p:cSld>
+  <p:clrMapOvr>
+    <a:masterClrMapping/>
+  </p:clrMapOvr>
+</p:sld>
+</file>
+
+<file path=ppt/slides/slide38.xml><?xml version="1.0" encoding="utf-8"?>
+<p:sld xmlns:a="http://schemas.openxmlformats.org/drawingml/2006/main" xmlns:r="http://schemas.openxmlformats.org/officeDocument/2006/relationships" xmlns:p="http://schemas.openxmlformats.org/presentationml/2006/main">
+  <p:cSld>
+    <p:spTree>
+      <p:nvGrpSpPr>
+        <p:cNvPr id="1" name=""/>
+        <p:cNvGrpSpPr/>
+        <p:nvPr/>
+      </p:nvGrpSpPr>
+      <p:grpSpPr>
+        <a:xfrm>
+          <a:off x="0" y="0"/>
+          <a:ext cx="0" cy="0"/>
+          <a:chOff x="0" y="0"/>
+          <a:chExt cx="0" cy="0"/>
+        </a:xfrm>
+      </p:grpSpPr>
       <p:sp>
         <p:nvSpPr>
           <p:cNvPr id="2" name="タイトル 1"/>
@@ -6541,6 +11360,152 @@
     <p:extLst>
       <p:ext uri="{BB962C8B-B14F-4D97-AF65-F5344CB8AC3E}">
         <p14:creationId xmlns:p14="http://schemas.microsoft.com/office/powerpoint/2010/main" val="3257294365"/>
+      </p:ext>
+    </p:extLst>
+  </p:cSld>
+  <p:clrMapOvr>
+    <a:masterClrMapping/>
+  </p:clrMapOvr>
+</p:sld>
+</file>
+
+<file path=ppt/slides/slide39.xml><?xml version="1.0" encoding="utf-8"?>
+<p:sld xmlns:a="http://schemas.openxmlformats.org/drawingml/2006/main" xmlns:r="http://schemas.openxmlformats.org/officeDocument/2006/relationships" xmlns:p="http://schemas.openxmlformats.org/presentationml/2006/main">
+  <p:cSld>
+    <p:spTree>
+      <p:nvGrpSpPr>
+        <p:cNvPr id="1" name=""/>
+        <p:cNvGrpSpPr/>
+        <p:nvPr/>
+      </p:nvGrpSpPr>
+      <p:grpSpPr>
+        <a:xfrm>
+          <a:off x="0" y="0"/>
+          <a:ext cx="0" cy="0"/>
+          <a:chOff x="0" y="0"/>
+          <a:chExt cx="0" cy="0"/>
+        </a:xfrm>
+      </p:grpSpPr>
+      <p:sp>
+        <p:nvSpPr>
+          <p:cNvPr id="2" name="タイトル 1"/>
+          <p:cNvSpPr>
+            <a:spLocks noGrp="1"/>
+          </p:cNvSpPr>
+          <p:nvPr>
+            <p:ph type="title"/>
+          </p:nvPr>
+        </p:nvSpPr>
+        <p:spPr/>
+        <p:txBody>
+          <a:bodyPr/>
+          <a:lstStyle/>
+          <a:p>
+            <a:r>
+              <a:rPr kumimoji="1" lang="ja-JP" altLang="en-US" dirty="0" smtClean="0"/>
+              <a:t>今日のまとめ</a:t>
+            </a:r>
+            <a:endParaRPr kumimoji="1" lang="ja-JP" altLang="en-US" dirty="0"/>
+          </a:p>
+        </p:txBody>
+      </p:sp>
+      <p:sp>
+        <p:nvSpPr>
+          <p:cNvPr id="3" name="コンテンツ プレースホルダー 2"/>
+          <p:cNvSpPr>
+            <a:spLocks noGrp="1"/>
+          </p:cNvSpPr>
+          <p:nvPr>
+            <p:ph idx="1"/>
+          </p:nvPr>
+        </p:nvSpPr>
+        <p:spPr/>
+        <p:txBody>
+          <a:bodyPr/>
+          <a:lstStyle/>
+          <a:p>
+            <a:r>
+              <a:rPr kumimoji="1" lang="ja-JP" altLang="en-US" dirty="0" smtClean="0"/>
+              <a:t>体細胞キメラ</a:t>
+            </a:r>
+            <a:endParaRPr kumimoji="1" lang="en-US" altLang="ja-JP" dirty="0" smtClean="0"/>
+          </a:p>
+          <a:p>
+            <a:pPr lvl="1"/>
+            <a:r>
+              <a:rPr lang="ja-JP" altLang="en-US" dirty="0" smtClean="0"/>
+              <a:t>生理的なもの</a:t>
+            </a:r>
+            <a:endParaRPr lang="en-US" altLang="ja-JP" dirty="0" smtClean="0"/>
+          </a:p>
+          <a:p>
+            <a:pPr lvl="1"/>
+            <a:r>
+              <a:rPr kumimoji="1" lang="ja-JP" altLang="en-US" dirty="0" smtClean="0"/>
+              <a:t>現代医療由来のもの</a:t>
+            </a:r>
+            <a:endParaRPr kumimoji="1" lang="en-US" altLang="ja-JP" dirty="0" smtClean="0"/>
+          </a:p>
+          <a:p>
+            <a:pPr lvl="1"/>
+            <a:r>
+              <a:rPr lang="ja-JP" altLang="en-US" dirty="0" smtClean="0"/>
+              <a:t>珍しいが、遭遇しない、というほどのものではない</a:t>
+            </a:r>
+            <a:endParaRPr lang="en-US" altLang="ja-JP" dirty="0" smtClean="0"/>
+          </a:p>
+          <a:p>
+            <a:r>
+              <a:rPr kumimoji="1" lang="ja-JP" altLang="en-US" dirty="0" smtClean="0"/>
+              <a:t>混合試料判定と重複する考え方が必要</a:t>
+            </a:r>
+            <a:endParaRPr kumimoji="1" lang="en-US" altLang="ja-JP" dirty="0" smtClean="0"/>
+          </a:p>
+          <a:p>
+            <a:r>
+              <a:rPr lang="ja-JP" altLang="en-US" dirty="0" smtClean="0"/>
+              <a:t>シークエンサー利用を想定して考える場合に必要な数学</a:t>
+            </a:r>
+            <a:endParaRPr lang="en-US" altLang="ja-JP" dirty="0" smtClean="0"/>
+          </a:p>
+          <a:p>
+            <a:pPr lvl="1"/>
+            <a:r>
+              <a:rPr kumimoji="1" lang="ja-JP" altLang="en-US" dirty="0" smtClean="0"/>
+              <a:t>二項分布とその分離</a:t>
+            </a:r>
+            <a:endParaRPr kumimoji="1" lang="en-US" altLang="ja-JP" dirty="0" smtClean="0"/>
+          </a:p>
+          <a:p>
+            <a:pPr lvl="1"/>
+            <a:r>
+              <a:rPr kumimoji="1" lang="ja-JP" altLang="en-US" dirty="0" smtClean="0"/>
+              <a:t>コールエラー率</a:t>
+            </a:r>
+            <a:endParaRPr kumimoji="1" lang="en-US" altLang="ja-JP" dirty="0" smtClean="0"/>
+          </a:p>
+          <a:p>
+            <a:pPr lvl="1"/>
+            <a:r>
+              <a:rPr lang="ja-JP" altLang="en-US" dirty="0" smtClean="0"/>
+              <a:t>混合比</a:t>
+            </a:r>
+            <a:endParaRPr lang="en-US" altLang="ja-JP" dirty="0" smtClean="0"/>
+          </a:p>
+          <a:p>
+            <a:pPr lvl="1"/>
+            <a:r>
+              <a:rPr kumimoji="1" lang="ja-JP" altLang="en-US" dirty="0" smtClean="0"/>
+              <a:t>リードデプスがコントロールできないこと</a:t>
+            </a:r>
+            <a:endParaRPr kumimoji="1" lang="ja-JP" altLang="en-US" dirty="0"/>
+          </a:p>
+        </p:txBody>
+      </p:sp>
+    </p:spTree>
+    <p:extLst>
+      <p:ext uri="{BB962C8B-B14F-4D97-AF65-F5344CB8AC3E}">
+        <p14:creationId xmlns:p14="http://schemas.microsoft.com/office/powerpoint/2010/main" val="142175984"/>
       </p:ext>
     </p:extLst>
   </p:cSld>
@@ -7403,6 +12368,227 @@
     <p:extLst>
       <p:ext uri="{BB962C8B-B14F-4D97-AF65-F5344CB8AC3E}">
         <p14:creationId xmlns:p14="http://schemas.microsoft.com/office/powerpoint/2010/main" val="555506717"/>
+      </p:ext>
+    </p:extLst>
+  </p:cSld>
+  <p:clrMapOvr>
+    <a:masterClrMapping/>
+  </p:clrMapOvr>
+</p:sld>
+</file>
+
+<file path=ppt/slides/slide40.xml><?xml version="1.0" encoding="utf-8"?>
+<p:sld xmlns:a="http://schemas.openxmlformats.org/drawingml/2006/main" xmlns:r="http://schemas.openxmlformats.org/officeDocument/2006/relationships" xmlns:p="http://schemas.openxmlformats.org/presentationml/2006/main">
+  <p:cSld>
+    <p:spTree>
+      <p:nvGrpSpPr>
+        <p:cNvPr id="1" name=""/>
+        <p:cNvGrpSpPr/>
+        <p:nvPr/>
+      </p:nvGrpSpPr>
+      <p:grpSpPr>
+        <a:xfrm>
+          <a:off x="0" y="0"/>
+          <a:ext cx="0" cy="0"/>
+          <a:chOff x="0" y="0"/>
+          <a:chExt cx="0" cy="0"/>
+        </a:xfrm>
+      </p:grpSpPr>
+      <p:sp>
+        <p:nvSpPr>
+          <p:cNvPr id="2" name="タイトル 1"/>
+          <p:cNvSpPr>
+            <a:spLocks noGrp="1"/>
+          </p:cNvSpPr>
+          <p:nvPr>
+            <p:ph type="title"/>
+          </p:nvPr>
+        </p:nvSpPr>
+        <p:spPr/>
+        <p:txBody>
+          <a:bodyPr/>
+          <a:lstStyle/>
+          <a:p>
+            <a:r>
+              <a:rPr kumimoji="1" lang="ja-JP" altLang="en-US" dirty="0" smtClean="0"/>
+              <a:t>本日のヒストグラムに用いたソース</a:t>
+            </a:r>
+            <a:endParaRPr kumimoji="1" lang="ja-JP" altLang="en-US" dirty="0"/>
+          </a:p>
+        </p:txBody>
+      </p:sp>
+      <p:sp>
+        <p:nvSpPr>
+          <p:cNvPr id="5" name="正方形/長方形 4"/>
+          <p:cNvSpPr/>
+          <p:nvPr/>
+        </p:nvSpPr>
+        <p:spPr>
+          <a:xfrm>
+            <a:off x="1762898" y="1690687"/>
+            <a:ext cx="8715632" cy="369332"/>
+          </a:xfrm>
+          <a:prstGeom prst="rect">
+            <a:avLst/>
+          </a:prstGeom>
+        </p:spPr>
+        <p:txBody>
+          <a:bodyPr wrap="square">
+            <a:spAutoFit/>
+          </a:bodyPr>
+          <a:lstStyle/>
+          <a:p>
+            <a:r>
+              <a:rPr lang="ja-JP" altLang="en-US" dirty="0"/>
+              <a:t>https://gist.github.com/db10913b64d4d0955e2cc36b13995d4d.git</a:t>
+            </a:r>
+          </a:p>
+        </p:txBody>
+      </p:sp>
+      <p:pic>
+        <p:nvPicPr>
+          <p:cNvPr id="6" name="図 5"/>
+          <p:cNvPicPr>
+            <a:picLocks noChangeAspect="1"/>
+          </p:cNvPicPr>
+          <p:nvPr/>
+        </p:nvPicPr>
+        <p:blipFill>
+          <a:blip r:embed="rId3">
+            <a:extLst>
+              <a:ext uri="{28A0092B-C50C-407E-A947-70E740481C1C}">
+                <a14:useLocalDpi xmlns:a14="http://schemas.microsoft.com/office/drawing/2010/main" val="0"/>
+              </a:ext>
+            </a:extLst>
+          </a:blip>
+          <a:stretch>
+            <a:fillRect/>
+          </a:stretch>
+        </p:blipFill>
+        <p:spPr>
+          <a:xfrm>
+            <a:off x="9154941" y="1690686"/>
+            <a:ext cx="2248287" cy="2248287"/>
+          </a:xfrm>
+          <a:prstGeom prst="rect">
+            <a:avLst/>
+          </a:prstGeom>
+        </p:spPr>
+      </p:pic>
+      <p:sp>
+        <p:nvSpPr>
+          <p:cNvPr id="7" name="タイトル 1"/>
+          <p:cNvSpPr txBox="1">
+            <a:spLocks/>
+          </p:cNvSpPr>
+          <p:nvPr/>
+        </p:nvSpPr>
+        <p:spPr>
+          <a:xfrm>
+            <a:off x="838200" y="3785113"/>
+            <a:ext cx="10515600" cy="1325563"/>
+          </a:xfrm>
+          <a:prstGeom prst="rect">
+            <a:avLst/>
+          </a:prstGeom>
+        </p:spPr>
+        <p:txBody>
+          <a:bodyPr vert="horz" lIns="91440" tIns="45720" rIns="91440" bIns="45720" rtlCol="0" anchor="ctr">
+            <a:normAutofit/>
+          </a:bodyPr>
+          <a:lstStyle>
+            <a:lvl1pPr algn="l" defTabSz="914400" rtl="0" eaLnBrk="1" latinLnBrk="0" hangingPunct="1">
+              <a:lnSpc>
+                <a:spcPct val="90000"/>
+              </a:lnSpc>
+              <a:spcBef>
+                <a:spcPct val="0"/>
+              </a:spcBef>
+              <a:buNone/>
+              <a:defRPr kumimoji="1" sz="4400" kern="1200">
+                <a:solidFill>
+                  <a:schemeClr val="tx1"/>
+                </a:solidFill>
+                <a:latin typeface="+mj-lt"/>
+                <a:ea typeface="+mj-ea"/>
+                <a:cs typeface="+mj-cs"/>
+              </a:defRPr>
+            </a:lvl1pPr>
+          </a:lstStyle>
+          <a:p>
+            <a:r>
+              <a:rPr lang="ja-JP" altLang="en-US" dirty="0" smtClean="0"/>
+              <a:t>本日のスライド</a:t>
+            </a:r>
+            <a:endParaRPr lang="ja-JP" altLang="en-US" dirty="0"/>
+          </a:p>
+        </p:txBody>
+      </p:sp>
+      <p:pic>
+        <p:nvPicPr>
+          <p:cNvPr id="8" name="図 7"/>
+          <p:cNvPicPr>
+            <a:picLocks noChangeAspect="1"/>
+          </p:cNvPicPr>
+          <p:nvPr/>
+        </p:nvPicPr>
+        <p:blipFill>
+          <a:blip r:embed="rId4">
+            <a:extLst>
+              <a:ext uri="{28A0092B-C50C-407E-A947-70E740481C1C}">
+                <a14:useLocalDpi xmlns:a14="http://schemas.microsoft.com/office/drawing/2010/main" val="0"/>
+              </a:ext>
+            </a:extLst>
+          </a:blip>
+          <a:stretch>
+            <a:fillRect/>
+          </a:stretch>
+        </p:blipFill>
+        <p:spPr>
+          <a:xfrm>
+            <a:off x="2234127" y="4732251"/>
+            <a:ext cx="1743075" cy="1743075"/>
+          </a:xfrm>
+          <a:prstGeom prst="rect">
+            <a:avLst/>
+          </a:prstGeom>
+        </p:spPr>
+      </p:pic>
+      <p:sp>
+        <p:nvSpPr>
+          <p:cNvPr id="9" name="正方形/長方形 8"/>
+          <p:cNvSpPr/>
+          <p:nvPr/>
+        </p:nvSpPr>
+        <p:spPr>
+          <a:xfrm>
+            <a:off x="4382530" y="4823504"/>
+            <a:ext cx="6096000" cy="646331"/>
+          </a:xfrm>
+          <a:prstGeom prst="rect">
+            <a:avLst/>
+          </a:prstGeom>
+        </p:spPr>
+        <p:txBody>
+          <a:bodyPr>
+            <a:spAutoFit/>
+          </a:bodyPr>
+          <a:lstStyle/>
+          <a:p>
+            <a:r>
+              <a:rPr lang="en-US" altLang="ja-JP" dirty="0">
+                <a:hlinkClick r:id="rId5"/>
+              </a:rPr>
+              <a:t>https://github.com/ryamada22/atom/blob/master/Lectures2019/chimeraNGStyping2020Jan.pdf</a:t>
+            </a:r>
+            <a:endParaRPr lang="ja-JP" altLang="en-US" dirty="0"/>
+          </a:p>
+        </p:txBody>
+      </p:sp>
+    </p:spTree>
+    <p:extLst>
+      <p:ext uri="{BB962C8B-B14F-4D97-AF65-F5344CB8AC3E}">
+        <p14:creationId xmlns:p14="http://schemas.microsoft.com/office/powerpoint/2010/main" val="606238550"/>
       </p:ext>
     </p:extLst>
   </p:cSld>
@@ -9143,4 +14329,265 @@
     </a:ext>
   </a:extLst>
 </a:theme>
+</file>
+
+<file path=ppt/theme/theme2.xml><?xml version="1.0" encoding="utf-8"?>
+<a:theme xmlns:a="http://schemas.openxmlformats.org/drawingml/2006/main" name="Office テーマ">
+  <a:themeElements>
+    <a:clrScheme name="Office">
+      <a:dk1>
+        <a:sysClr val="windowText" lastClr="000000"/>
+      </a:dk1>
+      <a:lt1>
+        <a:sysClr val="window" lastClr="FFFFFF"/>
+      </a:lt1>
+      <a:dk2>
+        <a:srgbClr val="44546A"/>
+      </a:dk2>
+      <a:lt2>
+        <a:srgbClr val="E7E6E6"/>
+      </a:lt2>
+      <a:accent1>
+        <a:srgbClr val="5B9BD5"/>
+      </a:accent1>
+      <a:accent2>
+        <a:srgbClr val="ED7D31"/>
+      </a:accent2>
+      <a:accent3>
+        <a:srgbClr val="A5A5A5"/>
+      </a:accent3>
+      <a:accent4>
+        <a:srgbClr val="FFC000"/>
+      </a:accent4>
+      <a:accent5>
+        <a:srgbClr val="4472C4"/>
+      </a:accent5>
+      <a:accent6>
+        <a:srgbClr val="70AD47"/>
+      </a:accent6>
+      <a:hlink>
+        <a:srgbClr val="0563C1"/>
+      </a:hlink>
+      <a:folHlink>
+        <a:srgbClr val="954F72"/>
+      </a:folHlink>
+    </a:clrScheme>
+    <a:fontScheme name="Office">
+      <a:majorFont>
+        <a:latin typeface="游ゴシック Light" panose="020F0302020204030204"/>
+        <a:ea typeface=""/>
+        <a:cs typeface=""/>
+        <a:font script="Jpan" typeface="游ゴシック Light"/>
+        <a:font script="Hang" typeface="맑은 고딕"/>
+        <a:font script="Hans" typeface="等线 Light"/>
+        <a:font script="Hant" typeface="新細明體"/>
+        <a:font script="Arab" typeface="Times New Roman"/>
+        <a:font script="Hebr" typeface="Times New Roman"/>
+        <a:font script="Thai" typeface="Angsana New"/>
+        <a:font script="Ethi" typeface="Nyala"/>
+        <a:font script="Beng" typeface="Vrinda"/>
+        <a:font script="Gujr" typeface="Shruti"/>
+        <a:font script="Khmr" typeface="MoolBoran"/>
+        <a:font script="Knda" typeface="Tunga"/>
+        <a:font script="Guru" typeface="Raavi"/>
+        <a:font script="Cans" typeface="Euphemia"/>
+        <a:font script="Cher" typeface="Plantagenet Cherokee"/>
+        <a:font script="Yiii" typeface="Microsoft Yi Baiti"/>
+        <a:font script="Tibt" typeface="Microsoft Himalaya"/>
+        <a:font script="Thaa" typeface="MV Boli"/>
+        <a:font script="Deva" typeface="Mangal"/>
+        <a:font script="Telu" typeface="Gautami"/>
+        <a:font script="Taml" typeface="Latha"/>
+        <a:font script="Syrc" typeface="Estrangelo Edessa"/>
+        <a:font script="Orya" typeface="Kalinga"/>
+        <a:font script="Mlym" typeface="Kartika"/>
+        <a:font script="Laoo" typeface="DokChampa"/>
+        <a:font script="Sinh" typeface="Iskoola Pota"/>
+        <a:font script="Mong" typeface="Mongolian Baiti"/>
+        <a:font script="Viet" typeface="Times New Roman"/>
+        <a:font script="Uigh" typeface="Microsoft Uighur"/>
+        <a:font script="Geor" typeface="Sylfaen"/>
+      </a:majorFont>
+      <a:minorFont>
+        <a:latin typeface="游ゴシック" panose="020F0502020204030204"/>
+        <a:ea typeface=""/>
+        <a:cs typeface=""/>
+        <a:font script="Jpan" typeface="游ゴシック"/>
+        <a:font script="Hang" typeface="맑은 고딕"/>
+        <a:font script="Hans" typeface="等线"/>
+        <a:font script="Hant" typeface="新細明體"/>
+        <a:font script="Arab" typeface="Arial"/>
+        <a:font script="Hebr" typeface="Arial"/>
+        <a:font script="Thai" typeface="Cordia New"/>
+        <a:font script="Ethi" typeface="Nyala"/>
+        <a:font script="Beng" typeface="Vrinda"/>
+        <a:font script="Gujr" typeface="Shruti"/>
+        <a:font script="Khmr" typeface="DaunPenh"/>
+        <a:font script="Knda" typeface="Tunga"/>
+        <a:font script="Guru" typeface="Raavi"/>
+        <a:font script="Cans" typeface="Euphemia"/>
+        <a:font script="Cher" typeface="Plantagenet Cherokee"/>
+        <a:font script="Yiii" typeface="Microsoft Yi Baiti"/>
+        <a:font script="Tibt" typeface="Microsoft Himalaya"/>
+        <a:font script="Thaa" typeface="MV Boli"/>
+        <a:font script="Deva" typeface="Mangal"/>
+        <a:font script="Telu" typeface="Gautami"/>
+        <a:font script="Taml" typeface="Latha"/>
+        <a:font script="Syrc" typeface="Estrangelo Edessa"/>
+        <a:font script="Orya" typeface="Kalinga"/>
+        <a:font script="Mlym" typeface="Kartika"/>
+        <a:font script="Laoo" typeface="DokChampa"/>
+        <a:font script="Sinh" typeface="Iskoola Pota"/>
+        <a:font script="Mong" typeface="Mongolian Baiti"/>
+        <a:font script="Viet" typeface="Arial"/>
+        <a:font script="Uigh" typeface="Microsoft Uighur"/>
+        <a:font script="Geor" typeface="Sylfaen"/>
+      </a:minorFont>
+    </a:fontScheme>
+    <a:fmtScheme name="Office">
+      <a:fillStyleLst>
+        <a:solidFill>
+          <a:schemeClr val="phClr"/>
+        </a:solidFill>
+        <a:gradFill rotWithShape="1">
+          <a:gsLst>
+            <a:gs pos="0">
+              <a:schemeClr val="phClr">
+                <a:lumMod val="110000"/>
+                <a:satMod val="105000"/>
+                <a:tint val="67000"/>
+              </a:schemeClr>
+            </a:gs>
+            <a:gs pos="50000">
+              <a:schemeClr val="phClr">
+                <a:lumMod val="105000"/>
+                <a:satMod val="103000"/>
+                <a:tint val="73000"/>
+              </a:schemeClr>
+            </a:gs>
+            <a:gs pos="100000">
+              <a:schemeClr val="phClr">
+                <a:lumMod val="105000"/>
+                <a:satMod val="109000"/>
+                <a:tint val="81000"/>
+              </a:schemeClr>
+            </a:gs>
+          </a:gsLst>
+          <a:lin ang="5400000" scaled="0"/>
+        </a:gradFill>
+        <a:gradFill rotWithShape="1">
+          <a:gsLst>
+            <a:gs pos="0">
+              <a:schemeClr val="phClr">
+                <a:satMod val="103000"/>
+                <a:lumMod val="102000"/>
+                <a:tint val="94000"/>
+              </a:schemeClr>
+            </a:gs>
+            <a:gs pos="50000">
+              <a:schemeClr val="phClr">
+                <a:satMod val="110000"/>
+                <a:lumMod val="100000"/>
+                <a:shade val="100000"/>
+              </a:schemeClr>
+            </a:gs>
+            <a:gs pos="100000">
+              <a:schemeClr val="phClr">
+                <a:lumMod val="99000"/>
+                <a:satMod val="120000"/>
+                <a:shade val="78000"/>
+              </a:schemeClr>
+            </a:gs>
+          </a:gsLst>
+          <a:lin ang="5400000" scaled="0"/>
+        </a:gradFill>
+      </a:fillStyleLst>
+      <a:lnStyleLst>
+        <a:ln w="6350" cap="flat" cmpd="sng" algn="ctr">
+          <a:solidFill>
+            <a:schemeClr val="phClr"/>
+          </a:solidFill>
+          <a:prstDash val="solid"/>
+          <a:miter lim="800000"/>
+        </a:ln>
+        <a:ln w="12700" cap="flat" cmpd="sng" algn="ctr">
+          <a:solidFill>
+            <a:schemeClr val="phClr"/>
+          </a:solidFill>
+          <a:prstDash val="solid"/>
+          <a:miter lim="800000"/>
+        </a:ln>
+        <a:ln w="19050" cap="flat" cmpd="sng" algn="ctr">
+          <a:solidFill>
+            <a:schemeClr val="phClr"/>
+          </a:solidFill>
+          <a:prstDash val="solid"/>
+          <a:miter lim="800000"/>
+        </a:ln>
+      </a:lnStyleLst>
+      <a:effectStyleLst>
+        <a:effectStyle>
+          <a:effectLst/>
+        </a:effectStyle>
+        <a:effectStyle>
+          <a:effectLst/>
+        </a:effectStyle>
+        <a:effectStyle>
+          <a:effectLst>
+            <a:outerShdw blurRad="57150" dist="19050" dir="5400000" algn="ctr" rotWithShape="0">
+              <a:srgbClr val="000000">
+                <a:alpha val="63000"/>
+              </a:srgbClr>
+            </a:outerShdw>
+          </a:effectLst>
+        </a:effectStyle>
+      </a:effectStyleLst>
+      <a:bgFillStyleLst>
+        <a:solidFill>
+          <a:schemeClr val="phClr"/>
+        </a:solidFill>
+        <a:solidFill>
+          <a:schemeClr val="phClr">
+            <a:tint val="95000"/>
+            <a:satMod val="170000"/>
+          </a:schemeClr>
+        </a:solidFill>
+        <a:gradFill rotWithShape="1">
+          <a:gsLst>
+            <a:gs pos="0">
+              <a:schemeClr val="phClr">
+                <a:tint val="93000"/>
+                <a:satMod val="150000"/>
+                <a:shade val="98000"/>
+                <a:lumMod val="102000"/>
+              </a:schemeClr>
+            </a:gs>
+            <a:gs pos="50000">
+              <a:schemeClr val="phClr">
+                <a:tint val="98000"/>
+                <a:satMod val="130000"/>
+                <a:shade val="90000"/>
+                <a:lumMod val="103000"/>
+              </a:schemeClr>
+            </a:gs>
+            <a:gs pos="100000">
+              <a:schemeClr val="phClr">
+                <a:shade val="63000"/>
+                <a:satMod val="120000"/>
+              </a:schemeClr>
+            </a:gs>
+          </a:gsLst>
+          <a:lin ang="5400000" scaled="0"/>
+        </a:gradFill>
+      </a:bgFillStyleLst>
+    </a:fmtScheme>
+  </a:themeElements>
+  <a:objectDefaults/>
+  <a:extraClrSchemeLst/>
+  <a:extLst>
+    <a:ext uri="{05A4C25C-085E-4340-85A3-A5531E510DB2}">
+      <thm15:themeFamily xmlns:thm15="http://schemas.microsoft.com/office/thememl/2012/main" name="Office Theme" id="{62F939B6-93AF-4DB8-9C6B-D6C7DFDC589F}" vid="{4A3C46E8-61CC-4603-A589-7422A47A8E4A}"/>
+    </a:ext>
+  </a:extLst>
+</a:theme>
 </file>